--- a/Introduction to Rest.pptx
+++ b/Introduction to Rest.pptx
@@ -5,7 +5,7 @@
     <p:sldMasterId id="2147483684" r:id="rId1"/>
   </p:sldMasterIdLst>
   <p:notesMasterIdLst>
-    <p:notesMasterId r:id="rId53"/>
+    <p:notesMasterId r:id="rId61"/>
   </p:notesMasterIdLst>
   <p:sldIdLst>
     <p:sldId id="256" r:id="rId2"/>
@@ -57,8 +57,16 @@
     <p:sldId id="497" r:id="rId48"/>
     <p:sldId id="498" r:id="rId49"/>
     <p:sldId id="499" r:id="rId50"/>
-    <p:sldId id="424" r:id="rId51"/>
-    <p:sldId id="367" r:id="rId52"/>
+    <p:sldId id="501" r:id="rId51"/>
+    <p:sldId id="502" r:id="rId52"/>
+    <p:sldId id="503" r:id="rId53"/>
+    <p:sldId id="504" r:id="rId54"/>
+    <p:sldId id="505" r:id="rId55"/>
+    <p:sldId id="506" r:id="rId56"/>
+    <p:sldId id="507" r:id="rId57"/>
+    <p:sldId id="508" r:id="rId58"/>
+    <p:sldId id="424" r:id="rId59"/>
+    <p:sldId id="367" r:id="rId60"/>
   </p:sldIdLst>
   <p:sldSz cx="9144000" cy="6858000" type="screen4x3"/>
   <p:notesSz cx="6858000" cy="9144000"/>
@@ -259,7 +267,7 @@
             <a:fld id="{940CEE64-98CB-4226-A253-7BC1859BE751}" type="datetimeFigureOut">
               <a:rPr lang="en-US" smtClean="0"/>
               <a:pPr/>
-              <a:t>31/03/2023</a:t>
+              <a:t>03/04/2023</a:t>
             </a:fld>
             <a:endParaRPr lang="en-US"/>
           </a:p>
@@ -6224,9 +6232,28 @@
         </p:nvSpPr>
         <p:spPr/>
         <p:txBody>
-          <a:bodyPr/>
+          <a:bodyPr>
+            <a:normAutofit/>
+          </a:bodyPr>
           <a:lstStyle/>
           <a:p>
+            <a:pPr marL="0" marR="0" lvl="0" indent="0" algn="l" defTabSz="914400" rtl="0" eaLnBrk="1" fontAlgn="auto" latinLnBrk="0" hangingPunct="1">
+              <a:lnSpc>
+                <a:spcPct val="100000"/>
+              </a:lnSpc>
+              <a:spcBef>
+                <a:spcPts val="0"/>
+              </a:spcBef>
+              <a:spcAft>
+                <a:spcPts val="0"/>
+              </a:spcAft>
+              <a:buClrTx/>
+              <a:buSzTx/>
+              <a:buFontTx/>
+              <a:buNone/>
+              <a:tabLst/>
+              <a:defRPr/>
+            </a:pPr>
             <a:endParaRPr lang="en-US" dirty="0"/>
           </a:p>
         </p:txBody>
@@ -6238,7 +6265,7 @@
             <a:spLocks noGrp="1"/>
           </p:cNvSpPr>
           <p:nvPr>
-            <p:ph type="sldNum" sz="quarter" idx="5"/>
+            <p:ph type="sldNum" sz="quarter" idx="10"/>
           </p:nvPr>
         </p:nvSpPr>
         <p:spPr/>
@@ -6258,7 +6285,7 @@
     </p:spTree>
     <p:extLst>
       <p:ext uri="{BB962C8B-B14F-4D97-AF65-F5344CB8AC3E}">
-        <p14:creationId xmlns:p14="http://schemas.microsoft.com/office/powerpoint/2010/main" val="629698199"/>
+        <p14:creationId xmlns:p14="http://schemas.microsoft.com/office/powerpoint/2010/main" val="2993901223"/>
       </p:ext>
     </p:extLst>
   </p:cSld>
@@ -7662,6 +7689,819 @@
     <p:extLst>
       <p:ext uri="{BB962C8B-B14F-4D97-AF65-F5344CB8AC3E}">
         <p14:creationId xmlns:p14="http://schemas.microsoft.com/office/powerpoint/2010/main" val="467401144"/>
+      </p:ext>
+    </p:extLst>
+  </p:cSld>
+  <p:clrMapOvr>
+    <a:masterClrMapping/>
+  </p:clrMapOvr>
+</p:notes>
+</file>
+
+<file path=ppt/notesSlides/notesSlide50.xml><?xml version="1.0" encoding="utf-8"?>
+<p:notes xmlns:a="http://schemas.openxmlformats.org/drawingml/2006/main" xmlns:r="http://schemas.openxmlformats.org/officeDocument/2006/relationships" xmlns:p="http://schemas.openxmlformats.org/presentationml/2006/main">
+  <p:cSld>
+    <p:spTree>
+      <p:nvGrpSpPr>
+        <p:cNvPr id="1" name=""/>
+        <p:cNvGrpSpPr/>
+        <p:nvPr/>
+      </p:nvGrpSpPr>
+      <p:grpSpPr>
+        <a:xfrm>
+          <a:off x="0" y="0"/>
+          <a:ext cx="0" cy="0"/>
+          <a:chOff x="0" y="0"/>
+          <a:chExt cx="0" cy="0"/>
+        </a:xfrm>
+      </p:grpSpPr>
+      <p:sp>
+        <p:nvSpPr>
+          <p:cNvPr id="2" name="Slide Image Placeholder 1"/>
+          <p:cNvSpPr>
+            <a:spLocks noGrp="1" noRot="1" noChangeAspect="1"/>
+          </p:cNvSpPr>
+          <p:nvPr>
+            <p:ph type="sldImg"/>
+          </p:nvPr>
+        </p:nvSpPr>
+        <p:spPr/>
+      </p:sp>
+      <p:sp>
+        <p:nvSpPr>
+          <p:cNvPr id="3" name="Notes Placeholder 2"/>
+          <p:cNvSpPr>
+            <a:spLocks noGrp="1"/>
+          </p:cNvSpPr>
+          <p:nvPr>
+            <p:ph type="body" idx="1"/>
+          </p:nvPr>
+        </p:nvSpPr>
+        <p:spPr/>
+        <p:txBody>
+          <a:bodyPr>
+            <a:normAutofit/>
+          </a:bodyPr>
+          <a:lstStyle/>
+          <a:p>
+            <a:pPr marL="0" marR="0" lvl="0" indent="0" algn="l" defTabSz="914400" rtl="0" eaLnBrk="1" fontAlgn="auto" latinLnBrk="0" hangingPunct="1">
+              <a:lnSpc>
+                <a:spcPct val="100000"/>
+              </a:lnSpc>
+              <a:spcBef>
+                <a:spcPts val="0"/>
+              </a:spcBef>
+              <a:spcAft>
+                <a:spcPts val="0"/>
+              </a:spcAft>
+              <a:buClrTx/>
+              <a:buSzTx/>
+              <a:buFontTx/>
+              <a:buNone/>
+              <a:tabLst/>
+              <a:defRPr/>
+            </a:pPr>
+            <a:endParaRPr lang="en-US" dirty="0"/>
+          </a:p>
+        </p:txBody>
+      </p:sp>
+      <p:sp>
+        <p:nvSpPr>
+          <p:cNvPr id="4" name="Slide Number Placeholder 3"/>
+          <p:cNvSpPr>
+            <a:spLocks noGrp="1"/>
+          </p:cNvSpPr>
+          <p:nvPr>
+            <p:ph type="sldNum" sz="quarter" idx="10"/>
+          </p:nvPr>
+        </p:nvSpPr>
+        <p:spPr/>
+        <p:txBody>
+          <a:bodyPr/>
+          <a:lstStyle/>
+          <a:p>
+            <a:fld id="{2B6F42A7-B42A-4EFE-B8BF-3BC6AAD8E03A}" type="slidenum">
+              <a:rPr lang="en-US" smtClean="0"/>
+              <a:pPr/>
+              <a:t>51</a:t>
+            </a:fld>
+            <a:endParaRPr lang="en-US"/>
+          </a:p>
+        </p:txBody>
+      </p:sp>
+    </p:spTree>
+    <p:extLst>
+      <p:ext uri="{BB962C8B-B14F-4D97-AF65-F5344CB8AC3E}">
+        <p14:creationId xmlns:p14="http://schemas.microsoft.com/office/powerpoint/2010/main" val="4071401768"/>
+      </p:ext>
+    </p:extLst>
+  </p:cSld>
+  <p:clrMapOvr>
+    <a:masterClrMapping/>
+  </p:clrMapOvr>
+</p:notes>
+</file>
+
+<file path=ppt/notesSlides/notesSlide51.xml><?xml version="1.0" encoding="utf-8"?>
+<p:notes xmlns:a="http://schemas.openxmlformats.org/drawingml/2006/main" xmlns:r="http://schemas.openxmlformats.org/officeDocument/2006/relationships" xmlns:p="http://schemas.openxmlformats.org/presentationml/2006/main">
+  <p:cSld>
+    <p:spTree>
+      <p:nvGrpSpPr>
+        <p:cNvPr id="1" name=""/>
+        <p:cNvGrpSpPr/>
+        <p:nvPr/>
+      </p:nvGrpSpPr>
+      <p:grpSpPr>
+        <a:xfrm>
+          <a:off x="0" y="0"/>
+          <a:ext cx="0" cy="0"/>
+          <a:chOff x="0" y="0"/>
+          <a:chExt cx="0" cy="0"/>
+        </a:xfrm>
+      </p:grpSpPr>
+      <p:sp>
+        <p:nvSpPr>
+          <p:cNvPr id="2" name="Slide Image Placeholder 1"/>
+          <p:cNvSpPr>
+            <a:spLocks noGrp="1" noRot="1" noChangeAspect="1"/>
+          </p:cNvSpPr>
+          <p:nvPr>
+            <p:ph type="sldImg"/>
+          </p:nvPr>
+        </p:nvSpPr>
+        <p:spPr/>
+      </p:sp>
+      <p:sp>
+        <p:nvSpPr>
+          <p:cNvPr id="3" name="Notes Placeholder 2"/>
+          <p:cNvSpPr>
+            <a:spLocks noGrp="1"/>
+          </p:cNvSpPr>
+          <p:nvPr>
+            <p:ph type="body" idx="1"/>
+          </p:nvPr>
+        </p:nvSpPr>
+        <p:spPr/>
+        <p:txBody>
+          <a:bodyPr>
+            <a:normAutofit/>
+          </a:bodyPr>
+          <a:lstStyle/>
+          <a:p>
+            <a:pPr marL="0" marR="0" lvl="0" indent="0" algn="l" defTabSz="914400" rtl="0" eaLnBrk="1" fontAlgn="auto" latinLnBrk="0" hangingPunct="1">
+              <a:lnSpc>
+                <a:spcPct val="100000"/>
+              </a:lnSpc>
+              <a:spcBef>
+                <a:spcPts val="0"/>
+              </a:spcBef>
+              <a:spcAft>
+                <a:spcPts val="0"/>
+              </a:spcAft>
+              <a:buClrTx/>
+              <a:buSzTx/>
+              <a:buFontTx/>
+              <a:buNone/>
+              <a:tabLst/>
+              <a:defRPr/>
+            </a:pPr>
+            <a:endParaRPr lang="en-US" dirty="0"/>
+          </a:p>
+        </p:txBody>
+      </p:sp>
+      <p:sp>
+        <p:nvSpPr>
+          <p:cNvPr id="4" name="Slide Number Placeholder 3"/>
+          <p:cNvSpPr>
+            <a:spLocks noGrp="1"/>
+          </p:cNvSpPr>
+          <p:nvPr>
+            <p:ph type="sldNum" sz="quarter" idx="10"/>
+          </p:nvPr>
+        </p:nvSpPr>
+        <p:spPr/>
+        <p:txBody>
+          <a:bodyPr/>
+          <a:lstStyle/>
+          <a:p>
+            <a:fld id="{2B6F42A7-B42A-4EFE-B8BF-3BC6AAD8E03A}" type="slidenum">
+              <a:rPr lang="en-US" smtClean="0"/>
+              <a:pPr/>
+              <a:t>52</a:t>
+            </a:fld>
+            <a:endParaRPr lang="en-US"/>
+          </a:p>
+        </p:txBody>
+      </p:sp>
+    </p:spTree>
+    <p:extLst>
+      <p:ext uri="{BB962C8B-B14F-4D97-AF65-F5344CB8AC3E}">
+        <p14:creationId xmlns:p14="http://schemas.microsoft.com/office/powerpoint/2010/main" val="1931563827"/>
+      </p:ext>
+    </p:extLst>
+  </p:cSld>
+  <p:clrMapOvr>
+    <a:masterClrMapping/>
+  </p:clrMapOvr>
+</p:notes>
+</file>
+
+<file path=ppt/notesSlides/notesSlide52.xml><?xml version="1.0" encoding="utf-8"?>
+<p:notes xmlns:a="http://schemas.openxmlformats.org/drawingml/2006/main" xmlns:r="http://schemas.openxmlformats.org/officeDocument/2006/relationships" xmlns:p="http://schemas.openxmlformats.org/presentationml/2006/main">
+  <p:cSld>
+    <p:spTree>
+      <p:nvGrpSpPr>
+        <p:cNvPr id="1" name=""/>
+        <p:cNvGrpSpPr/>
+        <p:nvPr/>
+      </p:nvGrpSpPr>
+      <p:grpSpPr>
+        <a:xfrm>
+          <a:off x="0" y="0"/>
+          <a:ext cx="0" cy="0"/>
+          <a:chOff x="0" y="0"/>
+          <a:chExt cx="0" cy="0"/>
+        </a:xfrm>
+      </p:grpSpPr>
+      <p:sp>
+        <p:nvSpPr>
+          <p:cNvPr id="2" name="Slide Image Placeholder 1"/>
+          <p:cNvSpPr>
+            <a:spLocks noGrp="1" noRot="1" noChangeAspect="1"/>
+          </p:cNvSpPr>
+          <p:nvPr>
+            <p:ph type="sldImg"/>
+          </p:nvPr>
+        </p:nvSpPr>
+        <p:spPr/>
+      </p:sp>
+      <p:sp>
+        <p:nvSpPr>
+          <p:cNvPr id="3" name="Notes Placeholder 2"/>
+          <p:cNvSpPr>
+            <a:spLocks noGrp="1"/>
+          </p:cNvSpPr>
+          <p:nvPr>
+            <p:ph type="body" idx="1"/>
+          </p:nvPr>
+        </p:nvSpPr>
+        <p:spPr/>
+        <p:txBody>
+          <a:bodyPr>
+            <a:normAutofit/>
+          </a:bodyPr>
+          <a:lstStyle/>
+          <a:p>
+            <a:pPr marL="0" marR="0" lvl="0" indent="0" algn="l" defTabSz="914400" rtl="0" eaLnBrk="1" fontAlgn="auto" latinLnBrk="0" hangingPunct="1">
+              <a:lnSpc>
+                <a:spcPct val="100000"/>
+              </a:lnSpc>
+              <a:spcBef>
+                <a:spcPts val="0"/>
+              </a:spcBef>
+              <a:spcAft>
+                <a:spcPts val="0"/>
+              </a:spcAft>
+              <a:buClrTx/>
+              <a:buSzTx/>
+              <a:buFontTx/>
+              <a:buNone/>
+              <a:tabLst/>
+              <a:defRPr/>
+            </a:pPr>
+            <a:endParaRPr lang="en-US" dirty="0"/>
+          </a:p>
+        </p:txBody>
+      </p:sp>
+      <p:sp>
+        <p:nvSpPr>
+          <p:cNvPr id="4" name="Slide Number Placeholder 3"/>
+          <p:cNvSpPr>
+            <a:spLocks noGrp="1"/>
+          </p:cNvSpPr>
+          <p:nvPr>
+            <p:ph type="sldNum" sz="quarter" idx="10"/>
+          </p:nvPr>
+        </p:nvSpPr>
+        <p:spPr/>
+        <p:txBody>
+          <a:bodyPr/>
+          <a:lstStyle/>
+          <a:p>
+            <a:fld id="{2B6F42A7-B42A-4EFE-B8BF-3BC6AAD8E03A}" type="slidenum">
+              <a:rPr lang="en-US" smtClean="0"/>
+              <a:pPr/>
+              <a:t>53</a:t>
+            </a:fld>
+            <a:endParaRPr lang="en-US"/>
+          </a:p>
+        </p:txBody>
+      </p:sp>
+    </p:spTree>
+    <p:extLst>
+      <p:ext uri="{BB962C8B-B14F-4D97-AF65-F5344CB8AC3E}">
+        <p14:creationId xmlns:p14="http://schemas.microsoft.com/office/powerpoint/2010/main" val="3189120803"/>
+      </p:ext>
+    </p:extLst>
+  </p:cSld>
+  <p:clrMapOvr>
+    <a:masterClrMapping/>
+  </p:clrMapOvr>
+</p:notes>
+</file>
+
+<file path=ppt/notesSlides/notesSlide53.xml><?xml version="1.0" encoding="utf-8"?>
+<p:notes xmlns:a="http://schemas.openxmlformats.org/drawingml/2006/main" xmlns:r="http://schemas.openxmlformats.org/officeDocument/2006/relationships" xmlns:p="http://schemas.openxmlformats.org/presentationml/2006/main">
+  <p:cSld>
+    <p:spTree>
+      <p:nvGrpSpPr>
+        <p:cNvPr id="1" name=""/>
+        <p:cNvGrpSpPr/>
+        <p:nvPr/>
+      </p:nvGrpSpPr>
+      <p:grpSpPr>
+        <a:xfrm>
+          <a:off x="0" y="0"/>
+          <a:ext cx="0" cy="0"/>
+          <a:chOff x="0" y="0"/>
+          <a:chExt cx="0" cy="0"/>
+        </a:xfrm>
+      </p:grpSpPr>
+      <p:sp>
+        <p:nvSpPr>
+          <p:cNvPr id="2" name="Slide Image Placeholder 1"/>
+          <p:cNvSpPr>
+            <a:spLocks noGrp="1" noRot="1" noChangeAspect="1"/>
+          </p:cNvSpPr>
+          <p:nvPr>
+            <p:ph type="sldImg"/>
+          </p:nvPr>
+        </p:nvSpPr>
+        <p:spPr/>
+      </p:sp>
+      <p:sp>
+        <p:nvSpPr>
+          <p:cNvPr id="3" name="Notes Placeholder 2"/>
+          <p:cNvSpPr>
+            <a:spLocks noGrp="1"/>
+          </p:cNvSpPr>
+          <p:nvPr>
+            <p:ph type="body" idx="1"/>
+          </p:nvPr>
+        </p:nvSpPr>
+        <p:spPr/>
+        <p:txBody>
+          <a:bodyPr>
+            <a:normAutofit/>
+          </a:bodyPr>
+          <a:lstStyle/>
+          <a:p>
+            <a:pPr marL="0" marR="0" lvl="0" indent="0" algn="l" defTabSz="914400" rtl="0" eaLnBrk="1" fontAlgn="auto" latinLnBrk="0" hangingPunct="1">
+              <a:lnSpc>
+                <a:spcPct val="100000"/>
+              </a:lnSpc>
+              <a:spcBef>
+                <a:spcPts val="0"/>
+              </a:spcBef>
+              <a:spcAft>
+                <a:spcPts val="0"/>
+              </a:spcAft>
+              <a:buClrTx/>
+              <a:buSzTx/>
+              <a:buFontTx/>
+              <a:buNone/>
+              <a:tabLst/>
+              <a:defRPr/>
+            </a:pPr>
+            <a:endParaRPr lang="en-US" dirty="0"/>
+          </a:p>
+        </p:txBody>
+      </p:sp>
+      <p:sp>
+        <p:nvSpPr>
+          <p:cNvPr id="4" name="Slide Number Placeholder 3"/>
+          <p:cNvSpPr>
+            <a:spLocks noGrp="1"/>
+          </p:cNvSpPr>
+          <p:nvPr>
+            <p:ph type="sldNum" sz="quarter" idx="10"/>
+          </p:nvPr>
+        </p:nvSpPr>
+        <p:spPr/>
+        <p:txBody>
+          <a:bodyPr/>
+          <a:lstStyle/>
+          <a:p>
+            <a:fld id="{2B6F42A7-B42A-4EFE-B8BF-3BC6AAD8E03A}" type="slidenum">
+              <a:rPr lang="en-US" smtClean="0"/>
+              <a:pPr/>
+              <a:t>54</a:t>
+            </a:fld>
+            <a:endParaRPr lang="en-US"/>
+          </a:p>
+        </p:txBody>
+      </p:sp>
+    </p:spTree>
+    <p:extLst>
+      <p:ext uri="{BB962C8B-B14F-4D97-AF65-F5344CB8AC3E}">
+        <p14:creationId xmlns:p14="http://schemas.microsoft.com/office/powerpoint/2010/main" val="1148041560"/>
+      </p:ext>
+    </p:extLst>
+  </p:cSld>
+  <p:clrMapOvr>
+    <a:masterClrMapping/>
+  </p:clrMapOvr>
+</p:notes>
+</file>
+
+<file path=ppt/notesSlides/notesSlide54.xml><?xml version="1.0" encoding="utf-8"?>
+<p:notes xmlns:a="http://schemas.openxmlformats.org/drawingml/2006/main" xmlns:r="http://schemas.openxmlformats.org/officeDocument/2006/relationships" xmlns:p="http://schemas.openxmlformats.org/presentationml/2006/main">
+  <p:cSld>
+    <p:spTree>
+      <p:nvGrpSpPr>
+        <p:cNvPr id="1" name=""/>
+        <p:cNvGrpSpPr/>
+        <p:nvPr/>
+      </p:nvGrpSpPr>
+      <p:grpSpPr>
+        <a:xfrm>
+          <a:off x="0" y="0"/>
+          <a:ext cx="0" cy="0"/>
+          <a:chOff x="0" y="0"/>
+          <a:chExt cx="0" cy="0"/>
+        </a:xfrm>
+      </p:grpSpPr>
+      <p:sp>
+        <p:nvSpPr>
+          <p:cNvPr id="2" name="Slide Image Placeholder 1"/>
+          <p:cNvSpPr>
+            <a:spLocks noGrp="1" noRot="1" noChangeAspect="1"/>
+          </p:cNvSpPr>
+          <p:nvPr>
+            <p:ph type="sldImg"/>
+          </p:nvPr>
+        </p:nvSpPr>
+        <p:spPr/>
+      </p:sp>
+      <p:sp>
+        <p:nvSpPr>
+          <p:cNvPr id="3" name="Notes Placeholder 2"/>
+          <p:cNvSpPr>
+            <a:spLocks noGrp="1"/>
+          </p:cNvSpPr>
+          <p:nvPr>
+            <p:ph type="body" idx="1"/>
+          </p:nvPr>
+        </p:nvSpPr>
+        <p:spPr/>
+        <p:txBody>
+          <a:bodyPr>
+            <a:normAutofit/>
+          </a:bodyPr>
+          <a:lstStyle/>
+          <a:p>
+            <a:pPr marL="0" marR="0" lvl="0" indent="0" algn="l" defTabSz="914400" rtl="0" eaLnBrk="1" fontAlgn="auto" latinLnBrk="0" hangingPunct="1">
+              <a:lnSpc>
+                <a:spcPct val="100000"/>
+              </a:lnSpc>
+              <a:spcBef>
+                <a:spcPts val="0"/>
+              </a:spcBef>
+              <a:spcAft>
+                <a:spcPts val="0"/>
+              </a:spcAft>
+              <a:buClrTx/>
+              <a:buSzTx/>
+              <a:buFontTx/>
+              <a:buNone/>
+              <a:tabLst/>
+              <a:defRPr/>
+            </a:pPr>
+            <a:endParaRPr lang="en-US" dirty="0"/>
+          </a:p>
+        </p:txBody>
+      </p:sp>
+      <p:sp>
+        <p:nvSpPr>
+          <p:cNvPr id="4" name="Slide Number Placeholder 3"/>
+          <p:cNvSpPr>
+            <a:spLocks noGrp="1"/>
+          </p:cNvSpPr>
+          <p:nvPr>
+            <p:ph type="sldNum" sz="quarter" idx="10"/>
+          </p:nvPr>
+        </p:nvSpPr>
+        <p:spPr/>
+        <p:txBody>
+          <a:bodyPr/>
+          <a:lstStyle/>
+          <a:p>
+            <a:fld id="{2B6F42A7-B42A-4EFE-B8BF-3BC6AAD8E03A}" type="slidenum">
+              <a:rPr lang="en-US" smtClean="0"/>
+              <a:pPr/>
+              <a:t>55</a:t>
+            </a:fld>
+            <a:endParaRPr lang="en-US"/>
+          </a:p>
+        </p:txBody>
+      </p:sp>
+    </p:spTree>
+    <p:extLst>
+      <p:ext uri="{BB962C8B-B14F-4D97-AF65-F5344CB8AC3E}">
+        <p14:creationId xmlns:p14="http://schemas.microsoft.com/office/powerpoint/2010/main" val="2166875258"/>
+      </p:ext>
+    </p:extLst>
+  </p:cSld>
+  <p:clrMapOvr>
+    <a:masterClrMapping/>
+  </p:clrMapOvr>
+</p:notes>
+</file>
+
+<file path=ppt/notesSlides/notesSlide55.xml><?xml version="1.0" encoding="utf-8"?>
+<p:notes xmlns:a="http://schemas.openxmlformats.org/drawingml/2006/main" xmlns:r="http://schemas.openxmlformats.org/officeDocument/2006/relationships" xmlns:p="http://schemas.openxmlformats.org/presentationml/2006/main">
+  <p:cSld>
+    <p:spTree>
+      <p:nvGrpSpPr>
+        <p:cNvPr id="1" name=""/>
+        <p:cNvGrpSpPr/>
+        <p:nvPr/>
+      </p:nvGrpSpPr>
+      <p:grpSpPr>
+        <a:xfrm>
+          <a:off x="0" y="0"/>
+          <a:ext cx="0" cy="0"/>
+          <a:chOff x="0" y="0"/>
+          <a:chExt cx="0" cy="0"/>
+        </a:xfrm>
+      </p:grpSpPr>
+      <p:sp>
+        <p:nvSpPr>
+          <p:cNvPr id="2" name="Slide Image Placeholder 1"/>
+          <p:cNvSpPr>
+            <a:spLocks noGrp="1" noRot="1" noChangeAspect="1"/>
+          </p:cNvSpPr>
+          <p:nvPr>
+            <p:ph type="sldImg"/>
+          </p:nvPr>
+        </p:nvSpPr>
+        <p:spPr/>
+      </p:sp>
+      <p:sp>
+        <p:nvSpPr>
+          <p:cNvPr id="3" name="Notes Placeholder 2"/>
+          <p:cNvSpPr>
+            <a:spLocks noGrp="1"/>
+          </p:cNvSpPr>
+          <p:nvPr>
+            <p:ph type="body" idx="1"/>
+          </p:nvPr>
+        </p:nvSpPr>
+        <p:spPr/>
+        <p:txBody>
+          <a:bodyPr>
+            <a:normAutofit/>
+          </a:bodyPr>
+          <a:lstStyle/>
+          <a:p>
+            <a:pPr marL="0" marR="0" lvl="0" indent="0" algn="l" defTabSz="914400" rtl="0" eaLnBrk="1" fontAlgn="auto" latinLnBrk="0" hangingPunct="1">
+              <a:lnSpc>
+                <a:spcPct val="100000"/>
+              </a:lnSpc>
+              <a:spcBef>
+                <a:spcPts val="0"/>
+              </a:spcBef>
+              <a:spcAft>
+                <a:spcPts val="0"/>
+              </a:spcAft>
+              <a:buClrTx/>
+              <a:buSzTx/>
+              <a:buFontTx/>
+              <a:buNone/>
+              <a:tabLst/>
+              <a:defRPr/>
+            </a:pPr>
+            <a:endParaRPr lang="en-US" dirty="0"/>
+          </a:p>
+        </p:txBody>
+      </p:sp>
+      <p:sp>
+        <p:nvSpPr>
+          <p:cNvPr id="4" name="Slide Number Placeholder 3"/>
+          <p:cNvSpPr>
+            <a:spLocks noGrp="1"/>
+          </p:cNvSpPr>
+          <p:nvPr>
+            <p:ph type="sldNum" sz="quarter" idx="10"/>
+          </p:nvPr>
+        </p:nvSpPr>
+        <p:spPr/>
+        <p:txBody>
+          <a:bodyPr/>
+          <a:lstStyle/>
+          <a:p>
+            <a:fld id="{2B6F42A7-B42A-4EFE-B8BF-3BC6AAD8E03A}" type="slidenum">
+              <a:rPr lang="en-US" smtClean="0"/>
+              <a:pPr/>
+              <a:t>56</a:t>
+            </a:fld>
+            <a:endParaRPr lang="en-US"/>
+          </a:p>
+        </p:txBody>
+      </p:sp>
+    </p:spTree>
+    <p:extLst>
+      <p:ext uri="{BB962C8B-B14F-4D97-AF65-F5344CB8AC3E}">
+        <p14:creationId xmlns:p14="http://schemas.microsoft.com/office/powerpoint/2010/main" val="2627815880"/>
+      </p:ext>
+    </p:extLst>
+  </p:cSld>
+  <p:clrMapOvr>
+    <a:masterClrMapping/>
+  </p:clrMapOvr>
+</p:notes>
+</file>
+
+<file path=ppt/notesSlides/notesSlide56.xml><?xml version="1.0" encoding="utf-8"?>
+<p:notes xmlns:a="http://schemas.openxmlformats.org/drawingml/2006/main" xmlns:r="http://schemas.openxmlformats.org/officeDocument/2006/relationships" xmlns:p="http://schemas.openxmlformats.org/presentationml/2006/main">
+  <p:cSld>
+    <p:spTree>
+      <p:nvGrpSpPr>
+        <p:cNvPr id="1" name=""/>
+        <p:cNvGrpSpPr/>
+        <p:nvPr/>
+      </p:nvGrpSpPr>
+      <p:grpSpPr>
+        <a:xfrm>
+          <a:off x="0" y="0"/>
+          <a:ext cx="0" cy="0"/>
+          <a:chOff x="0" y="0"/>
+          <a:chExt cx="0" cy="0"/>
+        </a:xfrm>
+      </p:grpSpPr>
+      <p:sp>
+        <p:nvSpPr>
+          <p:cNvPr id="2" name="Slide Image Placeholder 1"/>
+          <p:cNvSpPr>
+            <a:spLocks noGrp="1" noRot="1" noChangeAspect="1"/>
+          </p:cNvSpPr>
+          <p:nvPr>
+            <p:ph type="sldImg"/>
+          </p:nvPr>
+        </p:nvSpPr>
+        <p:spPr/>
+      </p:sp>
+      <p:sp>
+        <p:nvSpPr>
+          <p:cNvPr id="3" name="Notes Placeholder 2"/>
+          <p:cNvSpPr>
+            <a:spLocks noGrp="1"/>
+          </p:cNvSpPr>
+          <p:nvPr>
+            <p:ph type="body" idx="1"/>
+          </p:nvPr>
+        </p:nvSpPr>
+        <p:spPr/>
+        <p:txBody>
+          <a:bodyPr>
+            <a:normAutofit/>
+          </a:bodyPr>
+          <a:lstStyle/>
+          <a:p>
+            <a:pPr marL="0" marR="0" lvl="0" indent="0" algn="l" defTabSz="914400" rtl="0" eaLnBrk="1" fontAlgn="auto" latinLnBrk="0" hangingPunct="1">
+              <a:lnSpc>
+                <a:spcPct val="100000"/>
+              </a:lnSpc>
+              <a:spcBef>
+                <a:spcPts val="0"/>
+              </a:spcBef>
+              <a:spcAft>
+                <a:spcPts val="0"/>
+              </a:spcAft>
+              <a:buClrTx/>
+              <a:buSzTx/>
+              <a:buFontTx/>
+              <a:buNone/>
+              <a:tabLst/>
+              <a:defRPr/>
+            </a:pPr>
+            <a:endParaRPr lang="en-US" dirty="0"/>
+          </a:p>
+        </p:txBody>
+      </p:sp>
+      <p:sp>
+        <p:nvSpPr>
+          <p:cNvPr id="4" name="Slide Number Placeholder 3"/>
+          <p:cNvSpPr>
+            <a:spLocks noGrp="1"/>
+          </p:cNvSpPr>
+          <p:nvPr>
+            <p:ph type="sldNum" sz="quarter" idx="10"/>
+          </p:nvPr>
+        </p:nvSpPr>
+        <p:spPr/>
+        <p:txBody>
+          <a:bodyPr/>
+          <a:lstStyle/>
+          <a:p>
+            <a:fld id="{2B6F42A7-B42A-4EFE-B8BF-3BC6AAD8E03A}" type="slidenum">
+              <a:rPr lang="en-US" smtClean="0"/>
+              <a:pPr/>
+              <a:t>57</a:t>
+            </a:fld>
+            <a:endParaRPr lang="en-US"/>
+          </a:p>
+        </p:txBody>
+      </p:sp>
+    </p:spTree>
+    <p:extLst>
+      <p:ext uri="{BB962C8B-B14F-4D97-AF65-F5344CB8AC3E}">
+        <p14:creationId xmlns:p14="http://schemas.microsoft.com/office/powerpoint/2010/main" val="1679068038"/>
+      </p:ext>
+    </p:extLst>
+  </p:cSld>
+  <p:clrMapOvr>
+    <a:masterClrMapping/>
+  </p:clrMapOvr>
+</p:notes>
+</file>
+
+<file path=ppt/notesSlides/notesSlide57.xml><?xml version="1.0" encoding="utf-8"?>
+<p:notes xmlns:a="http://schemas.openxmlformats.org/drawingml/2006/main" xmlns:r="http://schemas.openxmlformats.org/officeDocument/2006/relationships" xmlns:p="http://schemas.openxmlformats.org/presentationml/2006/main">
+  <p:cSld>
+    <p:spTree>
+      <p:nvGrpSpPr>
+        <p:cNvPr id="1" name=""/>
+        <p:cNvGrpSpPr/>
+        <p:nvPr/>
+      </p:nvGrpSpPr>
+      <p:grpSpPr>
+        <a:xfrm>
+          <a:off x="0" y="0"/>
+          <a:ext cx="0" cy="0"/>
+          <a:chOff x="0" y="0"/>
+          <a:chExt cx="0" cy="0"/>
+        </a:xfrm>
+      </p:grpSpPr>
+      <p:sp>
+        <p:nvSpPr>
+          <p:cNvPr id="2" name="Slide Image Placeholder 1"/>
+          <p:cNvSpPr>
+            <a:spLocks noGrp="1" noRot="1" noChangeAspect="1"/>
+          </p:cNvSpPr>
+          <p:nvPr>
+            <p:ph type="sldImg"/>
+          </p:nvPr>
+        </p:nvSpPr>
+        <p:spPr/>
+      </p:sp>
+      <p:sp>
+        <p:nvSpPr>
+          <p:cNvPr id="3" name="Notes Placeholder 2"/>
+          <p:cNvSpPr>
+            <a:spLocks noGrp="1"/>
+          </p:cNvSpPr>
+          <p:nvPr>
+            <p:ph type="body" idx="1"/>
+          </p:nvPr>
+        </p:nvSpPr>
+        <p:spPr/>
+        <p:txBody>
+          <a:bodyPr/>
+          <a:lstStyle/>
+          <a:p>
+            <a:endParaRPr lang="en-US" dirty="0"/>
+          </a:p>
+        </p:txBody>
+      </p:sp>
+      <p:sp>
+        <p:nvSpPr>
+          <p:cNvPr id="4" name="Slide Number Placeholder 3"/>
+          <p:cNvSpPr>
+            <a:spLocks noGrp="1"/>
+          </p:cNvSpPr>
+          <p:nvPr>
+            <p:ph type="sldNum" sz="quarter" idx="5"/>
+          </p:nvPr>
+        </p:nvSpPr>
+        <p:spPr/>
+        <p:txBody>
+          <a:bodyPr/>
+          <a:lstStyle/>
+          <a:p>
+            <a:fld id="{2B6F42A7-B42A-4EFE-B8BF-3BC6AAD8E03A}" type="slidenum">
+              <a:rPr lang="en-US" smtClean="0"/>
+              <a:pPr/>
+              <a:t>58</a:t>
+            </a:fld>
+            <a:endParaRPr lang="en-US"/>
+          </a:p>
+        </p:txBody>
+      </p:sp>
+    </p:spTree>
+    <p:extLst>
+      <p:ext uri="{BB962C8B-B14F-4D97-AF65-F5344CB8AC3E}">
+        <p14:creationId xmlns:p14="http://schemas.microsoft.com/office/powerpoint/2010/main" val="629698199"/>
       </p:ext>
     </p:extLst>
   </p:cSld>
@@ -8218,7 +9058,7 @@
             <a:fld id="{31E92B8E-6087-4A13-9F20-23C7A62C6D17}" type="datetimeFigureOut">
               <a:rPr lang="en-US" smtClean="0"/>
               <a:pPr/>
-              <a:t>31/03/2023</a:t>
+              <a:t>03/04/2023</a:t>
             </a:fld>
             <a:endParaRPr lang="en-US"/>
           </a:p>
@@ -8518,7 +9358,7 @@
             <a:fld id="{31E92B8E-6087-4A13-9F20-23C7A62C6D17}" type="datetimeFigureOut">
               <a:rPr lang="en-US" smtClean="0"/>
               <a:pPr/>
-              <a:t>31/03/2023</a:t>
+              <a:t>03/04/2023</a:t>
             </a:fld>
             <a:endParaRPr lang="en-US"/>
           </a:p>
@@ -8694,7 +9534,7 @@
             <a:fld id="{31E92B8E-6087-4A13-9F20-23C7A62C6D17}" type="datetimeFigureOut">
               <a:rPr lang="en-US" smtClean="0"/>
               <a:pPr/>
-              <a:t>31/03/2023</a:t>
+              <a:t>03/04/2023</a:t>
             </a:fld>
             <a:endParaRPr lang="en-US"/>
           </a:p>
@@ -8860,7 +9700,7 @@
             <a:fld id="{31E92B8E-6087-4A13-9F20-23C7A62C6D17}" type="datetimeFigureOut">
               <a:rPr lang="en-US" smtClean="0"/>
               <a:pPr/>
-              <a:t>31/03/2023</a:t>
+              <a:t>03/04/2023</a:t>
             </a:fld>
             <a:endParaRPr lang="en-US"/>
           </a:p>
@@ -9121,7 +9961,7 @@
             <a:fld id="{31E92B8E-6087-4A13-9F20-23C7A62C6D17}" type="datetimeFigureOut">
               <a:rPr lang="en-US" smtClean="0"/>
               <a:pPr/>
-              <a:t>31/03/2023</a:t>
+              <a:t>03/04/2023</a:t>
             </a:fld>
             <a:endParaRPr lang="en-US"/>
           </a:p>
@@ -9576,7 +10416,7 @@
             <a:fld id="{31E92B8E-6087-4A13-9F20-23C7A62C6D17}" type="datetimeFigureOut">
               <a:rPr lang="en-US" smtClean="0"/>
               <a:pPr/>
-              <a:t>31/03/2023</a:t>
+              <a:t>03/04/2023</a:t>
             </a:fld>
             <a:endParaRPr lang="en-US"/>
           </a:p>
@@ -10060,7 +10900,7 @@
             <a:fld id="{31E92B8E-6087-4A13-9F20-23C7A62C6D17}" type="datetimeFigureOut">
               <a:rPr lang="en-US" smtClean="0"/>
               <a:pPr/>
-              <a:t>31/03/2023</a:t>
+              <a:t>03/04/2023</a:t>
             </a:fld>
             <a:endParaRPr lang="en-US"/>
           </a:p>
@@ -10179,7 +11019,7 @@
             <a:fld id="{31E92B8E-6087-4A13-9F20-23C7A62C6D17}" type="datetimeFigureOut">
               <a:rPr lang="en-US" smtClean="0"/>
               <a:pPr/>
-              <a:t>31/03/2023</a:t>
+              <a:t>03/04/2023</a:t>
             </a:fld>
             <a:endParaRPr lang="en-US"/>
           </a:p>
@@ -10317,7 +11157,7 @@
             <a:fld id="{31E92B8E-6087-4A13-9F20-23C7A62C6D17}" type="datetimeFigureOut">
               <a:rPr lang="en-US" smtClean="0"/>
               <a:pPr/>
-              <a:t>31/03/2023</a:t>
+              <a:t>03/04/2023</a:t>
             </a:fld>
             <a:endParaRPr lang="en-US"/>
           </a:p>
@@ -10632,7 +11472,7 @@
             <a:fld id="{31E92B8E-6087-4A13-9F20-23C7A62C6D17}" type="datetimeFigureOut">
               <a:rPr lang="en-US" smtClean="0"/>
               <a:pPr/>
-              <a:t>31/03/2023</a:t>
+              <a:t>03/04/2023</a:t>
             </a:fld>
             <a:endParaRPr lang="en-US"/>
           </a:p>
@@ -10761,7 +11601,7 @@
             <a:fld id="{31E92B8E-6087-4A13-9F20-23C7A62C6D17}" type="datetimeFigureOut">
               <a:rPr lang="en-US" smtClean="0"/>
               <a:pPr/>
-              <a:t>31/03/2023</a:t>
+              <a:t>03/04/2023</a:t>
             </a:fld>
             <a:endParaRPr lang="en-US"/>
           </a:p>
@@ -11520,7 +12360,7 @@
             <a:fld id="{31E92B8E-6087-4A13-9F20-23C7A62C6D17}" type="datetimeFigureOut">
               <a:rPr lang="en-US" smtClean="0"/>
               <a:pPr/>
-              <a:t>31/03/2023</a:t>
+              <a:t>03/04/2023</a:t>
             </a:fld>
             <a:endParaRPr lang="en-US"/>
           </a:p>
@@ -29720,6 +30560,3581 @@
           <a:p>
             <a:r>
               <a:rPr lang="en-US" dirty="0"/>
+              <a:t>REST</a:t>
+            </a:r>
+          </a:p>
+        </p:txBody>
+      </p:sp>
+      <p:sp>
+        <p:nvSpPr>
+          <p:cNvPr id="3" name="Content Placeholder 2"/>
+          <p:cNvSpPr>
+            <a:spLocks noGrp="1"/>
+          </p:cNvSpPr>
+          <p:nvPr>
+            <p:ph idx="1"/>
+          </p:nvPr>
+        </p:nvSpPr>
+        <p:spPr/>
+        <p:txBody>
+          <a:bodyPr>
+            <a:normAutofit/>
+          </a:bodyPr>
+          <a:lstStyle/>
+          <a:p>
+            <a:r>
+              <a:rPr lang="en-US" dirty="0"/>
+              <a:t>Programming</a:t>
+            </a:r>
+          </a:p>
+          <a:p>
+            <a:pPr lvl="1"/>
+            <a:r>
+              <a:rPr lang="en-US" dirty="0"/>
+              <a:t>Multiple Produces</a:t>
+            </a:r>
+          </a:p>
+          <a:p>
+            <a:pPr lvl="2"/>
+            <a:endParaRPr lang="en-US" dirty="0"/>
+          </a:p>
+          <a:p>
+            <a:pPr lvl="2"/>
+            <a:endParaRPr lang="en-US" dirty="0"/>
+          </a:p>
+          <a:p>
+            <a:pPr lvl="2"/>
+            <a:endParaRPr lang="en-US" dirty="0"/>
+          </a:p>
+          <a:p>
+            <a:pPr lvl="2"/>
+            <a:endParaRPr lang="en-US" dirty="0"/>
+          </a:p>
+          <a:p>
+            <a:pPr lvl="2"/>
+            <a:endParaRPr lang="en-US" dirty="0"/>
+          </a:p>
+          <a:p>
+            <a:pPr lvl="2"/>
+            <a:endParaRPr lang="en-US" dirty="0"/>
+          </a:p>
+          <a:p>
+            <a:pPr lvl="2"/>
+            <a:endParaRPr lang="en-US" dirty="0"/>
+          </a:p>
+          <a:p>
+            <a:pPr lvl="2"/>
+            <a:endParaRPr lang="en-US" dirty="0"/>
+          </a:p>
+          <a:p>
+            <a:pPr lvl="2"/>
+            <a:endParaRPr lang="en-US" dirty="0"/>
+          </a:p>
+          <a:p>
+            <a:pPr lvl="1"/>
+            <a:endParaRPr lang="en-US" dirty="0"/>
+          </a:p>
+          <a:p>
+            <a:pPr lvl="1"/>
+            <a:endParaRPr lang="en-US" dirty="0"/>
+          </a:p>
+        </p:txBody>
+      </p:sp>
+      <p:sp>
+        <p:nvSpPr>
+          <p:cNvPr id="5" name="TextBox 4">
+            <a:extLst>
+              <a:ext uri="{FF2B5EF4-FFF2-40B4-BE49-F238E27FC236}">
+                <a16:creationId xmlns:a16="http://schemas.microsoft.com/office/drawing/2014/main" id="{61ACA18B-21F2-DEB7-74FB-98A1A4CAC9E7}"/>
+              </a:ext>
+            </a:extLst>
+          </p:cNvPr>
+          <p:cNvSpPr txBox="1"/>
+          <p:nvPr/>
+        </p:nvSpPr>
+        <p:spPr>
+          <a:xfrm>
+            <a:off x="2195736" y="2636912"/>
+            <a:ext cx="6624736" cy="2862322"/>
+          </a:xfrm>
+          <a:prstGeom prst="rect">
+            <a:avLst/>
+          </a:prstGeom>
+          <a:noFill/>
+          <a:ln w="25400">
+            <a:solidFill>
+              <a:schemeClr val="accent1"/>
+            </a:solidFill>
+          </a:ln>
+        </p:spPr>
+        <p:txBody>
+          <a:bodyPr wrap="square" rtlCol="0">
+            <a:spAutoFit/>
+          </a:bodyPr>
+          <a:lstStyle/>
+          <a:p>
+            <a:pPr algn="l"/>
+            <a:r>
+              <a:rPr lang="en-US" sz="1800" dirty="0">
+                <a:solidFill>
+                  <a:srgbClr val="646464"/>
+                </a:solidFill>
+                <a:latin typeface="Consolas" panose="020B0609020204030204" pitchFamily="49" charset="0"/>
+              </a:rPr>
+              <a:t>@POST</a:t>
+            </a:r>
+          </a:p>
+          <a:p>
+            <a:pPr algn="l"/>
+            <a:r>
+              <a:rPr lang="en-US" sz="1800" dirty="0">
+                <a:solidFill>
+                  <a:srgbClr val="646464"/>
+                </a:solidFill>
+                <a:latin typeface="Consolas" panose="020B0609020204030204" pitchFamily="49" charset="0"/>
+              </a:rPr>
+              <a:t>@Path</a:t>
+            </a:r>
+            <a:r>
+              <a:rPr lang="en-US" sz="1800" dirty="0">
+                <a:solidFill>
+                  <a:srgbClr val="000000"/>
+                </a:solidFill>
+                <a:latin typeface="Consolas" panose="020B0609020204030204" pitchFamily="49" charset="0"/>
+              </a:rPr>
+              <a:t>(</a:t>
+            </a:r>
+            <a:r>
+              <a:rPr lang="en-US" sz="1800" dirty="0">
+                <a:solidFill>
+                  <a:srgbClr val="2A00FF"/>
+                </a:solidFill>
+                <a:latin typeface="Consolas" panose="020B0609020204030204" pitchFamily="49" charset="0"/>
+              </a:rPr>
+              <a:t>"/hola"</a:t>
+            </a:r>
+            <a:r>
+              <a:rPr lang="en-US" sz="1800" dirty="0">
+                <a:solidFill>
+                  <a:srgbClr val="000000"/>
+                </a:solidFill>
+                <a:latin typeface="Consolas" panose="020B0609020204030204" pitchFamily="49" charset="0"/>
+              </a:rPr>
+              <a:t>)</a:t>
+            </a:r>
+          </a:p>
+          <a:p>
+            <a:pPr algn="l"/>
+            <a:r>
+              <a:rPr lang="en-US" sz="1800" dirty="0">
+                <a:solidFill>
+                  <a:srgbClr val="646464"/>
+                </a:solidFill>
+                <a:latin typeface="Consolas" panose="020B0609020204030204" pitchFamily="49" charset="0"/>
+              </a:rPr>
+              <a:t>@Produces</a:t>
+            </a:r>
+            <a:r>
+              <a:rPr lang="en-US" sz="1800" dirty="0">
+                <a:solidFill>
+                  <a:srgbClr val="000000"/>
+                </a:solidFill>
+                <a:latin typeface="Consolas" panose="020B0609020204030204" pitchFamily="49" charset="0"/>
+              </a:rPr>
+              <a:t>({MediaType.</a:t>
+            </a:r>
+            <a:r>
+              <a:rPr lang="en-US" sz="1800" b="1" i="1" dirty="0">
+                <a:solidFill>
+                  <a:srgbClr val="0000C0"/>
+                </a:solidFill>
+                <a:latin typeface="Consolas" panose="020B0609020204030204" pitchFamily="49" charset="0"/>
+              </a:rPr>
+              <a:t>APPLICATION_JSON</a:t>
+            </a:r>
+            <a:r>
+              <a:rPr lang="en-US" sz="1800" b="1" i="1" dirty="0">
+                <a:solidFill>
+                  <a:srgbClr val="000000"/>
+                </a:solidFill>
+                <a:latin typeface="Consolas" panose="020B0609020204030204" pitchFamily="49" charset="0"/>
+              </a:rPr>
+              <a:t>, </a:t>
+            </a:r>
+            <a:r>
+              <a:rPr lang="en-US" sz="1800" b="1" i="1" dirty="0" err="1">
+                <a:solidFill>
+                  <a:srgbClr val="000000"/>
+                </a:solidFill>
+                <a:latin typeface="Consolas" panose="020B0609020204030204" pitchFamily="49" charset="0"/>
+              </a:rPr>
+              <a:t>MediaType.</a:t>
+            </a:r>
+            <a:r>
+              <a:rPr lang="en-US" sz="1800" b="1" i="1" dirty="0" err="1">
+                <a:solidFill>
+                  <a:srgbClr val="0000C0"/>
+                </a:solidFill>
+                <a:latin typeface="Consolas" panose="020B0609020204030204" pitchFamily="49" charset="0"/>
+              </a:rPr>
+              <a:t>APPLICATION_XML</a:t>
+            </a:r>
+            <a:r>
+              <a:rPr lang="en-US" sz="1800" b="1" i="1" dirty="0">
+                <a:solidFill>
+                  <a:srgbClr val="000000"/>
+                </a:solidFill>
+                <a:latin typeface="Consolas" panose="020B0609020204030204" pitchFamily="49" charset="0"/>
+              </a:rPr>
+              <a:t>})</a:t>
+            </a:r>
+          </a:p>
+          <a:p>
+            <a:pPr algn="l"/>
+            <a:r>
+              <a:rPr lang="en-US" sz="1800" dirty="0">
+                <a:solidFill>
+                  <a:srgbClr val="646464"/>
+                </a:solidFill>
+                <a:latin typeface="Consolas" panose="020B0609020204030204" pitchFamily="49" charset="0"/>
+              </a:rPr>
+              <a:t>@Consumes</a:t>
+            </a:r>
+            <a:r>
+              <a:rPr lang="en-US" sz="1800" dirty="0">
+                <a:solidFill>
+                  <a:srgbClr val="000000"/>
+                </a:solidFill>
+                <a:latin typeface="Consolas" panose="020B0609020204030204" pitchFamily="49" charset="0"/>
+              </a:rPr>
+              <a:t>(MediaType.</a:t>
+            </a:r>
+            <a:r>
+              <a:rPr lang="en-US" sz="1800" b="1" i="1" dirty="0">
+                <a:solidFill>
+                  <a:srgbClr val="0000C0"/>
+                </a:solidFill>
+                <a:latin typeface="Consolas" panose="020B0609020204030204" pitchFamily="49" charset="0"/>
+              </a:rPr>
+              <a:t>APPLICATION_JSON</a:t>
+            </a:r>
+            <a:r>
+              <a:rPr lang="en-US" sz="1800" b="1" i="1" dirty="0">
+                <a:solidFill>
+                  <a:srgbClr val="000000"/>
+                </a:solidFill>
+                <a:latin typeface="Consolas" panose="020B0609020204030204" pitchFamily="49" charset="0"/>
+              </a:rPr>
+              <a:t>)</a:t>
+            </a:r>
+          </a:p>
+          <a:p>
+            <a:pPr algn="l"/>
+            <a:r>
+              <a:rPr lang="en-US" sz="1800" b="1" dirty="0">
+                <a:solidFill>
+                  <a:srgbClr val="7F0055"/>
+                </a:solidFill>
+                <a:latin typeface="Consolas" panose="020B0609020204030204" pitchFamily="49" charset="0"/>
+              </a:rPr>
+              <a:t>public</a:t>
+            </a:r>
+            <a:r>
+              <a:rPr lang="en-US" sz="1800" b="1" dirty="0">
+                <a:solidFill>
+                  <a:srgbClr val="000000"/>
+                </a:solidFill>
+                <a:latin typeface="Consolas" panose="020B0609020204030204" pitchFamily="49" charset="0"/>
+              </a:rPr>
+              <a:t> Hello </a:t>
+            </a:r>
+            <a:r>
+              <a:rPr lang="en-US" sz="1800" b="1" dirty="0" err="1">
+                <a:solidFill>
+                  <a:srgbClr val="000000"/>
+                </a:solidFill>
+                <a:latin typeface="Consolas" panose="020B0609020204030204" pitchFamily="49" charset="0"/>
+              </a:rPr>
+              <a:t>hola</a:t>
+            </a:r>
+            <a:r>
+              <a:rPr lang="en-US" sz="1800" b="1" dirty="0">
+                <a:solidFill>
+                  <a:srgbClr val="000000"/>
+                </a:solidFill>
+                <a:latin typeface="Consolas" panose="020B0609020204030204" pitchFamily="49" charset="0"/>
+              </a:rPr>
+              <a:t>(Account </a:t>
+            </a:r>
+            <a:r>
+              <a:rPr lang="en-US" sz="1800" b="1" dirty="0">
+                <a:solidFill>
+                  <a:srgbClr val="6A3E3E"/>
+                </a:solidFill>
+                <a:latin typeface="Consolas" panose="020B0609020204030204" pitchFamily="49" charset="0"/>
+              </a:rPr>
+              <a:t>account</a:t>
+            </a:r>
+            <a:r>
+              <a:rPr lang="en-US" sz="1800" b="1" dirty="0">
+                <a:solidFill>
+                  <a:srgbClr val="000000"/>
+                </a:solidFill>
+                <a:latin typeface="Consolas" panose="020B0609020204030204" pitchFamily="49" charset="0"/>
+              </a:rPr>
+              <a:t>) {</a:t>
+            </a:r>
+          </a:p>
+          <a:p>
+            <a:pPr algn="l"/>
+            <a:r>
+              <a:rPr lang="en-US" sz="1800" dirty="0">
+                <a:solidFill>
+                  <a:srgbClr val="000000"/>
+                </a:solidFill>
+                <a:latin typeface="Consolas" panose="020B0609020204030204" pitchFamily="49" charset="0"/>
+              </a:rPr>
+              <a:t>    </a:t>
+            </a:r>
+            <a:r>
+              <a:rPr lang="en-US" sz="1800" dirty="0" err="1">
+                <a:solidFill>
+                  <a:srgbClr val="000000"/>
+                </a:solidFill>
+                <a:latin typeface="Consolas" panose="020B0609020204030204" pitchFamily="49" charset="0"/>
+              </a:rPr>
+              <a:t>System.</a:t>
+            </a:r>
+            <a:r>
+              <a:rPr lang="en-US" sz="1800" b="1" i="1" dirty="0" err="1">
+                <a:solidFill>
+                  <a:srgbClr val="0000C0"/>
+                </a:solidFill>
+                <a:latin typeface="Consolas" panose="020B0609020204030204" pitchFamily="49" charset="0"/>
+              </a:rPr>
+              <a:t>out</a:t>
+            </a:r>
+            <a:r>
+              <a:rPr lang="en-US" sz="1800" b="1" i="1" dirty="0" err="1">
+                <a:solidFill>
+                  <a:srgbClr val="000000"/>
+                </a:solidFill>
+                <a:latin typeface="Consolas" panose="020B0609020204030204" pitchFamily="49" charset="0"/>
+              </a:rPr>
+              <a:t>.println</a:t>
+            </a:r>
+            <a:r>
+              <a:rPr lang="en-US" sz="1800" b="1" i="1" dirty="0">
+                <a:solidFill>
+                  <a:srgbClr val="000000"/>
+                </a:solidFill>
+                <a:latin typeface="Consolas" panose="020B0609020204030204" pitchFamily="49" charset="0"/>
+              </a:rPr>
+              <a:t>(</a:t>
+            </a:r>
+            <a:r>
+              <a:rPr lang="en-US" sz="1800" b="1" i="1" dirty="0">
+                <a:solidFill>
+                  <a:srgbClr val="2A00FF"/>
+                </a:solidFill>
+                <a:latin typeface="Consolas" panose="020B0609020204030204" pitchFamily="49" charset="0"/>
+              </a:rPr>
+              <a:t>"account="</a:t>
+            </a:r>
+            <a:r>
+              <a:rPr lang="en-US" sz="1800" b="1" i="1" dirty="0">
+                <a:solidFill>
+                  <a:srgbClr val="000000"/>
+                </a:solidFill>
+                <a:latin typeface="Consolas" panose="020B0609020204030204" pitchFamily="49" charset="0"/>
+              </a:rPr>
+              <a:t>+</a:t>
+            </a:r>
+            <a:r>
+              <a:rPr lang="en-US" sz="1800" b="1" i="1" dirty="0">
+                <a:solidFill>
+                  <a:srgbClr val="6A3E3E"/>
+                </a:solidFill>
+                <a:latin typeface="Consolas" panose="020B0609020204030204" pitchFamily="49" charset="0"/>
+              </a:rPr>
+              <a:t>account</a:t>
+            </a:r>
+            <a:r>
+              <a:rPr lang="en-US" sz="1800" b="1" i="1" dirty="0">
+                <a:solidFill>
+                  <a:srgbClr val="000000"/>
+                </a:solidFill>
+                <a:latin typeface="Consolas" panose="020B0609020204030204" pitchFamily="49" charset="0"/>
+              </a:rPr>
+              <a:t>);</a:t>
+            </a:r>
+          </a:p>
+          <a:p>
+            <a:pPr algn="l"/>
+            <a:r>
+              <a:rPr lang="en-US" sz="1800" dirty="0">
+                <a:solidFill>
+                  <a:srgbClr val="000000"/>
+                </a:solidFill>
+                <a:latin typeface="Consolas" panose="020B0609020204030204" pitchFamily="49" charset="0"/>
+              </a:rPr>
+              <a:t>    </a:t>
+            </a:r>
+            <a:r>
+              <a:rPr lang="en-US" sz="1800" b="1" dirty="0">
+                <a:solidFill>
+                  <a:srgbClr val="7F0055"/>
+                </a:solidFill>
+                <a:latin typeface="Consolas" panose="020B0609020204030204" pitchFamily="49" charset="0"/>
+              </a:rPr>
+              <a:t>return</a:t>
+            </a:r>
+            <a:r>
+              <a:rPr lang="en-US" sz="1800" b="1" dirty="0">
+                <a:solidFill>
+                  <a:srgbClr val="000000"/>
+                </a:solidFill>
+                <a:latin typeface="Consolas" panose="020B0609020204030204" pitchFamily="49" charset="0"/>
+              </a:rPr>
+              <a:t> </a:t>
+            </a:r>
+            <a:r>
+              <a:rPr lang="en-US" sz="1800" b="1" dirty="0">
+                <a:solidFill>
+                  <a:srgbClr val="7F0055"/>
+                </a:solidFill>
+                <a:latin typeface="Consolas" panose="020B0609020204030204" pitchFamily="49" charset="0"/>
+              </a:rPr>
+              <a:t>new</a:t>
+            </a:r>
+            <a:r>
+              <a:rPr lang="en-US" sz="1800" b="1" dirty="0">
+                <a:solidFill>
+                  <a:srgbClr val="000000"/>
+                </a:solidFill>
+                <a:latin typeface="Consolas" panose="020B0609020204030204" pitchFamily="49" charset="0"/>
+              </a:rPr>
+              <a:t> Hello(</a:t>
+            </a:r>
+            <a:r>
+              <a:rPr lang="en-US" sz="1800" b="1" dirty="0">
+                <a:solidFill>
+                  <a:srgbClr val="2A00FF"/>
+                </a:solidFill>
+                <a:latin typeface="Consolas" panose="020B0609020204030204" pitchFamily="49" charset="0"/>
+              </a:rPr>
+              <a:t>"Hola, "</a:t>
+            </a:r>
+            <a:r>
+              <a:rPr lang="en-US" sz="1800" b="1" dirty="0">
+                <a:solidFill>
+                  <a:srgbClr val="000000"/>
+                </a:solidFill>
+                <a:latin typeface="Consolas" panose="020B0609020204030204" pitchFamily="49" charset="0"/>
+              </a:rPr>
+              <a:t>+</a:t>
+            </a:r>
+            <a:r>
+              <a:rPr lang="en-US" sz="1800" b="1" dirty="0" err="1">
+                <a:solidFill>
+                  <a:srgbClr val="6A3E3E"/>
+                </a:solidFill>
+                <a:latin typeface="Consolas" panose="020B0609020204030204" pitchFamily="49" charset="0"/>
+              </a:rPr>
+              <a:t>account</a:t>
+            </a:r>
+            <a:r>
+              <a:rPr lang="en-US" sz="1800" b="1" dirty="0" err="1">
+                <a:solidFill>
+                  <a:srgbClr val="000000"/>
+                </a:solidFill>
+                <a:latin typeface="Consolas" panose="020B0609020204030204" pitchFamily="49" charset="0"/>
+              </a:rPr>
+              <a:t>.getFullName</a:t>
+            </a:r>
+            <a:r>
+              <a:rPr lang="en-US" sz="1800" b="1" dirty="0">
+                <a:solidFill>
+                  <a:srgbClr val="000000"/>
+                </a:solidFill>
+                <a:latin typeface="Consolas" panose="020B0609020204030204" pitchFamily="49" charset="0"/>
+              </a:rPr>
+              <a:t>());                       </a:t>
+            </a:r>
+          </a:p>
+          <a:p>
+            <a:pPr algn="l"/>
+            <a:r>
+              <a:rPr lang="en-US" sz="1800" dirty="0">
+                <a:solidFill>
+                  <a:srgbClr val="000000"/>
+                </a:solidFill>
+                <a:latin typeface="Consolas" panose="020B0609020204030204" pitchFamily="49" charset="0"/>
+              </a:rPr>
+              <a:t>}</a:t>
+            </a:r>
+            <a:endParaRPr lang="en-US" sz="1600" dirty="0">
+              <a:solidFill>
+                <a:srgbClr val="000000"/>
+              </a:solidFill>
+              <a:latin typeface="Consolas" panose="020B0609020204030204" pitchFamily="49" charset="0"/>
+            </a:endParaRPr>
+          </a:p>
+        </p:txBody>
+      </p:sp>
+    </p:spTree>
+    <p:extLst>
+      <p:ext uri="{BB962C8B-B14F-4D97-AF65-F5344CB8AC3E}">
+        <p14:creationId xmlns:p14="http://schemas.microsoft.com/office/powerpoint/2010/main" val="3000067642"/>
+      </p:ext>
+    </p:extLst>
+  </p:cSld>
+  <p:clrMapOvr>
+    <a:masterClrMapping/>
+  </p:clrMapOvr>
+</p:sld>
+</file>
+
+<file path=ppt/slides/slide51.xml><?xml version="1.0" encoding="utf-8"?>
+<p:sld xmlns:a="http://schemas.openxmlformats.org/drawingml/2006/main" xmlns:r="http://schemas.openxmlformats.org/officeDocument/2006/relationships" xmlns:p="http://schemas.openxmlformats.org/presentationml/2006/main">
+  <p:cSld>
+    <p:spTree>
+      <p:nvGrpSpPr>
+        <p:cNvPr id="1" name=""/>
+        <p:cNvGrpSpPr/>
+        <p:nvPr/>
+      </p:nvGrpSpPr>
+      <p:grpSpPr>
+        <a:xfrm>
+          <a:off x="0" y="0"/>
+          <a:ext cx="0" cy="0"/>
+          <a:chOff x="0" y="0"/>
+          <a:chExt cx="0" cy="0"/>
+        </a:xfrm>
+      </p:grpSpPr>
+      <p:sp>
+        <p:nvSpPr>
+          <p:cNvPr id="2" name="Title 1"/>
+          <p:cNvSpPr>
+            <a:spLocks noGrp="1"/>
+          </p:cNvSpPr>
+          <p:nvPr>
+            <p:ph type="title"/>
+          </p:nvPr>
+        </p:nvSpPr>
+        <p:spPr/>
+        <p:txBody>
+          <a:bodyPr/>
+          <a:lstStyle/>
+          <a:p>
+            <a:r>
+              <a:rPr lang="en-US" dirty="0"/>
+              <a:t>REST</a:t>
+            </a:r>
+          </a:p>
+        </p:txBody>
+      </p:sp>
+      <p:sp>
+        <p:nvSpPr>
+          <p:cNvPr id="3" name="Content Placeholder 2"/>
+          <p:cNvSpPr>
+            <a:spLocks noGrp="1"/>
+          </p:cNvSpPr>
+          <p:nvPr>
+            <p:ph idx="1"/>
+          </p:nvPr>
+        </p:nvSpPr>
+        <p:spPr/>
+        <p:txBody>
+          <a:bodyPr>
+            <a:normAutofit/>
+          </a:bodyPr>
+          <a:lstStyle/>
+          <a:p>
+            <a:r>
+              <a:rPr lang="en-US" dirty="0"/>
+              <a:t>Programming</a:t>
+            </a:r>
+          </a:p>
+          <a:p>
+            <a:pPr lvl="1"/>
+            <a:r>
+              <a:rPr lang="en-US" dirty="0"/>
+              <a:t>Multiple Produces – response json</a:t>
+            </a:r>
+          </a:p>
+          <a:p>
+            <a:pPr lvl="2"/>
+            <a:r>
+              <a:rPr lang="en-US" dirty="0"/>
+              <a:t>request</a:t>
+            </a:r>
+          </a:p>
+          <a:p>
+            <a:pPr lvl="2"/>
+            <a:endParaRPr lang="en-US" dirty="0"/>
+          </a:p>
+          <a:p>
+            <a:pPr lvl="2"/>
+            <a:endParaRPr lang="en-US" dirty="0"/>
+          </a:p>
+          <a:p>
+            <a:pPr lvl="2"/>
+            <a:endParaRPr lang="en-US" dirty="0"/>
+          </a:p>
+          <a:p>
+            <a:pPr lvl="2"/>
+            <a:r>
+              <a:rPr lang="en-US" dirty="0"/>
+              <a:t>response</a:t>
+            </a:r>
+          </a:p>
+          <a:p>
+            <a:pPr lvl="2"/>
+            <a:endParaRPr lang="en-US" dirty="0"/>
+          </a:p>
+          <a:p>
+            <a:pPr lvl="2"/>
+            <a:endParaRPr lang="en-US" dirty="0"/>
+          </a:p>
+          <a:p>
+            <a:pPr lvl="2"/>
+            <a:endParaRPr lang="en-US" dirty="0"/>
+          </a:p>
+          <a:p>
+            <a:pPr lvl="2"/>
+            <a:endParaRPr lang="en-US" dirty="0"/>
+          </a:p>
+          <a:p>
+            <a:pPr lvl="1"/>
+            <a:endParaRPr lang="en-US" dirty="0"/>
+          </a:p>
+          <a:p>
+            <a:pPr lvl="1"/>
+            <a:endParaRPr lang="en-US" dirty="0"/>
+          </a:p>
+        </p:txBody>
+      </p:sp>
+      <p:sp>
+        <p:nvSpPr>
+          <p:cNvPr id="6" name="TextBox 5">
+            <a:extLst>
+              <a:ext uri="{FF2B5EF4-FFF2-40B4-BE49-F238E27FC236}">
+                <a16:creationId xmlns:a16="http://schemas.microsoft.com/office/drawing/2014/main" id="{16ECE916-E0E3-9F95-5AF2-5EEF98814755}"/>
+              </a:ext>
+            </a:extLst>
+          </p:cNvPr>
+          <p:cNvSpPr txBox="1"/>
+          <p:nvPr/>
+        </p:nvSpPr>
+        <p:spPr>
+          <a:xfrm>
+            <a:off x="2195736" y="3068960"/>
+            <a:ext cx="6737952" cy="1200329"/>
+          </a:xfrm>
+          <a:prstGeom prst="rect">
+            <a:avLst/>
+          </a:prstGeom>
+          <a:noFill/>
+          <a:ln w="25400">
+            <a:solidFill>
+              <a:schemeClr val="accent1"/>
+            </a:solidFill>
+          </a:ln>
+        </p:spPr>
+        <p:txBody>
+          <a:bodyPr wrap="square" rtlCol="0">
+            <a:spAutoFit/>
+          </a:bodyPr>
+          <a:lstStyle/>
+          <a:p>
+            <a:r>
+              <a:rPr lang="en-US" sz="1800" dirty="0">
+                <a:solidFill>
+                  <a:srgbClr val="3F7F5F"/>
+                </a:solidFill>
+                <a:latin typeface="Consolas" panose="020B0609020204030204" pitchFamily="49" charset="0"/>
+              </a:rPr>
+              <a:t>curl -X POST -H "Accept: application/</a:t>
+            </a:r>
+            <a:r>
+              <a:rPr lang="en-US" sz="1800" u="sng" dirty="0">
+                <a:solidFill>
+                  <a:srgbClr val="3F7F5F"/>
+                </a:solidFill>
+                <a:latin typeface="Consolas" panose="020B0609020204030204" pitchFamily="49" charset="0"/>
+              </a:rPr>
+              <a:t>json" -H "Content-Type: application/json" http://localhost:8080/myresource/hola -d "{\"name\":\"John\",\"surname\":\"Doe\"}"</a:t>
+            </a:r>
+            <a:endParaRPr lang="en-US" dirty="0"/>
+          </a:p>
+        </p:txBody>
+      </p:sp>
+      <p:sp>
+        <p:nvSpPr>
+          <p:cNvPr id="7" name="TextBox 6">
+            <a:extLst>
+              <a:ext uri="{FF2B5EF4-FFF2-40B4-BE49-F238E27FC236}">
+                <a16:creationId xmlns:a16="http://schemas.microsoft.com/office/drawing/2014/main" id="{0F217B3D-CC12-8F2A-08FC-F80571EF49C2}"/>
+              </a:ext>
+            </a:extLst>
+          </p:cNvPr>
+          <p:cNvSpPr txBox="1"/>
+          <p:nvPr/>
+        </p:nvSpPr>
+        <p:spPr>
+          <a:xfrm>
+            <a:off x="2195736" y="4869160"/>
+            <a:ext cx="6737952" cy="369332"/>
+          </a:xfrm>
+          <a:prstGeom prst="rect">
+            <a:avLst/>
+          </a:prstGeom>
+          <a:noFill/>
+          <a:ln w="25400">
+            <a:solidFill>
+              <a:schemeClr val="accent1"/>
+            </a:solidFill>
+          </a:ln>
+        </p:spPr>
+        <p:txBody>
+          <a:bodyPr wrap="square" rtlCol="0">
+            <a:spAutoFit/>
+          </a:bodyPr>
+          <a:lstStyle/>
+          <a:p>
+            <a:r>
+              <a:rPr lang="en-US" dirty="0"/>
+              <a:t>{"</a:t>
+            </a:r>
+            <a:r>
+              <a:rPr lang="en-US" dirty="0" err="1"/>
+              <a:t>message":"Hola</a:t>
+            </a:r>
+            <a:r>
+              <a:rPr lang="en-US" dirty="0"/>
+              <a:t>, John Doe"}</a:t>
+            </a:r>
+          </a:p>
+        </p:txBody>
+      </p:sp>
+    </p:spTree>
+    <p:extLst>
+      <p:ext uri="{BB962C8B-B14F-4D97-AF65-F5344CB8AC3E}">
+        <p14:creationId xmlns:p14="http://schemas.microsoft.com/office/powerpoint/2010/main" val="4142661486"/>
+      </p:ext>
+    </p:extLst>
+  </p:cSld>
+  <p:clrMapOvr>
+    <a:masterClrMapping/>
+  </p:clrMapOvr>
+</p:sld>
+</file>
+
+<file path=ppt/slides/slide52.xml><?xml version="1.0" encoding="utf-8"?>
+<p:sld xmlns:a="http://schemas.openxmlformats.org/drawingml/2006/main" xmlns:r="http://schemas.openxmlformats.org/officeDocument/2006/relationships" xmlns:p="http://schemas.openxmlformats.org/presentationml/2006/main">
+  <p:cSld>
+    <p:spTree>
+      <p:nvGrpSpPr>
+        <p:cNvPr id="1" name=""/>
+        <p:cNvGrpSpPr/>
+        <p:nvPr/>
+      </p:nvGrpSpPr>
+      <p:grpSpPr>
+        <a:xfrm>
+          <a:off x="0" y="0"/>
+          <a:ext cx="0" cy="0"/>
+          <a:chOff x="0" y="0"/>
+          <a:chExt cx="0" cy="0"/>
+        </a:xfrm>
+      </p:grpSpPr>
+      <p:sp>
+        <p:nvSpPr>
+          <p:cNvPr id="2" name="Title 1"/>
+          <p:cNvSpPr>
+            <a:spLocks noGrp="1"/>
+          </p:cNvSpPr>
+          <p:nvPr>
+            <p:ph type="title"/>
+          </p:nvPr>
+        </p:nvSpPr>
+        <p:spPr/>
+        <p:txBody>
+          <a:bodyPr/>
+          <a:lstStyle/>
+          <a:p>
+            <a:r>
+              <a:rPr lang="en-US" dirty="0"/>
+              <a:t>REST</a:t>
+            </a:r>
+          </a:p>
+        </p:txBody>
+      </p:sp>
+      <p:sp>
+        <p:nvSpPr>
+          <p:cNvPr id="3" name="Content Placeholder 2"/>
+          <p:cNvSpPr>
+            <a:spLocks noGrp="1"/>
+          </p:cNvSpPr>
+          <p:nvPr>
+            <p:ph idx="1"/>
+          </p:nvPr>
+        </p:nvSpPr>
+        <p:spPr/>
+        <p:txBody>
+          <a:bodyPr>
+            <a:normAutofit/>
+          </a:bodyPr>
+          <a:lstStyle/>
+          <a:p>
+            <a:r>
+              <a:rPr lang="en-US" dirty="0"/>
+              <a:t>Programming</a:t>
+            </a:r>
+          </a:p>
+          <a:p>
+            <a:pPr lvl="1"/>
+            <a:r>
+              <a:rPr lang="en-US" dirty="0"/>
+              <a:t>Multiple Produces – response xml</a:t>
+            </a:r>
+          </a:p>
+          <a:p>
+            <a:pPr lvl="2"/>
+            <a:r>
+              <a:rPr lang="en-US" dirty="0"/>
+              <a:t>request</a:t>
+            </a:r>
+          </a:p>
+          <a:p>
+            <a:pPr lvl="2"/>
+            <a:endParaRPr lang="en-US" dirty="0"/>
+          </a:p>
+          <a:p>
+            <a:pPr lvl="2"/>
+            <a:endParaRPr lang="en-US" dirty="0"/>
+          </a:p>
+          <a:p>
+            <a:pPr lvl="2"/>
+            <a:endParaRPr lang="en-US" dirty="0"/>
+          </a:p>
+          <a:p>
+            <a:pPr lvl="2"/>
+            <a:r>
+              <a:rPr lang="en-US" dirty="0"/>
+              <a:t>response</a:t>
+            </a:r>
+          </a:p>
+          <a:p>
+            <a:pPr lvl="2"/>
+            <a:endParaRPr lang="en-US" dirty="0"/>
+          </a:p>
+          <a:p>
+            <a:pPr lvl="2"/>
+            <a:endParaRPr lang="en-US" dirty="0"/>
+          </a:p>
+          <a:p>
+            <a:pPr lvl="2"/>
+            <a:endParaRPr lang="en-US" dirty="0"/>
+          </a:p>
+          <a:p>
+            <a:pPr lvl="2"/>
+            <a:endParaRPr lang="en-US" dirty="0"/>
+          </a:p>
+          <a:p>
+            <a:pPr lvl="1"/>
+            <a:endParaRPr lang="en-US" dirty="0"/>
+          </a:p>
+          <a:p>
+            <a:pPr lvl="1"/>
+            <a:endParaRPr lang="en-US" dirty="0"/>
+          </a:p>
+        </p:txBody>
+      </p:sp>
+      <p:sp>
+        <p:nvSpPr>
+          <p:cNvPr id="6" name="TextBox 5">
+            <a:extLst>
+              <a:ext uri="{FF2B5EF4-FFF2-40B4-BE49-F238E27FC236}">
+                <a16:creationId xmlns:a16="http://schemas.microsoft.com/office/drawing/2014/main" id="{16ECE916-E0E3-9F95-5AF2-5EEF98814755}"/>
+              </a:ext>
+            </a:extLst>
+          </p:cNvPr>
+          <p:cNvSpPr txBox="1"/>
+          <p:nvPr/>
+        </p:nvSpPr>
+        <p:spPr>
+          <a:xfrm>
+            <a:off x="2195736" y="3068960"/>
+            <a:ext cx="6737952" cy="1200329"/>
+          </a:xfrm>
+          <a:prstGeom prst="rect">
+            <a:avLst/>
+          </a:prstGeom>
+          <a:noFill/>
+          <a:ln w="25400">
+            <a:solidFill>
+              <a:schemeClr val="accent1"/>
+            </a:solidFill>
+          </a:ln>
+        </p:spPr>
+        <p:txBody>
+          <a:bodyPr wrap="square" rtlCol="0">
+            <a:spAutoFit/>
+          </a:bodyPr>
+          <a:lstStyle/>
+          <a:p>
+            <a:r>
+              <a:rPr lang="en-US" sz="1800" dirty="0">
+                <a:solidFill>
+                  <a:srgbClr val="3F7F5F"/>
+                </a:solidFill>
+                <a:latin typeface="Consolas" panose="020B0609020204030204" pitchFamily="49" charset="0"/>
+              </a:rPr>
+              <a:t>curl -X POST -H "Accept: application/</a:t>
+            </a:r>
+            <a:r>
+              <a:rPr lang="en-US" sz="1800" u="sng" dirty="0">
+                <a:solidFill>
+                  <a:srgbClr val="3F7F5F"/>
+                </a:solidFill>
+                <a:latin typeface="Consolas" panose="020B0609020204030204" pitchFamily="49" charset="0"/>
+              </a:rPr>
+              <a:t>xml" -H "Content-Type: application/json" http://localhost:8080/myresource/hola -d "{\"name\":\"John\",\"surname\":\"Doe\"}"</a:t>
+            </a:r>
+            <a:endParaRPr lang="en-US" dirty="0"/>
+          </a:p>
+        </p:txBody>
+      </p:sp>
+      <p:sp>
+        <p:nvSpPr>
+          <p:cNvPr id="7" name="TextBox 6">
+            <a:extLst>
+              <a:ext uri="{FF2B5EF4-FFF2-40B4-BE49-F238E27FC236}">
+                <a16:creationId xmlns:a16="http://schemas.microsoft.com/office/drawing/2014/main" id="{0F217B3D-CC12-8F2A-08FC-F80571EF49C2}"/>
+              </a:ext>
+            </a:extLst>
+          </p:cNvPr>
+          <p:cNvSpPr txBox="1"/>
+          <p:nvPr/>
+        </p:nvSpPr>
+        <p:spPr>
+          <a:xfrm>
+            <a:off x="2195736" y="4869160"/>
+            <a:ext cx="6737952" cy="646331"/>
+          </a:xfrm>
+          <a:prstGeom prst="rect">
+            <a:avLst/>
+          </a:prstGeom>
+          <a:noFill/>
+          <a:ln w="25400">
+            <a:solidFill>
+              <a:schemeClr val="accent1"/>
+            </a:solidFill>
+          </a:ln>
+        </p:spPr>
+        <p:txBody>
+          <a:bodyPr wrap="square" rtlCol="0">
+            <a:spAutoFit/>
+          </a:bodyPr>
+          <a:lstStyle/>
+          <a:p>
+            <a:r>
+              <a:rPr lang="en-US" dirty="0"/>
+              <a:t>&lt;?xml version="1.0" encoding="UTF-8"?&gt;</a:t>
+            </a:r>
+          </a:p>
+          <a:p>
+            <a:r>
+              <a:rPr lang="en-US" dirty="0"/>
+              <a:t>&lt;hello&gt;&lt;message&gt;Hola, John Doe&lt;/message&gt;&lt;/hello&gt;</a:t>
+            </a:r>
+          </a:p>
+        </p:txBody>
+      </p:sp>
+    </p:spTree>
+    <p:extLst>
+      <p:ext uri="{BB962C8B-B14F-4D97-AF65-F5344CB8AC3E}">
+        <p14:creationId xmlns:p14="http://schemas.microsoft.com/office/powerpoint/2010/main" val="2921471421"/>
+      </p:ext>
+    </p:extLst>
+  </p:cSld>
+  <p:clrMapOvr>
+    <a:masterClrMapping/>
+  </p:clrMapOvr>
+</p:sld>
+</file>
+
+<file path=ppt/slides/slide53.xml><?xml version="1.0" encoding="utf-8"?>
+<p:sld xmlns:a="http://schemas.openxmlformats.org/drawingml/2006/main" xmlns:r="http://schemas.openxmlformats.org/officeDocument/2006/relationships" xmlns:p="http://schemas.openxmlformats.org/presentationml/2006/main">
+  <p:cSld>
+    <p:spTree>
+      <p:nvGrpSpPr>
+        <p:cNvPr id="1" name=""/>
+        <p:cNvGrpSpPr/>
+        <p:nvPr/>
+      </p:nvGrpSpPr>
+      <p:grpSpPr>
+        <a:xfrm>
+          <a:off x="0" y="0"/>
+          <a:ext cx="0" cy="0"/>
+          <a:chOff x="0" y="0"/>
+          <a:chExt cx="0" cy="0"/>
+        </a:xfrm>
+      </p:grpSpPr>
+      <p:sp>
+        <p:nvSpPr>
+          <p:cNvPr id="2" name="Title 1"/>
+          <p:cNvSpPr>
+            <a:spLocks noGrp="1"/>
+          </p:cNvSpPr>
+          <p:nvPr>
+            <p:ph type="title"/>
+          </p:nvPr>
+        </p:nvSpPr>
+        <p:spPr/>
+        <p:txBody>
+          <a:bodyPr/>
+          <a:lstStyle/>
+          <a:p>
+            <a:r>
+              <a:rPr lang="en-US" dirty="0"/>
+              <a:t>REST</a:t>
+            </a:r>
+          </a:p>
+        </p:txBody>
+      </p:sp>
+      <p:sp>
+        <p:nvSpPr>
+          <p:cNvPr id="3" name="Content Placeholder 2"/>
+          <p:cNvSpPr>
+            <a:spLocks noGrp="1"/>
+          </p:cNvSpPr>
+          <p:nvPr>
+            <p:ph idx="1"/>
+          </p:nvPr>
+        </p:nvSpPr>
+        <p:spPr/>
+        <p:txBody>
+          <a:bodyPr>
+            <a:normAutofit/>
+          </a:bodyPr>
+          <a:lstStyle/>
+          <a:p>
+            <a:r>
+              <a:rPr lang="en-US" dirty="0"/>
+              <a:t>Programming</a:t>
+            </a:r>
+          </a:p>
+          <a:p>
+            <a:pPr lvl="1"/>
+            <a:r>
+              <a:rPr lang="en-US" dirty="0"/>
+              <a:t>Multiple Consumes</a:t>
+            </a:r>
+          </a:p>
+          <a:p>
+            <a:pPr lvl="2"/>
+            <a:endParaRPr lang="en-US" dirty="0"/>
+          </a:p>
+          <a:p>
+            <a:pPr lvl="2"/>
+            <a:endParaRPr lang="en-US" dirty="0"/>
+          </a:p>
+          <a:p>
+            <a:pPr lvl="2"/>
+            <a:endParaRPr lang="en-US" dirty="0"/>
+          </a:p>
+          <a:p>
+            <a:pPr lvl="2"/>
+            <a:endParaRPr lang="en-US" dirty="0"/>
+          </a:p>
+          <a:p>
+            <a:pPr lvl="2"/>
+            <a:endParaRPr lang="en-US" dirty="0"/>
+          </a:p>
+          <a:p>
+            <a:pPr lvl="2"/>
+            <a:endParaRPr lang="en-US" dirty="0"/>
+          </a:p>
+          <a:p>
+            <a:pPr lvl="2"/>
+            <a:endParaRPr lang="en-US" dirty="0"/>
+          </a:p>
+          <a:p>
+            <a:pPr lvl="2"/>
+            <a:endParaRPr lang="en-US" dirty="0"/>
+          </a:p>
+          <a:p>
+            <a:pPr lvl="2"/>
+            <a:endParaRPr lang="en-US" dirty="0"/>
+          </a:p>
+          <a:p>
+            <a:pPr lvl="1"/>
+            <a:endParaRPr lang="en-US" dirty="0"/>
+          </a:p>
+          <a:p>
+            <a:pPr lvl="1"/>
+            <a:endParaRPr lang="en-US" dirty="0"/>
+          </a:p>
+        </p:txBody>
+      </p:sp>
+      <p:sp>
+        <p:nvSpPr>
+          <p:cNvPr id="5" name="TextBox 4">
+            <a:extLst>
+              <a:ext uri="{FF2B5EF4-FFF2-40B4-BE49-F238E27FC236}">
+                <a16:creationId xmlns:a16="http://schemas.microsoft.com/office/drawing/2014/main" id="{61ACA18B-21F2-DEB7-74FB-98A1A4CAC9E7}"/>
+              </a:ext>
+            </a:extLst>
+          </p:cNvPr>
+          <p:cNvSpPr txBox="1"/>
+          <p:nvPr/>
+        </p:nvSpPr>
+        <p:spPr>
+          <a:xfrm>
+            <a:off x="2195736" y="2636912"/>
+            <a:ext cx="6624736" cy="2862322"/>
+          </a:xfrm>
+          <a:prstGeom prst="rect">
+            <a:avLst/>
+          </a:prstGeom>
+          <a:noFill/>
+          <a:ln w="25400">
+            <a:solidFill>
+              <a:schemeClr val="accent1"/>
+            </a:solidFill>
+          </a:ln>
+        </p:spPr>
+        <p:txBody>
+          <a:bodyPr wrap="square" rtlCol="0">
+            <a:spAutoFit/>
+          </a:bodyPr>
+          <a:lstStyle/>
+          <a:p>
+            <a:pPr algn="l"/>
+            <a:r>
+              <a:rPr lang="en-US" sz="1800" dirty="0">
+                <a:solidFill>
+                  <a:srgbClr val="646464"/>
+                </a:solidFill>
+                <a:latin typeface="Consolas" panose="020B0609020204030204" pitchFamily="49" charset="0"/>
+              </a:rPr>
+              <a:t>@POST</a:t>
+            </a:r>
+          </a:p>
+          <a:p>
+            <a:pPr algn="l"/>
+            <a:r>
+              <a:rPr lang="en-US" sz="1800" dirty="0">
+                <a:solidFill>
+                  <a:srgbClr val="646464"/>
+                </a:solidFill>
+                <a:latin typeface="Consolas" panose="020B0609020204030204" pitchFamily="49" charset="0"/>
+              </a:rPr>
+              <a:t>@Path</a:t>
+            </a:r>
+            <a:r>
+              <a:rPr lang="en-US" sz="1800" dirty="0">
+                <a:solidFill>
+                  <a:srgbClr val="000000"/>
+                </a:solidFill>
+                <a:latin typeface="Consolas" panose="020B0609020204030204" pitchFamily="49" charset="0"/>
+              </a:rPr>
+              <a:t>(</a:t>
+            </a:r>
+            <a:r>
+              <a:rPr lang="en-US" sz="1800" dirty="0">
+                <a:solidFill>
+                  <a:srgbClr val="2A00FF"/>
+                </a:solidFill>
+                <a:latin typeface="Consolas" panose="020B0609020204030204" pitchFamily="49" charset="0"/>
+              </a:rPr>
+              <a:t>"/konnichiwa"</a:t>
+            </a:r>
+            <a:r>
+              <a:rPr lang="en-US" sz="1800" dirty="0">
+                <a:solidFill>
+                  <a:srgbClr val="000000"/>
+                </a:solidFill>
+                <a:latin typeface="Consolas" panose="020B0609020204030204" pitchFamily="49" charset="0"/>
+              </a:rPr>
+              <a:t>)</a:t>
+            </a:r>
+          </a:p>
+          <a:p>
+            <a:pPr algn="l"/>
+            <a:r>
+              <a:rPr lang="en-US" sz="1800" dirty="0">
+                <a:solidFill>
+                  <a:srgbClr val="646464"/>
+                </a:solidFill>
+                <a:latin typeface="Consolas" panose="020B0609020204030204" pitchFamily="49" charset="0"/>
+              </a:rPr>
+              <a:t>@Produces</a:t>
+            </a:r>
+            <a:r>
+              <a:rPr lang="en-US" sz="1800" dirty="0">
+                <a:solidFill>
+                  <a:srgbClr val="000000"/>
+                </a:solidFill>
+                <a:latin typeface="Consolas" panose="020B0609020204030204" pitchFamily="49" charset="0"/>
+              </a:rPr>
+              <a:t>(MediaType.</a:t>
+            </a:r>
+            <a:r>
+              <a:rPr lang="en-US" sz="1800" b="1" i="1" dirty="0">
+                <a:solidFill>
+                  <a:srgbClr val="0000C0"/>
+                </a:solidFill>
+                <a:latin typeface="Consolas" panose="020B0609020204030204" pitchFamily="49" charset="0"/>
+              </a:rPr>
+              <a:t>APPLICATION_JSON</a:t>
+            </a:r>
+            <a:r>
+              <a:rPr lang="en-US" sz="1800" b="1" i="1" dirty="0">
+                <a:solidFill>
+                  <a:srgbClr val="000000"/>
+                </a:solidFill>
+                <a:latin typeface="Consolas" panose="020B0609020204030204" pitchFamily="49" charset="0"/>
+              </a:rPr>
+              <a:t>)</a:t>
+            </a:r>
+          </a:p>
+          <a:p>
+            <a:pPr algn="l"/>
+            <a:r>
+              <a:rPr lang="en-US" sz="1800" dirty="0">
+                <a:solidFill>
+                  <a:srgbClr val="646464"/>
+                </a:solidFill>
+                <a:latin typeface="Consolas" panose="020B0609020204030204" pitchFamily="49" charset="0"/>
+              </a:rPr>
+              <a:t>@Consumes</a:t>
+            </a:r>
+            <a:r>
+              <a:rPr lang="en-US" sz="1800" dirty="0">
+                <a:solidFill>
+                  <a:srgbClr val="000000"/>
+                </a:solidFill>
+                <a:latin typeface="Consolas" panose="020B0609020204030204" pitchFamily="49" charset="0"/>
+              </a:rPr>
+              <a:t>({MediaType.</a:t>
+            </a:r>
+            <a:r>
+              <a:rPr lang="en-US" sz="1800" b="1" i="1" dirty="0">
+                <a:solidFill>
+                  <a:srgbClr val="0000C0"/>
+                </a:solidFill>
+                <a:latin typeface="Consolas" panose="020B0609020204030204" pitchFamily="49" charset="0"/>
+              </a:rPr>
+              <a:t>APPLICATION_JSON</a:t>
+            </a:r>
+            <a:r>
+              <a:rPr lang="en-US" sz="1800" b="1" i="1" dirty="0">
+                <a:solidFill>
+                  <a:srgbClr val="000000"/>
+                </a:solidFill>
+                <a:latin typeface="Consolas" panose="020B0609020204030204" pitchFamily="49" charset="0"/>
+              </a:rPr>
+              <a:t>, </a:t>
+            </a:r>
+            <a:r>
+              <a:rPr lang="en-US" sz="1800" b="1" i="1" dirty="0" err="1">
+                <a:solidFill>
+                  <a:srgbClr val="000000"/>
+                </a:solidFill>
+                <a:latin typeface="Consolas" panose="020B0609020204030204" pitchFamily="49" charset="0"/>
+              </a:rPr>
+              <a:t>MediaType.</a:t>
+            </a:r>
+            <a:r>
+              <a:rPr lang="en-US" sz="1800" b="1" i="1" dirty="0" err="1">
+                <a:solidFill>
+                  <a:srgbClr val="0000C0"/>
+                </a:solidFill>
+                <a:latin typeface="Consolas" panose="020B0609020204030204" pitchFamily="49" charset="0"/>
+              </a:rPr>
+              <a:t>APPLICATION_XML</a:t>
+            </a:r>
+            <a:r>
+              <a:rPr lang="en-US" sz="1800" b="1" i="1" dirty="0">
+                <a:solidFill>
+                  <a:srgbClr val="000000"/>
+                </a:solidFill>
+                <a:latin typeface="Consolas" panose="020B0609020204030204" pitchFamily="49" charset="0"/>
+              </a:rPr>
+              <a:t>})</a:t>
+            </a:r>
+          </a:p>
+          <a:p>
+            <a:pPr algn="l"/>
+            <a:r>
+              <a:rPr lang="en-US" sz="1800" b="1" dirty="0">
+                <a:solidFill>
+                  <a:srgbClr val="7F0055"/>
+                </a:solidFill>
+                <a:latin typeface="Consolas" panose="020B0609020204030204" pitchFamily="49" charset="0"/>
+              </a:rPr>
+              <a:t>public</a:t>
+            </a:r>
+            <a:r>
+              <a:rPr lang="en-US" sz="1800" b="1" dirty="0">
+                <a:solidFill>
+                  <a:srgbClr val="000000"/>
+                </a:solidFill>
+                <a:latin typeface="Consolas" panose="020B0609020204030204" pitchFamily="49" charset="0"/>
+              </a:rPr>
+              <a:t> Hello </a:t>
+            </a:r>
+            <a:r>
+              <a:rPr lang="en-US" sz="1800" b="1" dirty="0" err="1">
+                <a:solidFill>
+                  <a:srgbClr val="000000"/>
+                </a:solidFill>
+                <a:latin typeface="Consolas" panose="020B0609020204030204" pitchFamily="49" charset="0"/>
+              </a:rPr>
+              <a:t>konnichiwa</a:t>
+            </a:r>
+            <a:r>
+              <a:rPr lang="en-US" sz="1800" b="1" dirty="0">
+                <a:solidFill>
+                  <a:srgbClr val="000000"/>
+                </a:solidFill>
+                <a:latin typeface="Consolas" panose="020B0609020204030204" pitchFamily="49" charset="0"/>
+              </a:rPr>
+              <a:t>(Account </a:t>
+            </a:r>
+            <a:r>
+              <a:rPr lang="en-US" sz="1800" b="1" dirty="0">
+                <a:solidFill>
+                  <a:srgbClr val="6A3E3E"/>
+                </a:solidFill>
+                <a:latin typeface="Consolas" panose="020B0609020204030204" pitchFamily="49" charset="0"/>
+              </a:rPr>
+              <a:t>account</a:t>
+            </a:r>
+            <a:r>
+              <a:rPr lang="en-US" sz="1800" b="1" dirty="0">
+                <a:solidFill>
+                  <a:srgbClr val="000000"/>
+                </a:solidFill>
+                <a:latin typeface="Consolas" panose="020B0609020204030204" pitchFamily="49" charset="0"/>
+              </a:rPr>
+              <a:t>) {</a:t>
+            </a:r>
+          </a:p>
+          <a:p>
+            <a:pPr algn="l"/>
+            <a:r>
+              <a:rPr lang="en-US" sz="1800" dirty="0">
+                <a:solidFill>
+                  <a:srgbClr val="000000"/>
+                </a:solidFill>
+                <a:latin typeface="Consolas" panose="020B0609020204030204" pitchFamily="49" charset="0"/>
+              </a:rPr>
+              <a:t>    </a:t>
+            </a:r>
+            <a:r>
+              <a:rPr lang="en-US" sz="1800" dirty="0" err="1">
+                <a:solidFill>
+                  <a:srgbClr val="000000"/>
+                </a:solidFill>
+                <a:latin typeface="Consolas" panose="020B0609020204030204" pitchFamily="49" charset="0"/>
+              </a:rPr>
+              <a:t>System.</a:t>
+            </a:r>
+            <a:r>
+              <a:rPr lang="en-US" sz="1800" b="1" i="1" dirty="0" err="1">
+                <a:solidFill>
+                  <a:srgbClr val="0000C0"/>
+                </a:solidFill>
+                <a:latin typeface="Consolas" panose="020B0609020204030204" pitchFamily="49" charset="0"/>
+              </a:rPr>
+              <a:t>out</a:t>
+            </a:r>
+            <a:r>
+              <a:rPr lang="en-US" sz="1800" b="1" i="1" dirty="0" err="1">
+                <a:solidFill>
+                  <a:srgbClr val="000000"/>
+                </a:solidFill>
+                <a:latin typeface="Consolas" panose="020B0609020204030204" pitchFamily="49" charset="0"/>
+              </a:rPr>
+              <a:t>.println</a:t>
+            </a:r>
+            <a:r>
+              <a:rPr lang="en-US" sz="1800" b="1" i="1" dirty="0">
+                <a:solidFill>
+                  <a:srgbClr val="000000"/>
+                </a:solidFill>
+                <a:latin typeface="Consolas" panose="020B0609020204030204" pitchFamily="49" charset="0"/>
+              </a:rPr>
+              <a:t>(</a:t>
+            </a:r>
+            <a:r>
+              <a:rPr lang="en-US" sz="1800" b="1" i="1" dirty="0">
+                <a:solidFill>
+                  <a:srgbClr val="2A00FF"/>
+                </a:solidFill>
+                <a:latin typeface="Consolas" panose="020B0609020204030204" pitchFamily="49" charset="0"/>
+              </a:rPr>
+              <a:t>"account="</a:t>
+            </a:r>
+            <a:r>
+              <a:rPr lang="en-US" sz="1800" b="1" i="1" dirty="0">
+                <a:solidFill>
+                  <a:srgbClr val="000000"/>
+                </a:solidFill>
+                <a:latin typeface="Consolas" panose="020B0609020204030204" pitchFamily="49" charset="0"/>
+              </a:rPr>
+              <a:t>+</a:t>
+            </a:r>
+            <a:r>
+              <a:rPr lang="en-US" sz="1800" b="1" i="1" dirty="0">
+                <a:solidFill>
+                  <a:srgbClr val="6A3E3E"/>
+                </a:solidFill>
+                <a:latin typeface="Consolas" panose="020B0609020204030204" pitchFamily="49" charset="0"/>
+              </a:rPr>
+              <a:t>account</a:t>
+            </a:r>
+            <a:r>
+              <a:rPr lang="en-US" sz="1800" b="1" i="1" dirty="0">
+                <a:solidFill>
+                  <a:srgbClr val="000000"/>
+                </a:solidFill>
+                <a:latin typeface="Consolas" panose="020B0609020204030204" pitchFamily="49" charset="0"/>
+              </a:rPr>
+              <a:t>);</a:t>
+            </a:r>
+          </a:p>
+          <a:p>
+            <a:pPr algn="l"/>
+            <a:r>
+              <a:rPr lang="en-US" sz="1800" dirty="0">
+                <a:solidFill>
+                  <a:srgbClr val="000000"/>
+                </a:solidFill>
+                <a:latin typeface="Consolas" panose="020B0609020204030204" pitchFamily="49" charset="0"/>
+              </a:rPr>
+              <a:t>    </a:t>
+            </a:r>
+            <a:r>
+              <a:rPr lang="en-US" sz="1800" b="1" dirty="0">
+                <a:solidFill>
+                  <a:srgbClr val="7F0055"/>
+                </a:solidFill>
+                <a:latin typeface="Consolas" panose="020B0609020204030204" pitchFamily="49" charset="0"/>
+              </a:rPr>
+              <a:t>return</a:t>
+            </a:r>
+            <a:r>
+              <a:rPr lang="en-US" sz="1800" b="1" dirty="0">
+                <a:solidFill>
+                  <a:srgbClr val="000000"/>
+                </a:solidFill>
+                <a:latin typeface="Consolas" panose="020B0609020204030204" pitchFamily="49" charset="0"/>
+              </a:rPr>
+              <a:t> </a:t>
+            </a:r>
+            <a:r>
+              <a:rPr lang="en-US" sz="1800" b="1" dirty="0">
+                <a:solidFill>
+                  <a:srgbClr val="7F0055"/>
+                </a:solidFill>
+                <a:latin typeface="Consolas" panose="020B0609020204030204" pitchFamily="49" charset="0"/>
+              </a:rPr>
+              <a:t>new</a:t>
+            </a:r>
+            <a:r>
+              <a:rPr lang="en-US" sz="1800" b="1" dirty="0">
+                <a:solidFill>
+                  <a:srgbClr val="000000"/>
+                </a:solidFill>
+                <a:latin typeface="Consolas" panose="020B0609020204030204" pitchFamily="49" charset="0"/>
+              </a:rPr>
+              <a:t> Hello(</a:t>
+            </a:r>
+            <a:r>
+              <a:rPr lang="en-US" sz="1800" b="1" dirty="0">
+                <a:solidFill>
+                  <a:srgbClr val="2A00FF"/>
+                </a:solidFill>
+                <a:latin typeface="Consolas" panose="020B0609020204030204" pitchFamily="49" charset="0"/>
+              </a:rPr>
+              <a:t>"</a:t>
+            </a:r>
+            <a:r>
+              <a:rPr lang="en-US" sz="1800" b="1" dirty="0" err="1">
+                <a:solidFill>
+                  <a:srgbClr val="2A00FF"/>
+                </a:solidFill>
+                <a:latin typeface="Consolas" panose="020B0609020204030204" pitchFamily="49" charset="0"/>
+              </a:rPr>
+              <a:t>Konnichiwa</a:t>
+            </a:r>
+            <a:r>
+              <a:rPr lang="en-US" sz="1800" b="1" dirty="0">
+                <a:solidFill>
+                  <a:srgbClr val="2A00FF"/>
+                </a:solidFill>
+                <a:latin typeface="Consolas" panose="020B0609020204030204" pitchFamily="49" charset="0"/>
+              </a:rPr>
+              <a:t>, "</a:t>
+            </a:r>
+            <a:r>
+              <a:rPr lang="en-US" sz="1800" b="1" dirty="0">
+                <a:solidFill>
+                  <a:srgbClr val="000000"/>
+                </a:solidFill>
+                <a:latin typeface="Consolas" panose="020B0609020204030204" pitchFamily="49" charset="0"/>
+              </a:rPr>
+              <a:t>+</a:t>
+            </a:r>
+            <a:r>
+              <a:rPr lang="en-US" sz="1800" b="1" dirty="0" err="1">
+                <a:solidFill>
+                  <a:srgbClr val="6A3E3E"/>
+                </a:solidFill>
+                <a:latin typeface="Consolas" panose="020B0609020204030204" pitchFamily="49" charset="0"/>
+              </a:rPr>
+              <a:t>account</a:t>
+            </a:r>
+            <a:r>
+              <a:rPr lang="en-US" sz="1800" b="1" dirty="0" err="1">
+                <a:solidFill>
+                  <a:srgbClr val="000000"/>
+                </a:solidFill>
+                <a:latin typeface="Consolas" panose="020B0609020204030204" pitchFamily="49" charset="0"/>
+              </a:rPr>
+              <a:t>.getFullName</a:t>
+            </a:r>
+            <a:r>
+              <a:rPr lang="en-US" sz="1800" b="1" dirty="0">
+                <a:solidFill>
+                  <a:srgbClr val="000000"/>
+                </a:solidFill>
+                <a:latin typeface="Consolas" panose="020B0609020204030204" pitchFamily="49" charset="0"/>
+              </a:rPr>
+              <a:t>());                       </a:t>
+            </a:r>
+          </a:p>
+          <a:p>
+            <a:pPr algn="l"/>
+            <a:r>
+              <a:rPr lang="en-US" sz="1800" dirty="0">
+                <a:solidFill>
+                  <a:srgbClr val="000000"/>
+                </a:solidFill>
+                <a:latin typeface="Consolas" panose="020B0609020204030204" pitchFamily="49" charset="0"/>
+              </a:rPr>
+              <a:t>}</a:t>
+            </a:r>
+            <a:endParaRPr lang="en-US" sz="1600" dirty="0">
+              <a:solidFill>
+                <a:srgbClr val="000000"/>
+              </a:solidFill>
+              <a:latin typeface="Consolas" panose="020B0609020204030204" pitchFamily="49" charset="0"/>
+            </a:endParaRPr>
+          </a:p>
+        </p:txBody>
+      </p:sp>
+    </p:spTree>
+    <p:extLst>
+      <p:ext uri="{BB962C8B-B14F-4D97-AF65-F5344CB8AC3E}">
+        <p14:creationId xmlns:p14="http://schemas.microsoft.com/office/powerpoint/2010/main" val="2960482191"/>
+      </p:ext>
+    </p:extLst>
+  </p:cSld>
+  <p:clrMapOvr>
+    <a:masterClrMapping/>
+  </p:clrMapOvr>
+</p:sld>
+</file>
+
+<file path=ppt/slides/slide54.xml><?xml version="1.0" encoding="utf-8"?>
+<p:sld xmlns:a="http://schemas.openxmlformats.org/drawingml/2006/main" xmlns:r="http://schemas.openxmlformats.org/officeDocument/2006/relationships" xmlns:p="http://schemas.openxmlformats.org/presentationml/2006/main">
+  <p:cSld>
+    <p:spTree>
+      <p:nvGrpSpPr>
+        <p:cNvPr id="1" name=""/>
+        <p:cNvGrpSpPr/>
+        <p:nvPr/>
+      </p:nvGrpSpPr>
+      <p:grpSpPr>
+        <a:xfrm>
+          <a:off x="0" y="0"/>
+          <a:ext cx="0" cy="0"/>
+          <a:chOff x="0" y="0"/>
+          <a:chExt cx="0" cy="0"/>
+        </a:xfrm>
+      </p:grpSpPr>
+      <p:sp>
+        <p:nvSpPr>
+          <p:cNvPr id="2" name="Title 1"/>
+          <p:cNvSpPr>
+            <a:spLocks noGrp="1"/>
+          </p:cNvSpPr>
+          <p:nvPr>
+            <p:ph type="title"/>
+          </p:nvPr>
+        </p:nvSpPr>
+        <p:spPr/>
+        <p:txBody>
+          <a:bodyPr/>
+          <a:lstStyle/>
+          <a:p>
+            <a:r>
+              <a:rPr lang="en-US" dirty="0"/>
+              <a:t>REST</a:t>
+            </a:r>
+          </a:p>
+        </p:txBody>
+      </p:sp>
+      <p:sp>
+        <p:nvSpPr>
+          <p:cNvPr id="3" name="Content Placeholder 2"/>
+          <p:cNvSpPr>
+            <a:spLocks noGrp="1"/>
+          </p:cNvSpPr>
+          <p:nvPr>
+            <p:ph idx="1"/>
+          </p:nvPr>
+        </p:nvSpPr>
+        <p:spPr/>
+        <p:txBody>
+          <a:bodyPr>
+            <a:normAutofit/>
+          </a:bodyPr>
+          <a:lstStyle/>
+          <a:p>
+            <a:r>
+              <a:rPr lang="en-US" dirty="0"/>
+              <a:t>Programming</a:t>
+            </a:r>
+          </a:p>
+          <a:p>
+            <a:pPr lvl="1"/>
+            <a:r>
+              <a:rPr lang="en-US" dirty="0"/>
+              <a:t>Multiple Consumes – request json</a:t>
+            </a:r>
+          </a:p>
+          <a:p>
+            <a:pPr lvl="2"/>
+            <a:r>
+              <a:rPr lang="en-US" dirty="0"/>
+              <a:t>request</a:t>
+            </a:r>
+          </a:p>
+          <a:p>
+            <a:pPr lvl="2"/>
+            <a:endParaRPr lang="en-US" dirty="0"/>
+          </a:p>
+          <a:p>
+            <a:pPr lvl="2"/>
+            <a:endParaRPr lang="en-US" dirty="0"/>
+          </a:p>
+          <a:p>
+            <a:pPr lvl="2"/>
+            <a:endParaRPr lang="en-US" dirty="0"/>
+          </a:p>
+          <a:p>
+            <a:pPr lvl="2"/>
+            <a:r>
+              <a:rPr lang="en-US" dirty="0"/>
+              <a:t>response</a:t>
+            </a:r>
+          </a:p>
+          <a:p>
+            <a:pPr lvl="2"/>
+            <a:endParaRPr lang="en-US" dirty="0"/>
+          </a:p>
+          <a:p>
+            <a:pPr lvl="2"/>
+            <a:endParaRPr lang="en-US" dirty="0"/>
+          </a:p>
+          <a:p>
+            <a:pPr lvl="2"/>
+            <a:endParaRPr lang="en-US" dirty="0"/>
+          </a:p>
+          <a:p>
+            <a:pPr lvl="2"/>
+            <a:endParaRPr lang="en-US" dirty="0"/>
+          </a:p>
+          <a:p>
+            <a:pPr lvl="1"/>
+            <a:endParaRPr lang="en-US" dirty="0"/>
+          </a:p>
+          <a:p>
+            <a:pPr lvl="1"/>
+            <a:endParaRPr lang="en-US" dirty="0"/>
+          </a:p>
+        </p:txBody>
+      </p:sp>
+      <p:sp>
+        <p:nvSpPr>
+          <p:cNvPr id="6" name="TextBox 5">
+            <a:extLst>
+              <a:ext uri="{FF2B5EF4-FFF2-40B4-BE49-F238E27FC236}">
+                <a16:creationId xmlns:a16="http://schemas.microsoft.com/office/drawing/2014/main" id="{16ECE916-E0E3-9F95-5AF2-5EEF98814755}"/>
+              </a:ext>
+            </a:extLst>
+          </p:cNvPr>
+          <p:cNvSpPr txBox="1"/>
+          <p:nvPr/>
+        </p:nvSpPr>
+        <p:spPr>
+          <a:xfrm>
+            <a:off x="2195736" y="3068960"/>
+            <a:ext cx="6737952" cy="923330"/>
+          </a:xfrm>
+          <a:prstGeom prst="rect">
+            <a:avLst/>
+          </a:prstGeom>
+          <a:noFill/>
+          <a:ln w="25400">
+            <a:solidFill>
+              <a:schemeClr val="accent1"/>
+            </a:solidFill>
+          </a:ln>
+        </p:spPr>
+        <p:txBody>
+          <a:bodyPr wrap="square" rtlCol="0">
+            <a:spAutoFit/>
+          </a:bodyPr>
+          <a:lstStyle/>
+          <a:p>
+            <a:r>
+              <a:rPr lang="en-US" sz="1800" dirty="0">
+                <a:solidFill>
+                  <a:srgbClr val="3F7F5F"/>
+                </a:solidFill>
+                <a:latin typeface="Consolas" panose="020B0609020204030204" pitchFamily="49" charset="0"/>
+              </a:rPr>
+              <a:t>curl -X POST -H "Content-Type: application/</a:t>
+            </a:r>
+            <a:r>
+              <a:rPr lang="en-US" sz="1800" u="sng" dirty="0">
+                <a:solidFill>
+                  <a:srgbClr val="3F7F5F"/>
+                </a:solidFill>
+                <a:latin typeface="Consolas" panose="020B0609020204030204" pitchFamily="49" charset="0"/>
+              </a:rPr>
+              <a:t>json" http://localhost:8080/myresource/konnichiwa -d "{\"name\":\"John\",\"surname\":\"Doe\"}"</a:t>
+            </a:r>
+            <a:endParaRPr lang="en-US" dirty="0"/>
+          </a:p>
+        </p:txBody>
+      </p:sp>
+      <p:sp>
+        <p:nvSpPr>
+          <p:cNvPr id="7" name="TextBox 6">
+            <a:extLst>
+              <a:ext uri="{FF2B5EF4-FFF2-40B4-BE49-F238E27FC236}">
+                <a16:creationId xmlns:a16="http://schemas.microsoft.com/office/drawing/2014/main" id="{0F217B3D-CC12-8F2A-08FC-F80571EF49C2}"/>
+              </a:ext>
+            </a:extLst>
+          </p:cNvPr>
+          <p:cNvSpPr txBox="1"/>
+          <p:nvPr/>
+        </p:nvSpPr>
+        <p:spPr>
+          <a:xfrm>
+            <a:off x="2195736" y="4869160"/>
+            <a:ext cx="6737952" cy="369332"/>
+          </a:xfrm>
+          <a:prstGeom prst="rect">
+            <a:avLst/>
+          </a:prstGeom>
+          <a:noFill/>
+          <a:ln w="25400">
+            <a:solidFill>
+              <a:schemeClr val="accent1"/>
+            </a:solidFill>
+          </a:ln>
+        </p:spPr>
+        <p:txBody>
+          <a:bodyPr wrap="square" rtlCol="0">
+            <a:spAutoFit/>
+          </a:bodyPr>
+          <a:lstStyle/>
+          <a:p>
+            <a:r>
+              <a:rPr lang="en-US" dirty="0"/>
+              <a:t>{"message":"</a:t>
+            </a:r>
+            <a:r>
+              <a:rPr lang="en-US" dirty="0" err="1"/>
+              <a:t>Konnichiwa</a:t>
+            </a:r>
+            <a:r>
+              <a:rPr lang="en-US" dirty="0"/>
+              <a:t>, John Doe"}</a:t>
+            </a:r>
+          </a:p>
+        </p:txBody>
+      </p:sp>
+    </p:spTree>
+    <p:extLst>
+      <p:ext uri="{BB962C8B-B14F-4D97-AF65-F5344CB8AC3E}">
+        <p14:creationId xmlns:p14="http://schemas.microsoft.com/office/powerpoint/2010/main" val="409139844"/>
+      </p:ext>
+    </p:extLst>
+  </p:cSld>
+  <p:clrMapOvr>
+    <a:masterClrMapping/>
+  </p:clrMapOvr>
+</p:sld>
+</file>
+
+<file path=ppt/slides/slide55.xml><?xml version="1.0" encoding="utf-8"?>
+<p:sld xmlns:a="http://schemas.openxmlformats.org/drawingml/2006/main" xmlns:r="http://schemas.openxmlformats.org/officeDocument/2006/relationships" xmlns:p="http://schemas.openxmlformats.org/presentationml/2006/main">
+  <p:cSld>
+    <p:spTree>
+      <p:nvGrpSpPr>
+        <p:cNvPr id="1" name=""/>
+        <p:cNvGrpSpPr/>
+        <p:nvPr/>
+      </p:nvGrpSpPr>
+      <p:grpSpPr>
+        <a:xfrm>
+          <a:off x="0" y="0"/>
+          <a:ext cx="0" cy="0"/>
+          <a:chOff x="0" y="0"/>
+          <a:chExt cx="0" cy="0"/>
+        </a:xfrm>
+      </p:grpSpPr>
+      <p:sp>
+        <p:nvSpPr>
+          <p:cNvPr id="2" name="Title 1"/>
+          <p:cNvSpPr>
+            <a:spLocks noGrp="1"/>
+          </p:cNvSpPr>
+          <p:nvPr>
+            <p:ph type="title"/>
+          </p:nvPr>
+        </p:nvSpPr>
+        <p:spPr/>
+        <p:txBody>
+          <a:bodyPr/>
+          <a:lstStyle/>
+          <a:p>
+            <a:r>
+              <a:rPr lang="en-US" dirty="0"/>
+              <a:t>REST</a:t>
+            </a:r>
+          </a:p>
+        </p:txBody>
+      </p:sp>
+      <p:sp>
+        <p:nvSpPr>
+          <p:cNvPr id="3" name="Content Placeholder 2"/>
+          <p:cNvSpPr>
+            <a:spLocks noGrp="1"/>
+          </p:cNvSpPr>
+          <p:nvPr>
+            <p:ph idx="1"/>
+          </p:nvPr>
+        </p:nvSpPr>
+        <p:spPr/>
+        <p:txBody>
+          <a:bodyPr>
+            <a:normAutofit/>
+          </a:bodyPr>
+          <a:lstStyle/>
+          <a:p>
+            <a:r>
+              <a:rPr lang="en-US" dirty="0"/>
+              <a:t>Programming</a:t>
+            </a:r>
+          </a:p>
+          <a:p>
+            <a:pPr lvl="1"/>
+            <a:r>
+              <a:rPr lang="en-US" dirty="0"/>
+              <a:t>Multiple Consumes – request xml</a:t>
+            </a:r>
+          </a:p>
+          <a:p>
+            <a:pPr lvl="2"/>
+            <a:r>
+              <a:rPr lang="en-US" dirty="0"/>
+              <a:t>request</a:t>
+            </a:r>
+          </a:p>
+          <a:p>
+            <a:pPr lvl="2"/>
+            <a:endParaRPr lang="en-US" dirty="0"/>
+          </a:p>
+          <a:p>
+            <a:pPr lvl="2"/>
+            <a:endParaRPr lang="en-US" dirty="0"/>
+          </a:p>
+          <a:p>
+            <a:pPr lvl="2"/>
+            <a:endParaRPr lang="en-US" dirty="0"/>
+          </a:p>
+          <a:p>
+            <a:pPr lvl="2"/>
+            <a:r>
+              <a:rPr lang="en-US" dirty="0"/>
+              <a:t>response</a:t>
+            </a:r>
+          </a:p>
+          <a:p>
+            <a:pPr lvl="2"/>
+            <a:endParaRPr lang="en-US" dirty="0"/>
+          </a:p>
+          <a:p>
+            <a:pPr lvl="2"/>
+            <a:endParaRPr lang="en-US" dirty="0"/>
+          </a:p>
+          <a:p>
+            <a:pPr lvl="2"/>
+            <a:endParaRPr lang="en-US" dirty="0"/>
+          </a:p>
+          <a:p>
+            <a:pPr lvl="2"/>
+            <a:endParaRPr lang="en-US" dirty="0"/>
+          </a:p>
+          <a:p>
+            <a:pPr lvl="1"/>
+            <a:endParaRPr lang="en-US" dirty="0"/>
+          </a:p>
+          <a:p>
+            <a:pPr lvl="1"/>
+            <a:endParaRPr lang="en-US" dirty="0"/>
+          </a:p>
+        </p:txBody>
+      </p:sp>
+      <p:sp>
+        <p:nvSpPr>
+          <p:cNvPr id="6" name="TextBox 5">
+            <a:extLst>
+              <a:ext uri="{FF2B5EF4-FFF2-40B4-BE49-F238E27FC236}">
+                <a16:creationId xmlns:a16="http://schemas.microsoft.com/office/drawing/2014/main" id="{16ECE916-E0E3-9F95-5AF2-5EEF98814755}"/>
+              </a:ext>
+            </a:extLst>
+          </p:cNvPr>
+          <p:cNvSpPr txBox="1"/>
+          <p:nvPr/>
+        </p:nvSpPr>
+        <p:spPr>
+          <a:xfrm>
+            <a:off x="2195736" y="3068960"/>
+            <a:ext cx="6737952" cy="1200329"/>
+          </a:xfrm>
+          <a:prstGeom prst="rect">
+            <a:avLst/>
+          </a:prstGeom>
+          <a:noFill/>
+          <a:ln w="25400">
+            <a:solidFill>
+              <a:schemeClr val="accent1"/>
+            </a:solidFill>
+          </a:ln>
+        </p:spPr>
+        <p:txBody>
+          <a:bodyPr wrap="square" rtlCol="0">
+            <a:spAutoFit/>
+          </a:bodyPr>
+          <a:lstStyle/>
+          <a:p>
+            <a:r>
+              <a:rPr lang="en-US" sz="1800" dirty="0">
+                <a:solidFill>
+                  <a:srgbClr val="3F7F5F"/>
+                </a:solidFill>
+                <a:latin typeface="Consolas" panose="020B0609020204030204" pitchFamily="49" charset="0"/>
+              </a:rPr>
+              <a:t>curl -X POST -H "Content-Type: application/</a:t>
+            </a:r>
+            <a:r>
+              <a:rPr lang="en-US" sz="1800" u="sng" dirty="0">
+                <a:solidFill>
+                  <a:srgbClr val="3F7F5F"/>
+                </a:solidFill>
+                <a:latin typeface="Consolas" panose="020B0609020204030204" pitchFamily="49" charset="0"/>
+              </a:rPr>
+              <a:t>xml" http://localhost:8080/myresource/konnichiwa -d "&lt;account&gt;&lt;name&gt;John&lt;/name&gt;&lt;surname&gt;Doe&lt;/surname&gt;&lt;/account&gt;"</a:t>
+            </a:r>
+            <a:endParaRPr lang="en-US" dirty="0"/>
+          </a:p>
+        </p:txBody>
+      </p:sp>
+      <p:sp>
+        <p:nvSpPr>
+          <p:cNvPr id="7" name="TextBox 6">
+            <a:extLst>
+              <a:ext uri="{FF2B5EF4-FFF2-40B4-BE49-F238E27FC236}">
+                <a16:creationId xmlns:a16="http://schemas.microsoft.com/office/drawing/2014/main" id="{0F217B3D-CC12-8F2A-08FC-F80571EF49C2}"/>
+              </a:ext>
+            </a:extLst>
+          </p:cNvPr>
+          <p:cNvSpPr txBox="1"/>
+          <p:nvPr/>
+        </p:nvSpPr>
+        <p:spPr>
+          <a:xfrm>
+            <a:off x="2195736" y="4869160"/>
+            <a:ext cx="6737952" cy="369332"/>
+          </a:xfrm>
+          <a:prstGeom prst="rect">
+            <a:avLst/>
+          </a:prstGeom>
+          <a:noFill/>
+          <a:ln w="25400">
+            <a:solidFill>
+              <a:schemeClr val="accent1"/>
+            </a:solidFill>
+          </a:ln>
+        </p:spPr>
+        <p:txBody>
+          <a:bodyPr wrap="square" rtlCol="0">
+            <a:spAutoFit/>
+          </a:bodyPr>
+          <a:lstStyle/>
+          <a:p>
+            <a:r>
+              <a:rPr lang="en-US" dirty="0"/>
+              <a:t>{"message":"</a:t>
+            </a:r>
+            <a:r>
+              <a:rPr lang="en-US" dirty="0" err="1"/>
+              <a:t>Konnichiwa</a:t>
+            </a:r>
+            <a:r>
+              <a:rPr lang="en-US" dirty="0"/>
+              <a:t>, John Doe"}</a:t>
+            </a:r>
+          </a:p>
+        </p:txBody>
+      </p:sp>
+    </p:spTree>
+    <p:extLst>
+      <p:ext uri="{BB962C8B-B14F-4D97-AF65-F5344CB8AC3E}">
+        <p14:creationId xmlns:p14="http://schemas.microsoft.com/office/powerpoint/2010/main" val="2200041333"/>
+      </p:ext>
+    </p:extLst>
+  </p:cSld>
+  <p:clrMapOvr>
+    <a:masterClrMapping/>
+  </p:clrMapOvr>
+</p:sld>
+</file>
+
+<file path=ppt/slides/slide56.xml><?xml version="1.0" encoding="utf-8"?>
+<p:sld xmlns:a="http://schemas.openxmlformats.org/drawingml/2006/main" xmlns:r="http://schemas.openxmlformats.org/officeDocument/2006/relationships" xmlns:p="http://schemas.openxmlformats.org/presentationml/2006/main">
+  <p:cSld>
+    <p:spTree>
+      <p:nvGrpSpPr>
+        <p:cNvPr id="1" name=""/>
+        <p:cNvGrpSpPr/>
+        <p:nvPr/>
+      </p:nvGrpSpPr>
+      <p:grpSpPr>
+        <a:xfrm>
+          <a:off x="0" y="0"/>
+          <a:ext cx="0" cy="0"/>
+          <a:chOff x="0" y="0"/>
+          <a:chExt cx="0" cy="0"/>
+        </a:xfrm>
+      </p:grpSpPr>
+      <p:sp>
+        <p:nvSpPr>
+          <p:cNvPr id="2" name="Title 1"/>
+          <p:cNvSpPr>
+            <a:spLocks noGrp="1"/>
+          </p:cNvSpPr>
+          <p:nvPr>
+            <p:ph type="title"/>
+          </p:nvPr>
+        </p:nvSpPr>
+        <p:spPr/>
+        <p:txBody>
+          <a:bodyPr/>
+          <a:lstStyle/>
+          <a:p>
+            <a:r>
+              <a:rPr lang="en-US" dirty="0"/>
+              <a:t>REST</a:t>
+            </a:r>
+          </a:p>
+        </p:txBody>
+      </p:sp>
+      <p:sp>
+        <p:nvSpPr>
+          <p:cNvPr id="3" name="Content Placeholder 2"/>
+          <p:cNvSpPr>
+            <a:spLocks noGrp="1"/>
+          </p:cNvSpPr>
+          <p:nvPr>
+            <p:ph idx="1"/>
+          </p:nvPr>
+        </p:nvSpPr>
+        <p:spPr/>
+        <p:txBody>
+          <a:bodyPr>
+            <a:normAutofit/>
+          </a:bodyPr>
+          <a:lstStyle/>
+          <a:p>
+            <a:r>
+              <a:rPr lang="en-US" dirty="0"/>
+              <a:t>Programming</a:t>
+            </a:r>
+          </a:p>
+          <a:p>
+            <a:pPr lvl="1"/>
+            <a:r>
+              <a:rPr lang="en-US" dirty="0"/>
+              <a:t>Multiple Consumes – Account.java (I)</a:t>
+            </a:r>
+          </a:p>
+          <a:p>
+            <a:pPr lvl="2"/>
+            <a:endParaRPr lang="en-US" dirty="0"/>
+          </a:p>
+          <a:p>
+            <a:pPr lvl="2"/>
+            <a:endParaRPr lang="en-US" dirty="0"/>
+          </a:p>
+          <a:p>
+            <a:pPr lvl="2"/>
+            <a:endParaRPr lang="en-US" dirty="0"/>
+          </a:p>
+          <a:p>
+            <a:pPr lvl="2"/>
+            <a:endParaRPr lang="en-US" dirty="0"/>
+          </a:p>
+          <a:p>
+            <a:pPr lvl="2"/>
+            <a:endParaRPr lang="en-US" dirty="0"/>
+          </a:p>
+          <a:p>
+            <a:pPr lvl="2"/>
+            <a:endParaRPr lang="en-US" dirty="0"/>
+          </a:p>
+          <a:p>
+            <a:pPr lvl="2"/>
+            <a:endParaRPr lang="en-US" dirty="0"/>
+          </a:p>
+          <a:p>
+            <a:pPr lvl="2"/>
+            <a:endParaRPr lang="en-US" dirty="0"/>
+          </a:p>
+          <a:p>
+            <a:pPr lvl="2"/>
+            <a:endParaRPr lang="en-US" dirty="0"/>
+          </a:p>
+          <a:p>
+            <a:pPr lvl="1"/>
+            <a:endParaRPr lang="en-US" dirty="0"/>
+          </a:p>
+          <a:p>
+            <a:pPr lvl="1"/>
+            <a:endParaRPr lang="en-US" dirty="0"/>
+          </a:p>
+        </p:txBody>
+      </p:sp>
+      <p:sp>
+        <p:nvSpPr>
+          <p:cNvPr id="5" name="TextBox 4">
+            <a:extLst>
+              <a:ext uri="{FF2B5EF4-FFF2-40B4-BE49-F238E27FC236}">
+                <a16:creationId xmlns:a16="http://schemas.microsoft.com/office/drawing/2014/main" id="{61ACA18B-21F2-DEB7-74FB-98A1A4CAC9E7}"/>
+              </a:ext>
+            </a:extLst>
+          </p:cNvPr>
+          <p:cNvSpPr txBox="1"/>
+          <p:nvPr/>
+        </p:nvSpPr>
+        <p:spPr>
+          <a:xfrm>
+            <a:off x="2195736" y="2636912"/>
+            <a:ext cx="6737952" cy="2893100"/>
+          </a:xfrm>
+          <a:prstGeom prst="rect">
+            <a:avLst/>
+          </a:prstGeom>
+          <a:noFill/>
+          <a:ln w="25400">
+            <a:solidFill>
+              <a:schemeClr val="accent1"/>
+            </a:solidFill>
+          </a:ln>
+        </p:spPr>
+        <p:txBody>
+          <a:bodyPr wrap="square" rtlCol="0">
+            <a:spAutoFit/>
+          </a:bodyPr>
+          <a:lstStyle/>
+          <a:p>
+            <a:pPr algn="l"/>
+            <a:r>
+              <a:rPr lang="en-US" sz="1400" b="1" dirty="0">
+                <a:solidFill>
+                  <a:srgbClr val="7F0055"/>
+                </a:solidFill>
+                <a:latin typeface="Consolas" panose="020B0609020204030204" pitchFamily="49" charset="0"/>
+              </a:rPr>
+              <a:t>package</a:t>
+            </a:r>
+            <a:r>
+              <a:rPr lang="en-US" sz="1400" b="1" dirty="0">
+                <a:solidFill>
+                  <a:srgbClr val="000000"/>
+                </a:solidFill>
+                <a:latin typeface="Consolas" panose="020B0609020204030204" pitchFamily="49" charset="0"/>
+              </a:rPr>
+              <a:t> </a:t>
+            </a:r>
+            <a:r>
+              <a:rPr lang="en-US" sz="1400" b="1" dirty="0" err="1">
+                <a:solidFill>
+                  <a:srgbClr val="000000"/>
+                </a:solidFill>
+                <a:latin typeface="Consolas" panose="020B0609020204030204" pitchFamily="49" charset="0"/>
+              </a:rPr>
+              <a:t>com.test</a:t>
+            </a:r>
+            <a:r>
+              <a:rPr lang="en-US" sz="1400" b="1" dirty="0">
+                <a:solidFill>
+                  <a:srgbClr val="000000"/>
+                </a:solidFill>
+                <a:latin typeface="Consolas" panose="020B0609020204030204" pitchFamily="49" charset="0"/>
+              </a:rPr>
+              <a:t>;</a:t>
+            </a:r>
+          </a:p>
+          <a:p>
+            <a:pPr algn="l"/>
+            <a:endParaRPr lang="en-US" sz="1400" dirty="0">
+              <a:latin typeface="Consolas" panose="020B0609020204030204" pitchFamily="49" charset="0"/>
+            </a:endParaRPr>
+          </a:p>
+          <a:p>
+            <a:pPr algn="l"/>
+            <a:r>
+              <a:rPr lang="en-US" sz="1400" b="1" dirty="0">
+                <a:solidFill>
+                  <a:srgbClr val="7F0055"/>
+                </a:solidFill>
+                <a:latin typeface="Consolas" panose="020B0609020204030204" pitchFamily="49" charset="0"/>
+              </a:rPr>
+              <a:t>import</a:t>
+            </a:r>
+            <a:r>
+              <a:rPr lang="en-US" sz="1400" b="1" dirty="0">
+                <a:solidFill>
+                  <a:srgbClr val="000000"/>
+                </a:solidFill>
+                <a:latin typeface="Consolas" panose="020B0609020204030204" pitchFamily="49" charset="0"/>
+              </a:rPr>
+              <a:t> </a:t>
+            </a:r>
+            <a:r>
+              <a:rPr lang="en-US" sz="1400" b="1" dirty="0" err="1">
+                <a:solidFill>
+                  <a:srgbClr val="000000"/>
+                </a:solidFill>
+                <a:latin typeface="Consolas" panose="020B0609020204030204" pitchFamily="49" charset="0"/>
+              </a:rPr>
+              <a:t>javax.xml.bind.annotation.XmlElement</a:t>
+            </a:r>
+            <a:r>
+              <a:rPr lang="en-US" sz="1400" b="1" dirty="0">
+                <a:solidFill>
+                  <a:srgbClr val="000000"/>
+                </a:solidFill>
+                <a:latin typeface="Consolas" panose="020B0609020204030204" pitchFamily="49" charset="0"/>
+              </a:rPr>
+              <a:t>;</a:t>
+            </a:r>
+          </a:p>
+          <a:p>
+            <a:pPr algn="l"/>
+            <a:r>
+              <a:rPr lang="en-US" sz="1400" b="1" dirty="0">
+                <a:solidFill>
+                  <a:srgbClr val="7F0055"/>
+                </a:solidFill>
+                <a:latin typeface="Consolas" panose="020B0609020204030204" pitchFamily="49" charset="0"/>
+              </a:rPr>
+              <a:t>import</a:t>
+            </a:r>
+            <a:r>
+              <a:rPr lang="en-US" sz="1400" b="1" dirty="0">
+                <a:solidFill>
+                  <a:srgbClr val="000000"/>
+                </a:solidFill>
+                <a:latin typeface="Consolas" panose="020B0609020204030204" pitchFamily="49" charset="0"/>
+              </a:rPr>
+              <a:t> </a:t>
+            </a:r>
+            <a:r>
+              <a:rPr lang="en-US" sz="1400" b="1" dirty="0" err="1">
+                <a:solidFill>
+                  <a:srgbClr val="000000"/>
+                </a:solidFill>
+                <a:latin typeface="Consolas" panose="020B0609020204030204" pitchFamily="49" charset="0"/>
+              </a:rPr>
+              <a:t>javax.xml.bind.annotation.XmlRootElement</a:t>
+            </a:r>
+            <a:r>
+              <a:rPr lang="en-US" sz="1400" b="1" dirty="0">
+                <a:solidFill>
+                  <a:srgbClr val="000000"/>
+                </a:solidFill>
+                <a:latin typeface="Consolas" panose="020B0609020204030204" pitchFamily="49" charset="0"/>
+              </a:rPr>
+              <a:t>;</a:t>
+            </a:r>
+          </a:p>
+          <a:p>
+            <a:pPr algn="l"/>
+            <a:endParaRPr lang="en-US" sz="1400" dirty="0">
+              <a:latin typeface="Consolas" panose="020B0609020204030204" pitchFamily="49" charset="0"/>
+            </a:endParaRPr>
+          </a:p>
+          <a:p>
+            <a:pPr algn="l"/>
+            <a:r>
+              <a:rPr lang="en-US" sz="1400" dirty="0">
+                <a:solidFill>
+                  <a:srgbClr val="646464"/>
+                </a:solidFill>
+                <a:latin typeface="Consolas" panose="020B0609020204030204" pitchFamily="49" charset="0"/>
+              </a:rPr>
+              <a:t>@XmlRootElement</a:t>
+            </a:r>
+            <a:r>
+              <a:rPr lang="en-US" sz="1400" dirty="0">
+                <a:solidFill>
+                  <a:srgbClr val="000000"/>
+                </a:solidFill>
+                <a:latin typeface="Consolas" panose="020B0609020204030204" pitchFamily="49" charset="0"/>
+              </a:rPr>
+              <a:t>(name=</a:t>
+            </a:r>
+            <a:r>
+              <a:rPr lang="en-US" sz="1400" dirty="0">
+                <a:solidFill>
+                  <a:srgbClr val="2A00FF"/>
+                </a:solidFill>
+                <a:latin typeface="Consolas" panose="020B0609020204030204" pitchFamily="49" charset="0"/>
+              </a:rPr>
+              <a:t>"account"</a:t>
+            </a:r>
+            <a:r>
+              <a:rPr lang="en-US" sz="1400" dirty="0">
+                <a:solidFill>
+                  <a:srgbClr val="000000"/>
+                </a:solidFill>
+                <a:latin typeface="Consolas" panose="020B0609020204030204" pitchFamily="49" charset="0"/>
+              </a:rPr>
+              <a:t>)</a:t>
+            </a:r>
+          </a:p>
+          <a:p>
+            <a:pPr algn="l"/>
+            <a:r>
+              <a:rPr lang="en-US" sz="1400" b="1" dirty="0">
+                <a:solidFill>
+                  <a:srgbClr val="7F0055"/>
+                </a:solidFill>
+                <a:latin typeface="Consolas" panose="020B0609020204030204" pitchFamily="49" charset="0"/>
+              </a:rPr>
+              <a:t>public</a:t>
+            </a:r>
+            <a:r>
+              <a:rPr lang="en-US" sz="1400" b="1" dirty="0">
+                <a:solidFill>
+                  <a:srgbClr val="000000"/>
+                </a:solidFill>
+                <a:latin typeface="Consolas" panose="020B0609020204030204" pitchFamily="49" charset="0"/>
+              </a:rPr>
+              <a:t> </a:t>
+            </a:r>
+            <a:r>
+              <a:rPr lang="en-US" sz="1400" b="1" dirty="0">
+                <a:solidFill>
+                  <a:srgbClr val="7F0055"/>
+                </a:solidFill>
+                <a:latin typeface="Consolas" panose="020B0609020204030204" pitchFamily="49" charset="0"/>
+              </a:rPr>
+              <a:t>class</a:t>
+            </a:r>
+            <a:r>
+              <a:rPr lang="en-US" sz="1400" b="1" dirty="0">
+                <a:solidFill>
+                  <a:srgbClr val="000000"/>
+                </a:solidFill>
+                <a:latin typeface="Consolas" panose="020B0609020204030204" pitchFamily="49" charset="0"/>
+              </a:rPr>
+              <a:t> Account {</a:t>
+            </a:r>
+          </a:p>
+          <a:p>
+            <a:pPr algn="l"/>
+            <a:r>
+              <a:rPr lang="en-US" sz="1400" b="1" dirty="0">
+                <a:solidFill>
+                  <a:srgbClr val="7F0055"/>
+                </a:solidFill>
+                <a:latin typeface="Consolas" panose="020B0609020204030204" pitchFamily="49" charset="0"/>
+              </a:rPr>
+              <a:t>	private</a:t>
+            </a:r>
+            <a:r>
+              <a:rPr lang="en-US" sz="1400" b="1" dirty="0">
+                <a:solidFill>
+                  <a:srgbClr val="000000"/>
+                </a:solidFill>
+                <a:latin typeface="Consolas" panose="020B0609020204030204" pitchFamily="49" charset="0"/>
+              </a:rPr>
+              <a:t> String </a:t>
+            </a:r>
+            <a:r>
+              <a:rPr lang="en-US" sz="1400" b="1" dirty="0">
+                <a:solidFill>
+                  <a:srgbClr val="0000C0"/>
+                </a:solidFill>
+                <a:latin typeface="Consolas" panose="020B0609020204030204" pitchFamily="49" charset="0"/>
+              </a:rPr>
+              <a:t>name</a:t>
+            </a:r>
+            <a:r>
+              <a:rPr lang="en-US" sz="1400" b="1" dirty="0">
+                <a:solidFill>
+                  <a:srgbClr val="000000"/>
+                </a:solidFill>
+                <a:latin typeface="Consolas" panose="020B0609020204030204" pitchFamily="49" charset="0"/>
+              </a:rPr>
+              <a:t>;</a:t>
+            </a:r>
+          </a:p>
+          <a:p>
+            <a:pPr algn="l"/>
+            <a:r>
+              <a:rPr lang="en-US" sz="1400" b="1" dirty="0">
+                <a:solidFill>
+                  <a:srgbClr val="7F0055"/>
+                </a:solidFill>
+                <a:latin typeface="Consolas" panose="020B0609020204030204" pitchFamily="49" charset="0"/>
+              </a:rPr>
+              <a:t>	private</a:t>
+            </a:r>
+            <a:r>
+              <a:rPr lang="en-US" sz="1400" b="1" dirty="0">
+                <a:solidFill>
+                  <a:srgbClr val="000000"/>
+                </a:solidFill>
+                <a:latin typeface="Consolas" panose="020B0609020204030204" pitchFamily="49" charset="0"/>
+              </a:rPr>
+              <a:t> String </a:t>
+            </a:r>
+            <a:r>
+              <a:rPr lang="en-US" sz="1400" b="1" dirty="0">
+                <a:solidFill>
+                  <a:srgbClr val="0000C0"/>
+                </a:solidFill>
+                <a:latin typeface="Consolas" panose="020B0609020204030204" pitchFamily="49" charset="0"/>
+              </a:rPr>
+              <a:t>surname</a:t>
+            </a:r>
+            <a:r>
+              <a:rPr lang="en-US" sz="1400" b="1" dirty="0">
+                <a:solidFill>
+                  <a:srgbClr val="000000"/>
+                </a:solidFill>
+                <a:latin typeface="Consolas" panose="020B0609020204030204" pitchFamily="49" charset="0"/>
+              </a:rPr>
+              <a:t>;</a:t>
+            </a:r>
+          </a:p>
+          <a:p>
+            <a:pPr algn="l"/>
+            <a:r>
+              <a:rPr lang="en-US" sz="1400" b="1" dirty="0">
+                <a:solidFill>
+                  <a:srgbClr val="7F0055"/>
+                </a:solidFill>
+                <a:latin typeface="Consolas" panose="020B0609020204030204" pitchFamily="49" charset="0"/>
+              </a:rPr>
+              <a:t>	public</a:t>
+            </a:r>
+            <a:r>
+              <a:rPr lang="en-US" sz="1400" b="1" dirty="0">
+                <a:solidFill>
+                  <a:srgbClr val="000000"/>
+                </a:solidFill>
+                <a:latin typeface="Consolas" panose="020B0609020204030204" pitchFamily="49" charset="0"/>
+              </a:rPr>
+              <a:t> Account() { </a:t>
+            </a:r>
+            <a:r>
+              <a:rPr lang="en-US" sz="1400" b="1" dirty="0">
+                <a:solidFill>
+                  <a:srgbClr val="7F0055"/>
+                </a:solidFill>
+                <a:latin typeface="Consolas" panose="020B0609020204030204" pitchFamily="49" charset="0"/>
+              </a:rPr>
+              <a:t>super</a:t>
+            </a:r>
+            <a:r>
+              <a:rPr lang="en-US" sz="1400" b="1" dirty="0">
+                <a:solidFill>
+                  <a:srgbClr val="000000"/>
+                </a:solidFill>
+                <a:latin typeface="Consolas" panose="020B0609020204030204" pitchFamily="49" charset="0"/>
+              </a:rPr>
+              <a:t>(); </a:t>
+            </a:r>
+            <a:r>
+              <a:rPr lang="en-US" sz="1400" dirty="0">
+                <a:solidFill>
+                  <a:srgbClr val="000000"/>
+                </a:solidFill>
+                <a:latin typeface="Consolas" panose="020B0609020204030204" pitchFamily="49" charset="0"/>
+              </a:rPr>
+              <a:t>}</a:t>
+            </a:r>
+          </a:p>
+          <a:p>
+            <a:pPr algn="l"/>
+            <a:r>
+              <a:rPr lang="en-US" sz="1400" b="1" dirty="0">
+                <a:solidFill>
+                  <a:srgbClr val="7F0055"/>
+                </a:solidFill>
+                <a:latin typeface="Consolas" panose="020B0609020204030204" pitchFamily="49" charset="0"/>
+              </a:rPr>
+              <a:t>	public</a:t>
+            </a:r>
+            <a:r>
+              <a:rPr lang="en-US" sz="1400" b="1" dirty="0">
+                <a:solidFill>
+                  <a:srgbClr val="000000"/>
+                </a:solidFill>
+                <a:latin typeface="Consolas" panose="020B0609020204030204" pitchFamily="49" charset="0"/>
+              </a:rPr>
+              <a:t> String </a:t>
+            </a:r>
+            <a:r>
+              <a:rPr lang="en-US" sz="1400" b="1" dirty="0" err="1">
+                <a:solidFill>
+                  <a:srgbClr val="000000"/>
+                </a:solidFill>
+                <a:latin typeface="Consolas" panose="020B0609020204030204" pitchFamily="49" charset="0"/>
+              </a:rPr>
+              <a:t>getName</a:t>
+            </a:r>
+            <a:r>
+              <a:rPr lang="en-US" sz="1400" b="1" dirty="0">
+                <a:solidFill>
+                  <a:srgbClr val="000000"/>
+                </a:solidFill>
+                <a:latin typeface="Consolas" panose="020B0609020204030204" pitchFamily="49" charset="0"/>
+              </a:rPr>
+              <a:t>() {</a:t>
+            </a:r>
+          </a:p>
+          <a:p>
+            <a:pPr algn="l"/>
+            <a:r>
+              <a:rPr lang="en-US" sz="1400" b="1" dirty="0">
+                <a:solidFill>
+                  <a:srgbClr val="7F0055"/>
+                </a:solidFill>
+                <a:latin typeface="Consolas" panose="020B0609020204030204" pitchFamily="49" charset="0"/>
+              </a:rPr>
+              <a:t>		return</a:t>
+            </a:r>
+            <a:r>
+              <a:rPr lang="en-US" sz="1400" b="1" dirty="0">
+                <a:solidFill>
+                  <a:srgbClr val="000000"/>
+                </a:solidFill>
+                <a:latin typeface="Consolas" panose="020B0609020204030204" pitchFamily="49" charset="0"/>
+              </a:rPr>
+              <a:t> </a:t>
+            </a:r>
+            <a:r>
+              <a:rPr lang="en-US" sz="1400" b="1" dirty="0">
+                <a:solidFill>
+                  <a:srgbClr val="0000C0"/>
+                </a:solidFill>
+                <a:latin typeface="Consolas" panose="020B0609020204030204" pitchFamily="49" charset="0"/>
+              </a:rPr>
+              <a:t>name</a:t>
+            </a:r>
+            <a:r>
+              <a:rPr lang="en-US" sz="1400" b="1" dirty="0">
+                <a:solidFill>
+                  <a:srgbClr val="000000"/>
+                </a:solidFill>
+                <a:latin typeface="Consolas" panose="020B0609020204030204" pitchFamily="49" charset="0"/>
+              </a:rPr>
+              <a:t>;</a:t>
+            </a:r>
+          </a:p>
+          <a:p>
+            <a:pPr algn="l"/>
+            <a:r>
+              <a:rPr lang="en-US" sz="1400" dirty="0">
+                <a:solidFill>
+                  <a:srgbClr val="000000"/>
+                </a:solidFill>
+                <a:latin typeface="Consolas" panose="020B0609020204030204" pitchFamily="49" charset="0"/>
+              </a:rPr>
+              <a:t>	}</a:t>
+            </a:r>
+          </a:p>
+        </p:txBody>
+      </p:sp>
+    </p:spTree>
+    <p:extLst>
+      <p:ext uri="{BB962C8B-B14F-4D97-AF65-F5344CB8AC3E}">
+        <p14:creationId xmlns:p14="http://schemas.microsoft.com/office/powerpoint/2010/main" val="669670967"/>
+      </p:ext>
+    </p:extLst>
+  </p:cSld>
+  <p:clrMapOvr>
+    <a:masterClrMapping/>
+  </p:clrMapOvr>
+</p:sld>
+</file>
+
+<file path=ppt/slides/slide57.xml><?xml version="1.0" encoding="utf-8"?>
+<p:sld xmlns:a="http://schemas.openxmlformats.org/drawingml/2006/main" xmlns:r="http://schemas.openxmlformats.org/officeDocument/2006/relationships" xmlns:p="http://schemas.openxmlformats.org/presentationml/2006/main">
+  <p:cSld>
+    <p:spTree>
+      <p:nvGrpSpPr>
+        <p:cNvPr id="1" name=""/>
+        <p:cNvGrpSpPr/>
+        <p:nvPr/>
+      </p:nvGrpSpPr>
+      <p:grpSpPr>
+        <a:xfrm>
+          <a:off x="0" y="0"/>
+          <a:ext cx="0" cy="0"/>
+          <a:chOff x="0" y="0"/>
+          <a:chExt cx="0" cy="0"/>
+        </a:xfrm>
+      </p:grpSpPr>
+      <p:sp>
+        <p:nvSpPr>
+          <p:cNvPr id="2" name="Title 1"/>
+          <p:cNvSpPr>
+            <a:spLocks noGrp="1"/>
+          </p:cNvSpPr>
+          <p:nvPr>
+            <p:ph type="title"/>
+          </p:nvPr>
+        </p:nvSpPr>
+        <p:spPr/>
+        <p:txBody>
+          <a:bodyPr/>
+          <a:lstStyle/>
+          <a:p>
+            <a:r>
+              <a:rPr lang="en-US" dirty="0"/>
+              <a:t>REST</a:t>
+            </a:r>
+          </a:p>
+        </p:txBody>
+      </p:sp>
+      <p:sp>
+        <p:nvSpPr>
+          <p:cNvPr id="3" name="Content Placeholder 2"/>
+          <p:cNvSpPr>
+            <a:spLocks noGrp="1"/>
+          </p:cNvSpPr>
+          <p:nvPr>
+            <p:ph idx="1"/>
+          </p:nvPr>
+        </p:nvSpPr>
+        <p:spPr/>
+        <p:txBody>
+          <a:bodyPr>
+            <a:normAutofit/>
+          </a:bodyPr>
+          <a:lstStyle/>
+          <a:p>
+            <a:r>
+              <a:rPr lang="en-US" dirty="0"/>
+              <a:t>Programming</a:t>
+            </a:r>
+          </a:p>
+          <a:p>
+            <a:pPr lvl="1"/>
+            <a:r>
+              <a:rPr lang="en-US" dirty="0"/>
+              <a:t>Multiple Consumes – Account.java (II)</a:t>
+            </a:r>
+          </a:p>
+          <a:p>
+            <a:pPr lvl="2"/>
+            <a:endParaRPr lang="en-US" dirty="0"/>
+          </a:p>
+          <a:p>
+            <a:pPr lvl="2"/>
+            <a:endParaRPr lang="en-US" dirty="0"/>
+          </a:p>
+          <a:p>
+            <a:pPr lvl="2"/>
+            <a:endParaRPr lang="en-US" dirty="0"/>
+          </a:p>
+          <a:p>
+            <a:pPr lvl="2"/>
+            <a:endParaRPr lang="en-US" dirty="0"/>
+          </a:p>
+          <a:p>
+            <a:pPr lvl="2"/>
+            <a:endParaRPr lang="en-US" dirty="0"/>
+          </a:p>
+          <a:p>
+            <a:pPr lvl="2"/>
+            <a:endParaRPr lang="en-US" dirty="0"/>
+          </a:p>
+          <a:p>
+            <a:pPr lvl="2"/>
+            <a:endParaRPr lang="en-US" dirty="0"/>
+          </a:p>
+          <a:p>
+            <a:pPr lvl="2"/>
+            <a:endParaRPr lang="en-US" dirty="0"/>
+          </a:p>
+          <a:p>
+            <a:pPr lvl="2"/>
+            <a:endParaRPr lang="en-US" dirty="0"/>
+          </a:p>
+          <a:p>
+            <a:pPr lvl="1"/>
+            <a:endParaRPr lang="en-US" dirty="0"/>
+          </a:p>
+          <a:p>
+            <a:pPr lvl="1"/>
+            <a:endParaRPr lang="en-US" dirty="0"/>
+          </a:p>
+        </p:txBody>
+      </p:sp>
+      <p:sp>
+        <p:nvSpPr>
+          <p:cNvPr id="5" name="TextBox 4">
+            <a:extLst>
+              <a:ext uri="{FF2B5EF4-FFF2-40B4-BE49-F238E27FC236}">
+                <a16:creationId xmlns:a16="http://schemas.microsoft.com/office/drawing/2014/main" id="{61ACA18B-21F2-DEB7-74FB-98A1A4CAC9E7}"/>
+              </a:ext>
+            </a:extLst>
+          </p:cNvPr>
+          <p:cNvSpPr txBox="1"/>
+          <p:nvPr/>
+        </p:nvSpPr>
+        <p:spPr>
+          <a:xfrm>
+            <a:off x="2195736" y="2636912"/>
+            <a:ext cx="6737952" cy="3754874"/>
+          </a:xfrm>
+          <a:prstGeom prst="rect">
+            <a:avLst/>
+          </a:prstGeom>
+          <a:noFill/>
+          <a:ln w="25400">
+            <a:solidFill>
+              <a:schemeClr val="accent1"/>
+            </a:solidFill>
+          </a:ln>
+        </p:spPr>
+        <p:txBody>
+          <a:bodyPr wrap="square" rtlCol="0">
+            <a:spAutoFit/>
+          </a:bodyPr>
+          <a:lstStyle/>
+          <a:p>
+            <a:pPr algn="l"/>
+            <a:r>
+              <a:rPr lang="en-US" sz="1400" dirty="0">
+                <a:solidFill>
+                  <a:srgbClr val="646464"/>
+                </a:solidFill>
+                <a:latin typeface="Consolas" panose="020B0609020204030204" pitchFamily="49" charset="0"/>
+              </a:rPr>
+              <a:t>	@XmlElement</a:t>
+            </a:r>
+          </a:p>
+          <a:p>
+            <a:pPr algn="l"/>
+            <a:r>
+              <a:rPr lang="en-US" sz="1400" b="1" dirty="0">
+                <a:solidFill>
+                  <a:srgbClr val="7F0055"/>
+                </a:solidFill>
+                <a:latin typeface="Consolas" panose="020B0609020204030204" pitchFamily="49" charset="0"/>
+              </a:rPr>
+              <a:t>	public</a:t>
+            </a:r>
+            <a:r>
+              <a:rPr lang="en-US" sz="1400" b="1" dirty="0">
+                <a:solidFill>
+                  <a:srgbClr val="000000"/>
+                </a:solidFill>
+                <a:latin typeface="Consolas" panose="020B0609020204030204" pitchFamily="49" charset="0"/>
+              </a:rPr>
+              <a:t> </a:t>
+            </a:r>
+            <a:r>
+              <a:rPr lang="en-US" sz="1400" b="1" dirty="0">
+                <a:solidFill>
+                  <a:srgbClr val="7F0055"/>
+                </a:solidFill>
+                <a:latin typeface="Consolas" panose="020B0609020204030204" pitchFamily="49" charset="0"/>
+              </a:rPr>
+              <a:t>void</a:t>
+            </a:r>
+            <a:r>
+              <a:rPr lang="en-US" sz="1400" b="1" dirty="0">
+                <a:solidFill>
+                  <a:srgbClr val="000000"/>
+                </a:solidFill>
+                <a:latin typeface="Consolas" panose="020B0609020204030204" pitchFamily="49" charset="0"/>
+              </a:rPr>
+              <a:t> </a:t>
+            </a:r>
+            <a:r>
+              <a:rPr lang="en-US" sz="1400" b="1" dirty="0" err="1">
+                <a:solidFill>
+                  <a:srgbClr val="000000"/>
+                </a:solidFill>
+                <a:latin typeface="Consolas" panose="020B0609020204030204" pitchFamily="49" charset="0"/>
+              </a:rPr>
+              <a:t>setName</a:t>
+            </a:r>
+            <a:r>
+              <a:rPr lang="en-US" sz="1400" b="1" dirty="0">
+                <a:solidFill>
+                  <a:srgbClr val="000000"/>
+                </a:solidFill>
+                <a:latin typeface="Consolas" panose="020B0609020204030204" pitchFamily="49" charset="0"/>
+              </a:rPr>
+              <a:t>(String </a:t>
+            </a:r>
+            <a:r>
+              <a:rPr lang="en-US" sz="1400" b="1" dirty="0">
+                <a:solidFill>
+                  <a:srgbClr val="6A3E3E"/>
+                </a:solidFill>
+                <a:latin typeface="Consolas" panose="020B0609020204030204" pitchFamily="49" charset="0"/>
+              </a:rPr>
+              <a:t>name</a:t>
+            </a:r>
+            <a:r>
+              <a:rPr lang="en-US" sz="1400" b="1" dirty="0">
+                <a:solidFill>
+                  <a:srgbClr val="000000"/>
+                </a:solidFill>
+                <a:latin typeface="Consolas" panose="020B0609020204030204" pitchFamily="49" charset="0"/>
+              </a:rPr>
+              <a:t>) {</a:t>
+            </a:r>
+          </a:p>
+          <a:p>
+            <a:pPr algn="l"/>
+            <a:r>
+              <a:rPr lang="en-US" sz="1400" b="1" dirty="0">
+                <a:solidFill>
+                  <a:srgbClr val="7F0055"/>
+                </a:solidFill>
+                <a:latin typeface="Consolas" panose="020B0609020204030204" pitchFamily="49" charset="0"/>
+              </a:rPr>
+              <a:t>		this</a:t>
+            </a:r>
+            <a:r>
+              <a:rPr lang="en-US" sz="1400" b="1" dirty="0">
+                <a:solidFill>
+                  <a:srgbClr val="000000"/>
+                </a:solidFill>
+                <a:latin typeface="Consolas" panose="020B0609020204030204" pitchFamily="49" charset="0"/>
+              </a:rPr>
+              <a:t>.</a:t>
+            </a:r>
+            <a:r>
+              <a:rPr lang="en-US" sz="1400" b="1" dirty="0">
+                <a:solidFill>
+                  <a:srgbClr val="0000C0"/>
+                </a:solidFill>
+                <a:latin typeface="Consolas" panose="020B0609020204030204" pitchFamily="49" charset="0"/>
+              </a:rPr>
+              <a:t>name</a:t>
+            </a:r>
+            <a:r>
+              <a:rPr lang="en-US" sz="1400" b="1" dirty="0">
+                <a:solidFill>
+                  <a:srgbClr val="000000"/>
+                </a:solidFill>
+                <a:latin typeface="Consolas" panose="020B0609020204030204" pitchFamily="49" charset="0"/>
+              </a:rPr>
+              <a:t> = </a:t>
+            </a:r>
+            <a:r>
+              <a:rPr lang="en-US" sz="1400" b="1" dirty="0">
+                <a:solidFill>
+                  <a:srgbClr val="6A3E3E"/>
+                </a:solidFill>
+                <a:latin typeface="Consolas" panose="020B0609020204030204" pitchFamily="49" charset="0"/>
+              </a:rPr>
+              <a:t>name</a:t>
+            </a:r>
+            <a:r>
+              <a:rPr lang="en-US" sz="1400" b="1" dirty="0">
+                <a:solidFill>
+                  <a:srgbClr val="000000"/>
+                </a:solidFill>
+                <a:latin typeface="Consolas" panose="020B0609020204030204" pitchFamily="49" charset="0"/>
+              </a:rPr>
+              <a:t>;</a:t>
+            </a:r>
+          </a:p>
+          <a:p>
+            <a:pPr algn="l"/>
+            <a:r>
+              <a:rPr lang="en-US" sz="1400" dirty="0">
+                <a:solidFill>
+                  <a:srgbClr val="000000"/>
+                </a:solidFill>
+                <a:latin typeface="Consolas" panose="020B0609020204030204" pitchFamily="49" charset="0"/>
+              </a:rPr>
+              <a:t>	}</a:t>
+            </a:r>
+          </a:p>
+          <a:p>
+            <a:pPr algn="l"/>
+            <a:r>
+              <a:rPr lang="en-US" sz="1400" b="1" dirty="0">
+                <a:solidFill>
+                  <a:srgbClr val="7F0055"/>
+                </a:solidFill>
+                <a:latin typeface="Consolas" panose="020B0609020204030204" pitchFamily="49" charset="0"/>
+              </a:rPr>
+              <a:t>	public</a:t>
+            </a:r>
+            <a:r>
+              <a:rPr lang="en-US" sz="1400" b="1" dirty="0">
+                <a:solidFill>
+                  <a:srgbClr val="000000"/>
+                </a:solidFill>
+                <a:latin typeface="Consolas" panose="020B0609020204030204" pitchFamily="49" charset="0"/>
+              </a:rPr>
+              <a:t> String </a:t>
+            </a:r>
+            <a:r>
+              <a:rPr lang="en-US" sz="1400" b="1" dirty="0" err="1">
+                <a:solidFill>
+                  <a:srgbClr val="000000"/>
+                </a:solidFill>
+                <a:latin typeface="Consolas" panose="020B0609020204030204" pitchFamily="49" charset="0"/>
+              </a:rPr>
+              <a:t>getSurname</a:t>
+            </a:r>
+            <a:r>
+              <a:rPr lang="en-US" sz="1400" b="1" dirty="0">
+                <a:solidFill>
+                  <a:srgbClr val="000000"/>
+                </a:solidFill>
+                <a:latin typeface="Consolas" panose="020B0609020204030204" pitchFamily="49" charset="0"/>
+              </a:rPr>
+              <a:t>() { </a:t>
+            </a:r>
+            <a:r>
+              <a:rPr lang="en-US" sz="1400" b="1" dirty="0">
+                <a:solidFill>
+                  <a:srgbClr val="7F0055"/>
+                </a:solidFill>
+                <a:latin typeface="Consolas" panose="020B0609020204030204" pitchFamily="49" charset="0"/>
+              </a:rPr>
+              <a:t>return</a:t>
+            </a:r>
+            <a:r>
+              <a:rPr lang="en-US" sz="1400" b="1" dirty="0">
+                <a:solidFill>
+                  <a:srgbClr val="000000"/>
+                </a:solidFill>
+                <a:latin typeface="Consolas" panose="020B0609020204030204" pitchFamily="49" charset="0"/>
+              </a:rPr>
+              <a:t> </a:t>
+            </a:r>
+            <a:r>
+              <a:rPr lang="en-US" sz="1400" b="1" dirty="0">
+                <a:solidFill>
+                  <a:srgbClr val="0000C0"/>
+                </a:solidFill>
+                <a:latin typeface="Consolas" panose="020B0609020204030204" pitchFamily="49" charset="0"/>
+              </a:rPr>
+              <a:t>surname</a:t>
+            </a:r>
+            <a:r>
+              <a:rPr lang="en-US" sz="1400" b="1" dirty="0">
+                <a:solidFill>
+                  <a:srgbClr val="000000"/>
+                </a:solidFill>
+                <a:latin typeface="Consolas" panose="020B0609020204030204" pitchFamily="49" charset="0"/>
+              </a:rPr>
+              <a:t>;</a:t>
+            </a:r>
+            <a:r>
+              <a:rPr lang="en-US" sz="1400" dirty="0">
+                <a:solidFill>
+                  <a:srgbClr val="000000"/>
+                </a:solidFill>
+                <a:latin typeface="Consolas" panose="020B0609020204030204" pitchFamily="49" charset="0"/>
+              </a:rPr>
+              <a:t>}</a:t>
+            </a:r>
+          </a:p>
+          <a:p>
+            <a:pPr algn="l"/>
+            <a:r>
+              <a:rPr lang="en-US" sz="1400" dirty="0">
+                <a:solidFill>
+                  <a:srgbClr val="646464"/>
+                </a:solidFill>
+                <a:latin typeface="Consolas" panose="020B0609020204030204" pitchFamily="49" charset="0"/>
+              </a:rPr>
+              <a:t>	@XmlElement</a:t>
+            </a:r>
+          </a:p>
+          <a:p>
+            <a:pPr algn="l"/>
+            <a:r>
+              <a:rPr lang="en-US" sz="1400" b="1" dirty="0">
+                <a:solidFill>
+                  <a:srgbClr val="7F0055"/>
+                </a:solidFill>
+                <a:latin typeface="Consolas" panose="020B0609020204030204" pitchFamily="49" charset="0"/>
+              </a:rPr>
+              <a:t>	public</a:t>
+            </a:r>
+            <a:r>
+              <a:rPr lang="en-US" sz="1400" b="1" dirty="0">
+                <a:solidFill>
+                  <a:srgbClr val="000000"/>
+                </a:solidFill>
+                <a:latin typeface="Consolas" panose="020B0609020204030204" pitchFamily="49" charset="0"/>
+              </a:rPr>
+              <a:t> </a:t>
+            </a:r>
+            <a:r>
+              <a:rPr lang="en-US" sz="1400" b="1" dirty="0">
+                <a:solidFill>
+                  <a:srgbClr val="7F0055"/>
+                </a:solidFill>
+                <a:latin typeface="Consolas" panose="020B0609020204030204" pitchFamily="49" charset="0"/>
+              </a:rPr>
+              <a:t>void</a:t>
+            </a:r>
+            <a:r>
+              <a:rPr lang="en-US" sz="1400" b="1" dirty="0">
+                <a:solidFill>
+                  <a:srgbClr val="000000"/>
+                </a:solidFill>
+                <a:latin typeface="Consolas" panose="020B0609020204030204" pitchFamily="49" charset="0"/>
+              </a:rPr>
+              <a:t> </a:t>
+            </a:r>
+            <a:r>
+              <a:rPr lang="en-US" sz="1400" b="1" dirty="0" err="1">
+                <a:solidFill>
+                  <a:srgbClr val="000000"/>
+                </a:solidFill>
+                <a:latin typeface="Consolas" panose="020B0609020204030204" pitchFamily="49" charset="0"/>
+              </a:rPr>
+              <a:t>setSurname</a:t>
+            </a:r>
+            <a:r>
+              <a:rPr lang="en-US" sz="1400" b="1" dirty="0">
+                <a:solidFill>
+                  <a:srgbClr val="000000"/>
+                </a:solidFill>
+                <a:latin typeface="Consolas" panose="020B0609020204030204" pitchFamily="49" charset="0"/>
+              </a:rPr>
+              <a:t>(String </a:t>
+            </a:r>
+            <a:r>
+              <a:rPr lang="en-US" sz="1400" b="1" dirty="0">
+                <a:solidFill>
+                  <a:srgbClr val="6A3E3E"/>
+                </a:solidFill>
+                <a:latin typeface="Consolas" panose="020B0609020204030204" pitchFamily="49" charset="0"/>
+              </a:rPr>
+              <a:t>surname</a:t>
+            </a:r>
+            <a:r>
+              <a:rPr lang="en-US" sz="1400" b="1" dirty="0">
+                <a:solidFill>
+                  <a:srgbClr val="000000"/>
+                </a:solidFill>
+                <a:latin typeface="Consolas" panose="020B0609020204030204" pitchFamily="49" charset="0"/>
+              </a:rPr>
+              <a:t>) {</a:t>
+            </a:r>
+          </a:p>
+          <a:p>
+            <a:pPr algn="l"/>
+            <a:r>
+              <a:rPr lang="en-US" sz="1400" b="1" dirty="0">
+                <a:solidFill>
+                  <a:srgbClr val="7F0055"/>
+                </a:solidFill>
+                <a:latin typeface="Consolas" panose="020B0609020204030204" pitchFamily="49" charset="0"/>
+              </a:rPr>
+              <a:t>	</a:t>
+            </a:r>
+            <a:r>
+              <a:rPr lang="en-US" sz="1400" b="1" dirty="0" err="1">
+                <a:solidFill>
+                  <a:srgbClr val="7F0055"/>
+                </a:solidFill>
+                <a:latin typeface="Consolas" panose="020B0609020204030204" pitchFamily="49" charset="0"/>
+              </a:rPr>
+              <a:t>this</a:t>
+            </a:r>
+            <a:r>
+              <a:rPr lang="en-US" sz="1400" b="1" dirty="0" err="1">
+                <a:solidFill>
+                  <a:srgbClr val="000000"/>
+                </a:solidFill>
+                <a:latin typeface="Consolas" panose="020B0609020204030204" pitchFamily="49" charset="0"/>
+              </a:rPr>
+              <a:t>.</a:t>
+            </a:r>
+            <a:r>
+              <a:rPr lang="en-US" sz="1400" b="1" dirty="0" err="1">
+                <a:solidFill>
+                  <a:srgbClr val="0000C0"/>
+                </a:solidFill>
+                <a:latin typeface="Consolas" panose="020B0609020204030204" pitchFamily="49" charset="0"/>
+              </a:rPr>
+              <a:t>surname</a:t>
+            </a:r>
+            <a:r>
+              <a:rPr lang="en-US" sz="1400" b="1" dirty="0">
+                <a:solidFill>
+                  <a:srgbClr val="000000"/>
+                </a:solidFill>
+                <a:latin typeface="Consolas" panose="020B0609020204030204" pitchFamily="49" charset="0"/>
+              </a:rPr>
+              <a:t> = </a:t>
+            </a:r>
+            <a:r>
+              <a:rPr lang="en-US" sz="1400" b="1" dirty="0">
+                <a:solidFill>
+                  <a:srgbClr val="6A3E3E"/>
+                </a:solidFill>
+                <a:latin typeface="Consolas" panose="020B0609020204030204" pitchFamily="49" charset="0"/>
+              </a:rPr>
+              <a:t>surname</a:t>
+            </a:r>
+            <a:r>
+              <a:rPr lang="en-US" sz="1400" b="1" dirty="0">
+                <a:solidFill>
+                  <a:srgbClr val="000000"/>
+                </a:solidFill>
+                <a:latin typeface="Consolas" panose="020B0609020204030204" pitchFamily="49" charset="0"/>
+              </a:rPr>
+              <a:t>;</a:t>
+            </a:r>
+          </a:p>
+          <a:p>
+            <a:pPr algn="l"/>
+            <a:r>
+              <a:rPr lang="en-US" sz="1400" dirty="0">
+                <a:solidFill>
+                  <a:srgbClr val="000000"/>
+                </a:solidFill>
+                <a:latin typeface="Consolas" panose="020B0609020204030204" pitchFamily="49" charset="0"/>
+              </a:rPr>
+              <a:t>	}</a:t>
+            </a:r>
+          </a:p>
+          <a:p>
+            <a:pPr algn="l"/>
+            <a:r>
+              <a:rPr lang="en-US" sz="1400" b="1" dirty="0">
+                <a:solidFill>
+                  <a:srgbClr val="7F0055"/>
+                </a:solidFill>
+                <a:latin typeface="Consolas" panose="020B0609020204030204" pitchFamily="49" charset="0"/>
+              </a:rPr>
+              <a:t>	public</a:t>
+            </a:r>
+            <a:r>
+              <a:rPr lang="en-US" sz="1400" b="1" dirty="0">
+                <a:solidFill>
+                  <a:srgbClr val="000000"/>
+                </a:solidFill>
+                <a:latin typeface="Consolas" panose="020B0609020204030204" pitchFamily="49" charset="0"/>
+              </a:rPr>
+              <a:t> String </a:t>
+            </a:r>
+            <a:r>
+              <a:rPr lang="en-US" sz="1400" b="1" dirty="0" err="1">
+                <a:solidFill>
+                  <a:srgbClr val="000000"/>
+                </a:solidFill>
+                <a:latin typeface="Consolas" panose="020B0609020204030204" pitchFamily="49" charset="0"/>
+              </a:rPr>
+              <a:t>getFullName</a:t>
+            </a:r>
+            <a:r>
+              <a:rPr lang="en-US" sz="1400" b="1" dirty="0">
+                <a:solidFill>
+                  <a:srgbClr val="000000"/>
+                </a:solidFill>
+                <a:latin typeface="Consolas" panose="020B0609020204030204" pitchFamily="49" charset="0"/>
+              </a:rPr>
+              <a:t>() {</a:t>
+            </a:r>
+          </a:p>
+          <a:p>
+            <a:pPr algn="l"/>
+            <a:r>
+              <a:rPr lang="en-US" sz="1400" b="1" dirty="0">
+                <a:solidFill>
+                  <a:srgbClr val="7F0055"/>
+                </a:solidFill>
+                <a:latin typeface="Consolas" panose="020B0609020204030204" pitchFamily="49" charset="0"/>
+              </a:rPr>
+              <a:t>		return</a:t>
+            </a:r>
+            <a:r>
+              <a:rPr lang="en-US" sz="1400" b="1" dirty="0">
+                <a:solidFill>
+                  <a:srgbClr val="000000"/>
+                </a:solidFill>
+                <a:latin typeface="Consolas" panose="020B0609020204030204" pitchFamily="49" charset="0"/>
+              </a:rPr>
+              <a:t> </a:t>
+            </a:r>
+            <a:r>
+              <a:rPr lang="en-US" sz="1400" b="1" dirty="0">
+                <a:solidFill>
+                  <a:srgbClr val="0000C0"/>
+                </a:solidFill>
+                <a:latin typeface="Consolas" panose="020B0609020204030204" pitchFamily="49" charset="0"/>
+              </a:rPr>
+              <a:t>name</a:t>
+            </a:r>
+            <a:r>
+              <a:rPr lang="en-US" sz="1400" b="1" dirty="0">
+                <a:solidFill>
+                  <a:srgbClr val="000000"/>
+                </a:solidFill>
+                <a:latin typeface="Consolas" panose="020B0609020204030204" pitchFamily="49" charset="0"/>
+              </a:rPr>
+              <a:t>+</a:t>
+            </a:r>
+            <a:r>
+              <a:rPr lang="en-US" sz="1400" b="1" dirty="0">
+                <a:solidFill>
+                  <a:srgbClr val="2A00FF"/>
+                </a:solidFill>
+                <a:latin typeface="Consolas" panose="020B0609020204030204" pitchFamily="49" charset="0"/>
+              </a:rPr>
+              <a:t>" "</a:t>
+            </a:r>
+            <a:r>
+              <a:rPr lang="en-US" sz="1400" b="1" dirty="0">
+                <a:solidFill>
+                  <a:srgbClr val="000000"/>
+                </a:solidFill>
+                <a:latin typeface="Consolas" panose="020B0609020204030204" pitchFamily="49" charset="0"/>
+              </a:rPr>
+              <a:t>+</a:t>
+            </a:r>
+            <a:r>
+              <a:rPr lang="en-US" sz="1400" b="1" dirty="0">
+                <a:solidFill>
+                  <a:srgbClr val="0000C0"/>
+                </a:solidFill>
+                <a:latin typeface="Consolas" panose="020B0609020204030204" pitchFamily="49" charset="0"/>
+              </a:rPr>
+              <a:t>surname</a:t>
+            </a:r>
+            <a:r>
+              <a:rPr lang="en-US" sz="1400" b="1" dirty="0">
+                <a:solidFill>
+                  <a:srgbClr val="000000"/>
+                </a:solidFill>
+                <a:latin typeface="Consolas" panose="020B0609020204030204" pitchFamily="49" charset="0"/>
+              </a:rPr>
+              <a:t>;</a:t>
+            </a:r>
+          </a:p>
+          <a:p>
+            <a:pPr algn="l"/>
+            <a:r>
+              <a:rPr lang="en-US" sz="1400" dirty="0">
+                <a:solidFill>
+                  <a:srgbClr val="000000"/>
+                </a:solidFill>
+                <a:latin typeface="Consolas" panose="020B0609020204030204" pitchFamily="49" charset="0"/>
+              </a:rPr>
+              <a:t>	}</a:t>
+            </a:r>
+          </a:p>
+          <a:p>
+            <a:pPr algn="l"/>
+            <a:r>
+              <a:rPr lang="en-US" sz="1400" b="1" dirty="0">
+                <a:solidFill>
+                  <a:srgbClr val="7F0055"/>
+                </a:solidFill>
+                <a:latin typeface="Consolas" panose="020B0609020204030204" pitchFamily="49" charset="0"/>
+              </a:rPr>
+              <a:t>	public</a:t>
+            </a:r>
+            <a:r>
+              <a:rPr lang="en-US" sz="1400" b="1" dirty="0">
+                <a:solidFill>
+                  <a:srgbClr val="000000"/>
+                </a:solidFill>
+                <a:latin typeface="Consolas" panose="020B0609020204030204" pitchFamily="49" charset="0"/>
+              </a:rPr>
+              <a:t> String </a:t>
+            </a:r>
+            <a:r>
+              <a:rPr lang="en-US" sz="1400" b="1" dirty="0" err="1">
+                <a:solidFill>
+                  <a:srgbClr val="000000"/>
+                </a:solidFill>
+                <a:latin typeface="Consolas" panose="020B0609020204030204" pitchFamily="49" charset="0"/>
+              </a:rPr>
+              <a:t>toString</a:t>
+            </a:r>
+            <a:r>
+              <a:rPr lang="en-US" sz="1400" b="1" dirty="0">
+                <a:solidFill>
+                  <a:srgbClr val="000000"/>
+                </a:solidFill>
+                <a:latin typeface="Consolas" panose="020B0609020204030204" pitchFamily="49" charset="0"/>
+              </a:rPr>
+              <a:t>() {</a:t>
+            </a:r>
+          </a:p>
+          <a:p>
+            <a:pPr algn="l"/>
+            <a:r>
+              <a:rPr lang="en-US" sz="1400" b="1" dirty="0">
+                <a:solidFill>
+                  <a:srgbClr val="7F0055"/>
+                </a:solidFill>
+                <a:latin typeface="Consolas" panose="020B0609020204030204" pitchFamily="49" charset="0"/>
+              </a:rPr>
+              <a:t>		return</a:t>
+            </a:r>
+            <a:r>
+              <a:rPr lang="en-US" sz="1400" b="1" dirty="0">
+                <a:solidFill>
+                  <a:srgbClr val="000000"/>
+                </a:solidFill>
+                <a:latin typeface="Consolas" panose="020B0609020204030204" pitchFamily="49" charset="0"/>
+              </a:rPr>
+              <a:t> </a:t>
+            </a:r>
+            <a:r>
+              <a:rPr lang="en-US" sz="1400" b="1" dirty="0" err="1">
+                <a:solidFill>
+                  <a:srgbClr val="7F0055"/>
+                </a:solidFill>
+                <a:latin typeface="Consolas" panose="020B0609020204030204" pitchFamily="49" charset="0"/>
+              </a:rPr>
+              <a:t>super</a:t>
+            </a:r>
+            <a:r>
+              <a:rPr lang="en-US" sz="1400" b="1" dirty="0" err="1">
+                <a:solidFill>
+                  <a:srgbClr val="000000"/>
+                </a:solidFill>
+                <a:latin typeface="Consolas" panose="020B0609020204030204" pitchFamily="49" charset="0"/>
+              </a:rPr>
+              <a:t>.toString</a:t>
+            </a:r>
+            <a:r>
+              <a:rPr lang="en-US" sz="1400" b="1" dirty="0">
+                <a:solidFill>
+                  <a:srgbClr val="000000"/>
+                </a:solidFill>
+                <a:latin typeface="Consolas" panose="020B0609020204030204" pitchFamily="49" charset="0"/>
+              </a:rPr>
+              <a:t>()+</a:t>
+            </a:r>
+            <a:r>
+              <a:rPr lang="en-US" sz="1400" b="1" dirty="0">
+                <a:solidFill>
+                  <a:srgbClr val="2A00FF"/>
+                </a:solidFill>
+                <a:latin typeface="Consolas" panose="020B0609020204030204" pitchFamily="49" charset="0"/>
+              </a:rPr>
+              <a:t>"{name="</a:t>
+            </a:r>
+            <a:r>
+              <a:rPr lang="en-US" sz="1400" b="1" dirty="0">
+                <a:solidFill>
+                  <a:srgbClr val="000000"/>
+                </a:solidFill>
+                <a:latin typeface="Consolas" panose="020B0609020204030204" pitchFamily="49" charset="0"/>
+              </a:rPr>
+              <a:t>+</a:t>
+            </a:r>
+            <a:r>
+              <a:rPr lang="en-US" sz="1400" b="1" dirty="0">
+                <a:solidFill>
+                  <a:srgbClr val="0000C0"/>
+                </a:solidFill>
+                <a:latin typeface="Consolas" panose="020B0609020204030204" pitchFamily="49" charset="0"/>
+              </a:rPr>
+              <a:t>name</a:t>
+            </a:r>
+            <a:r>
+              <a:rPr lang="en-US" sz="1400" b="1" dirty="0">
+                <a:solidFill>
+                  <a:srgbClr val="000000"/>
+                </a:solidFill>
+                <a:latin typeface="Consolas" panose="020B0609020204030204" pitchFamily="49" charset="0"/>
+              </a:rPr>
+              <a:t>+</a:t>
+            </a:r>
+            <a:r>
+              <a:rPr lang="en-US" sz="1400" b="1" dirty="0">
+                <a:solidFill>
+                  <a:srgbClr val="2A00FF"/>
+                </a:solidFill>
+                <a:latin typeface="Consolas" panose="020B0609020204030204" pitchFamily="49" charset="0"/>
+              </a:rPr>
+              <a:t>", 			surname="</a:t>
+            </a:r>
+            <a:r>
+              <a:rPr lang="en-US" sz="1400" b="1" dirty="0">
+                <a:solidFill>
+                  <a:srgbClr val="000000"/>
+                </a:solidFill>
+                <a:latin typeface="Consolas" panose="020B0609020204030204" pitchFamily="49" charset="0"/>
+              </a:rPr>
+              <a:t>+</a:t>
+            </a:r>
+            <a:r>
+              <a:rPr lang="en-US" sz="1400" b="1" dirty="0">
+                <a:solidFill>
+                  <a:srgbClr val="0000C0"/>
+                </a:solidFill>
+                <a:latin typeface="Consolas" panose="020B0609020204030204" pitchFamily="49" charset="0"/>
+              </a:rPr>
+              <a:t>surname</a:t>
+            </a:r>
+            <a:r>
+              <a:rPr lang="en-US" sz="1400" b="1" dirty="0">
+                <a:solidFill>
+                  <a:srgbClr val="000000"/>
+                </a:solidFill>
+                <a:latin typeface="Consolas" panose="020B0609020204030204" pitchFamily="49" charset="0"/>
+              </a:rPr>
+              <a:t>+</a:t>
+            </a:r>
+            <a:r>
+              <a:rPr lang="en-US" sz="1400" b="1" dirty="0">
+                <a:solidFill>
+                  <a:srgbClr val="2A00FF"/>
+                </a:solidFill>
+                <a:latin typeface="Consolas" panose="020B0609020204030204" pitchFamily="49" charset="0"/>
+              </a:rPr>
+              <a:t>"}"</a:t>
+            </a:r>
+            <a:r>
+              <a:rPr lang="en-US" sz="1400" b="1" dirty="0">
+                <a:solidFill>
+                  <a:srgbClr val="000000"/>
+                </a:solidFill>
+                <a:latin typeface="Consolas" panose="020B0609020204030204" pitchFamily="49" charset="0"/>
+              </a:rPr>
+              <a:t>;</a:t>
+            </a:r>
+          </a:p>
+          <a:p>
+            <a:pPr algn="l"/>
+            <a:r>
+              <a:rPr lang="en-US" sz="1400" dirty="0">
+                <a:solidFill>
+                  <a:srgbClr val="000000"/>
+                </a:solidFill>
+                <a:latin typeface="Consolas" panose="020B0609020204030204" pitchFamily="49" charset="0"/>
+              </a:rPr>
+              <a:t>	}</a:t>
+            </a:r>
+          </a:p>
+          <a:p>
+            <a:pPr algn="l"/>
+            <a:r>
+              <a:rPr lang="en-US" sz="1400" dirty="0">
+                <a:solidFill>
+                  <a:srgbClr val="000000"/>
+                </a:solidFill>
+                <a:latin typeface="Consolas" panose="020B0609020204030204" pitchFamily="49" charset="0"/>
+              </a:rPr>
+              <a:t>}</a:t>
+            </a:r>
+          </a:p>
+        </p:txBody>
+      </p:sp>
+    </p:spTree>
+    <p:extLst>
+      <p:ext uri="{BB962C8B-B14F-4D97-AF65-F5344CB8AC3E}">
+        <p14:creationId xmlns:p14="http://schemas.microsoft.com/office/powerpoint/2010/main" val="543556941"/>
+      </p:ext>
+    </p:extLst>
+  </p:cSld>
+  <p:clrMapOvr>
+    <a:masterClrMapping/>
+  </p:clrMapOvr>
+</p:sld>
+</file>
+
+<file path=ppt/slides/slide58.xml><?xml version="1.0" encoding="utf-8"?>
+<p:sld xmlns:a="http://schemas.openxmlformats.org/drawingml/2006/main" xmlns:r="http://schemas.openxmlformats.org/officeDocument/2006/relationships" xmlns:p="http://schemas.openxmlformats.org/presentationml/2006/main">
+  <p:cSld>
+    <p:spTree>
+      <p:nvGrpSpPr>
+        <p:cNvPr id="1" name=""/>
+        <p:cNvGrpSpPr/>
+        <p:nvPr/>
+      </p:nvGrpSpPr>
+      <p:grpSpPr>
+        <a:xfrm>
+          <a:off x="0" y="0"/>
+          <a:ext cx="0" cy="0"/>
+          <a:chOff x="0" y="0"/>
+          <a:chExt cx="0" cy="0"/>
+        </a:xfrm>
+      </p:grpSpPr>
+      <p:sp>
+        <p:nvSpPr>
+          <p:cNvPr id="2" name="Title 1"/>
+          <p:cNvSpPr>
+            <a:spLocks noGrp="1"/>
+          </p:cNvSpPr>
+          <p:nvPr>
+            <p:ph type="title"/>
+          </p:nvPr>
+        </p:nvSpPr>
+        <p:spPr/>
+        <p:txBody>
+          <a:bodyPr/>
+          <a:lstStyle/>
+          <a:p>
+            <a:r>
+              <a:rPr lang="en-US" dirty="0"/>
               <a:t>Reference</a:t>
             </a:r>
           </a:p>
@@ -29878,7 +34293,7 @@
 </p:sld>
 </file>
 
-<file path=ppt/slides/slide51.xml><?xml version="1.0" encoding="utf-8"?>
+<file path=ppt/slides/slide59.xml><?xml version="1.0" encoding="utf-8"?>
 <p:sld xmlns:a="http://schemas.openxmlformats.org/drawingml/2006/main" xmlns:r="http://schemas.openxmlformats.org/officeDocument/2006/relationships" xmlns:p="http://schemas.openxmlformats.org/presentationml/2006/main">
   <p:cSld>
     <p:spTree>

--- a/Introduction to Rest.pptx
+++ b/Introduction to Rest.pptx
@@ -5,7 +5,7 @@
     <p:sldMasterId id="2147483684" r:id="rId1"/>
   </p:sldMasterIdLst>
   <p:notesMasterIdLst>
-    <p:notesMasterId r:id="rId61"/>
+    <p:notesMasterId r:id="rId62"/>
   </p:notesMasterIdLst>
   <p:sldIdLst>
     <p:sldId id="256" r:id="rId2"/>
@@ -65,8 +65,9 @@
     <p:sldId id="506" r:id="rId56"/>
     <p:sldId id="507" r:id="rId57"/>
     <p:sldId id="508" r:id="rId58"/>
-    <p:sldId id="424" r:id="rId59"/>
-    <p:sldId id="367" r:id="rId60"/>
+    <p:sldId id="509" r:id="rId59"/>
+    <p:sldId id="424" r:id="rId60"/>
+    <p:sldId id="367" r:id="rId61"/>
   </p:sldIdLst>
   <p:sldSz cx="9144000" cy="6858000" type="screen4x3"/>
   <p:notesSz cx="6858000" cy="9144000"/>
@@ -267,7 +268,7 @@
             <a:fld id="{940CEE64-98CB-4226-A253-7BC1859BE751}" type="datetimeFigureOut">
               <a:rPr lang="en-US" smtClean="0"/>
               <a:pPr/>
-              <a:t>03/04/2023</a:t>
+              <a:t>17/04/2023</a:t>
             </a:fld>
             <a:endParaRPr lang="en-US"/>
           </a:p>
@@ -8467,6 +8468,271 @@
         </p:nvSpPr>
         <p:spPr/>
         <p:txBody>
+          <a:bodyPr>
+            <a:normAutofit/>
+          </a:bodyPr>
+          <a:lstStyle/>
+          <a:p>
+            <a:pPr algn="l">
+              <a:buFont typeface="+mj-lt"/>
+              <a:buAutoNum type="arabicPeriod"/>
+            </a:pPr>
+            <a:r>
+              <a:rPr lang="en-US" b="0" i="1" dirty="0" err="1">
+                <a:solidFill>
+                  <a:srgbClr val="000000"/>
+                </a:solidFill>
+                <a:effectLst/>
+                <a:latin typeface="Raleway" panose="020B0604020202020204" pitchFamily="2" charset="0"/>
+              </a:rPr>
+              <a:t>RequestClientFilter</a:t>
+            </a:r>
+            <a:endParaRPr lang="en-US" b="0" i="0" dirty="0">
+              <a:solidFill>
+                <a:srgbClr val="000000"/>
+              </a:solidFill>
+              <a:effectLst/>
+              <a:latin typeface="Raleway" panose="020B0604020202020204" pitchFamily="2" charset="0"/>
+            </a:endParaRPr>
+          </a:p>
+          <a:p>
+            <a:pPr algn="l">
+              <a:buFont typeface="+mj-lt"/>
+              <a:buAutoNum type="arabicPeriod"/>
+            </a:pPr>
+            <a:r>
+              <a:rPr lang="en-US" b="0" i="1" dirty="0" err="1">
+                <a:solidFill>
+                  <a:srgbClr val="000000"/>
+                </a:solidFill>
+                <a:effectLst/>
+                <a:latin typeface="Raleway" panose="020B0604020202020204" pitchFamily="2" charset="0"/>
+              </a:rPr>
+              <a:t>RequestClientWriterInterceptor</a:t>
+            </a:r>
+            <a:endParaRPr lang="en-US" b="0" i="0" dirty="0">
+              <a:solidFill>
+                <a:srgbClr val="000000"/>
+              </a:solidFill>
+              <a:effectLst/>
+              <a:latin typeface="Raleway" panose="020B0604020202020204" pitchFamily="2" charset="0"/>
+            </a:endParaRPr>
+          </a:p>
+          <a:p>
+            <a:pPr algn="l">
+              <a:buFont typeface="+mj-lt"/>
+              <a:buAutoNum type="arabicPeriod"/>
+            </a:pPr>
+            <a:r>
+              <a:rPr lang="en-US" b="0" i="1" dirty="0" err="1">
+                <a:solidFill>
+                  <a:srgbClr val="000000"/>
+                </a:solidFill>
+                <a:effectLst/>
+                <a:latin typeface="Raleway" panose="020B0604020202020204" pitchFamily="2" charset="0"/>
+              </a:rPr>
+              <a:t>PrematchingRequestFilter</a:t>
+            </a:r>
+            <a:endParaRPr lang="en-US" b="0" i="0" dirty="0">
+              <a:solidFill>
+                <a:srgbClr val="000000"/>
+              </a:solidFill>
+              <a:effectLst/>
+              <a:latin typeface="Raleway" panose="020B0604020202020204" pitchFamily="2" charset="0"/>
+            </a:endParaRPr>
+          </a:p>
+          <a:p>
+            <a:pPr algn="l">
+              <a:buFont typeface="+mj-lt"/>
+              <a:buAutoNum type="arabicPeriod"/>
+            </a:pPr>
+            <a:r>
+              <a:rPr lang="en-US" b="0" i="1" dirty="0" err="1">
+                <a:solidFill>
+                  <a:srgbClr val="000000"/>
+                </a:solidFill>
+                <a:effectLst/>
+                <a:latin typeface="Raleway" panose="020B0604020202020204" pitchFamily="2" charset="0"/>
+              </a:rPr>
+              <a:t>RestrictedOperationsRequestFilter</a:t>
+            </a:r>
+            <a:endParaRPr lang="en-US" b="0" i="0" dirty="0">
+              <a:solidFill>
+                <a:srgbClr val="000000"/>
+              </a:solidFill>
+              <a:effectLst/>
+              <a:latin typeface="Raleway" panose="020B0604020202020204" pitchFamily="2" charset="0"/>
+            </a:endParaRPr>
+          </a:p>
+          <a:p>
+            <a:pPr algn="l">
+              <a:buFont typeface="+mj-lt"/>
+              <a:buAutoNum type="arabicPeriod"/>
+            </a:pPr>
+            <a:r>
+              <a:rPr lang="en-US" b="0" i="0" dirty="0" err="1">
+                <a:solidFill>
+                  <a:srgbClr val="000000"/>
+                </a:solidFill>
+                <a:effectLst/>
+                <a:latin typeface="Raleway" panose="020B0604020202020204" pitchFamily="2" charset="0"/>
+              </a:rPr>
+              <a:t>RequestServerReaderInterceptor</a:t>
+            </a:r>
+            <a:endParaRPr lang="en-US" b="0" i="0" dirty="0">
+              <a:solidFill>
+                <a:srgbClr val="000000"/>
+              </a:solidFill>
+              <a:effectLst/>
+              <a:latin typeface="Raleway" panose="020B0604020202020204" pitchFamily="2" charset="0"/>
+            </a:endParaRPr>
+          </a:p>
+          <a:p>
+            <a:pPr algn="l">
+              <a:buFont typeface="+mj-lt"/>
+              <a:buAutoNum type="arabicPeriod"/>
+            </a:pPr>
+            <a:r>
+              <a:rPr lang="en-US" b="0" i="1" dirty="0" err="1">
+                <a:solidFill>
+                  <a:srgbClr val="000000"/>
+                </a:solidFill>
+                <a:effectLst/>
+                <a:latin typeface="Raleway" panose="020B0604020202020204" pitchFamily="2" charset="0"/>
+              </a:rPr>
+              <a:t>ResponseServerFilter</a:t>
+            </a:r>
+            <a:endParaRPr lang="en-US" b="0" i="0" dirty="0">
+              <a:solidFill>
+                <a:srgbClr val="000000"/>
+              </a:solidFill>
+              <a:effectLst/>
+              <a:latin typeface="Raleway" panose="020B0604020202020204" pitchFamily="2" charset="0"/>
+            </a:endParaRPr>
+          </a:p>
+          <a:p>
+            <a:pPr algn="l">
+              <a:buFont typeface="+mj-lt"/>
+              <a:buAutoNum type="arabicPeriod"/>
+            </a:pPr>
+            <a:r>
+              <a:rPr lang="en-US" b="0" i="1" dirty="0" err="1">
+                <a:solidFill>
+                  <a:srgbClr val="000000"/>
+                </a:solidFill>
+                <a:effectLst/>
+                <a:latin typeface="Raleway" panose="020B0604020202020204" pitchFamily="2" charset="0"/>
+              </a:rPr>
+              <a:t>ResponseClientFilter</a:t>
+            </a:r>
+            <a:endParaRPr lang="en-US" b="0" i="0" dirty="0">
+              <a:solidFill>
+                <a:srgbClr val="000000"/>
+              </a:solidFill>
+              <a:effectLst/>
+              <a:latin typeface="Raleway" panose="020B0604020202020204" pitchFamily="2" charset="0"/>
+            </a:endParaRPr>
+          </a:p>
+          <a:p>
+            <a:pPr marL="0" marR="0" lvl="0" indent="0" algn="l" defTabSz="914400" rtl="0" eaLnBrk="1" fontAlgn="auto" latinLnBrk="0" hangingPunct="1">
+              <a:lnSpc>
+                <a:spcPct val="100000"/>
+              </a:lnSpc>
+              <a:spcBef>
+                <a:spcPts val="0"/>
+              </a:spcBef>
+              <a:spcAft>
+                <a:spcPts val="0"/>
+              </a:spcAft>
+              <a:buClrTx/>
+              <a:buSzTx/>
+              <a:buFontTx/>
+              <a:buNone/>
+              <a:tabLst/>
+              <a:defRPr/>
+            </a:pPr>
+            <a:endParaRPr lang="en-US" dirty="0"/>
+          </a:p>
+        </p:txBody>
+      </p:sp>
+      <p:sp>
+        <p:nvSpPr>
+          <p:cNvPr id="4" name="Slide Number Placeholder 3"/>
+          <p:cNvSpPr>
+            <a:spLocks noGrp="1"/>
+          </p:cNvSpPr>
+          <p:nvPr>
+            <p:ph type="sldNum" sz="quarter" idx="10"/>
+          </p:nvPr>
+        </p:nvSpPr>
+        <p:spPr/>
+        <p:txBody>
+          <a:bodyPr/>
+          <a:lstStyle/>
+          <a:p>
+            <a:fld id="{2B6F42A7-B42A-4EFE-B8BF-3BC6AAD8E03A}" type="slidenum">
+              <a:rPr lang="en-US" smtClean="0"/>
+              <a:pPr/>
+              <a:t>58</a:t>
+            </a:fld>
+            <a:endParaRPr lang="en-US"/>
+          </a:p>
+        </p:txBody>
+      </p:sp>
+    </p:spTree>
+    <p:extLst>
+      <p:ext uri="{BB962C8B-B14F-4D97-AF65-F5344CB8AC3E}">
+        <p14:creationId xmlns:p14="http://schemas.microsoft.com/office/powerpoint/2010/main" val="4204865186"/>
+      </p:ext>
+    </p:extLst>
+  </p:cSld>
+  <p:clrMapOvr>
+    <a:masterClrMapping/>
+  </p:clrMapOvr>
+</p:notes>
+</file>
+
+<file path=ppt/notesSlides/notesSlide58.xml><?xml version="1.0" encoding="utf-8"?>
+<p:notes xmlns:a="http://schemas.openxmlformats.org/drawingml/2006/main" xmlns:r="http://schemas.openxmlformats.org/officeDocument/2006/relationships" xmlns:p="http://schemas.openxmlformats.org/presentationml/2006/main">
+  <p:cSld>
+    <p:spTree>
+      <p:nvGrpSpPr>
+        <p:cNvPr id="1" name=""/>
+        <p:cNvGrpSpPr/>
+        <p:nvPr/>
+      </p:nvGrpSpPr>
+      <p:grpSpPr>
+        <a:xfrm>
+          <a:off x="0" y="0"/>
+          <a:ext cx="0" cy="0"/>
+          <a:chOff x="0" y="0"/>
+          <a:chExt cx="0" cy="0"/>
+        </a:xfrm>
+      </p:grpSpPr>
+      <p:sp>
+        <p:nvSpPr>
+          <p:cNvPr id="2" name="Slide Image Placeholder 1"/>
+          <p:cNvSpPr>
+            <a:spLocks noGrp="1" noRot="1" noChangeAspect="1"/>
+          </p:cNvSpPr>
+          <p:nvPr>
+            <p:ph type="sldImg"/>
+          </p:nvPr>
+        </p:nvSpPr>
+        <p:spPr/>
+      </p:sp>
+      <p:sp>
+        <p:nvSpPr>
+          <p:cNvPr id="3" name="Notes Placeholder 2"/>
+          <p:cNvSpPr>
+            <a:spLocks noGrp="1"/>
+          </p:cNvSpPr>
+          <p:nvPr>
+            <p:ph type="body" idx="1"/>
+          </p:nvPr>
+        </p:nvSpPr>
+        <p:spPr/>
+        <p:txBody>
           <a:bodyPr/>
           <a:lstStyle/>
           <a:p>
@@ -8492,7 +8758,7 @@
             <a:fld id="{2B6F42A7-B42A-4EFE-B8BF-3BC6AAD8E03A}" type="slidenum">
               <a:rPr lang="en-US" smtClean="0"/>
               <a:pPr/>
-              <a:t>58</a:t>
+              <a:t>59</a:t>
             </a:fld>
             <a:endParaRPr lang="en-US"/>
           </a:p>
@@ -9058,7 +9324,7 @@
             <a:fld id="{31E92B8E-6087-4A13-9F20-23C7A62C6D17}" type="datetimeFigureOut">
               <a:rPr lang="en-US" smtClean="0"/>
               <a:pPr/>
-              <a:t>03/04/2023</a:t>
+              <a:t>17/04/2023</a:t>
             </a:fld>
             <a:endParaRPr lang="en-US"/>
           </a:p>
@@ -9358,7 +9624,7 @@
             <a:fld id="{31E92B8E-6087-4A13-9F20-23C7A62C6D17}" type="datetimeFigureOut">
               <a:rPr lang="en-US" smtClean="0"/>
               <a:pPr/>
-              <a:t>03/04/2023</a:t>
+              <a:t>17/04/2023</a:t>
             </a:fld>
             <a:endParaRPr lang="en-US"/>
           </a:p>
@@ -9534,7 +9800,7 @@
             <a:fld id="{31E92B8E-6087-4A13-9F20-23C7A62C6D17}" type="datetimeFigureOut">
               <a:rPr lang="en-US" smtClean="0"/>
               <a:pPr/>
-              <a:t>03/04/2023</a:t>
+              <a:t>17/04/2023</a:t>
             </a:fld>
             <a:endParaRPr lang="en-US"/>
           </a:p>
@@ -9700,7 +9966,7 @@
             <a:fld id="{31E92B8E-6087-4A13-9F20-23C7A62C6D17}" type="datetimeFigureOut">
               <a:rPr lang="en-US" smtClean="0"/>
               <a:pPr/>
-              <a:t>03/04/2023</a:t>
+              <a:t>17/04/2023</a:t>
             </a:fld>
             <a:endParaRPr lang="en-US"/>
           </a:p>
@@ -9961,7 +10227,7 @@
             <a:fld id="{31E92B8E-6087-4A13-9F20-23C7A62C6D17}" type="datetimeFigureOut">
               <a:rPr lang="en-US" smtClean="0"/>
               <a:pPr/>
-              <a:t>03/04/2023</a:t>
+              <a:t>17/04/2023</a:t>
             </a:fld>
             <a:endParaRPr lang="en-US"/>
           </a:p>
@@ -10416,7 +10682,7 @@
             <a:fld id="{31E92B8E-6087-4A13-9F20-23C7A62C6D17}" type="datetimeFigureOut">
               <a:rPr lang="en-US" smtClean="0"/>
               <a:pPr/>
-              <a:t>03/04/2023</a:t>
+              <a:t>17/04/2023</a:t>
             </a:fld>
             <a:endParaRPr lang="en-US"/>
           </a:p>
@@ -10900,7 +11166,7 @@
             <a:fld id="{31E92B8E-6087-4A13-9F20-23C7A62C6D17}" type="datetimeFigureOut">
               <a:rPr lang="en-US" smtClean="0"/>
               <a:pPr/>
-              <a:t>03/04/2023</a:t>
+              <a:t>17/04/2023</a:t>
             </a:fld>
             <a:endParaRPr lang="en-US"/>
           </a:p>
@@ -11019,7 +11285,7 @@
             <a:fld id="{31E92B8E-6087-4A13-9F20-23C7A62C6D17}" type="datetimeFigureOut">
               <a:rPr lang="en-US" smtClean="0"/>
               <a:pPr/>
-              <a:t>03/04/2023</a:t>
+              <a:t>17/04/2023</a:t>
             </a:fld>
             <a:endParaRPr lang="en-US"/>
           </a:p>
@@ -11157,7 +11423,7 @@
             <a:fld id="{31E92B8E-6087-4A13-9F20-23C7A62C6D17}" type="datetimeFigureOut">
               <a:rPr lang="en-US" smtClean="0"/>
               <a:pPr/>
-              <a:t>03/04/2023</a:t>
+              <a:t>17/04/2023</a:t>
             </a:fld>
             <a:endParaRPr lang="en-US"/>
           </a:p>
@@ -11472,7 +11738,7 @@
             <a:fld id="{31E92B8E-6087-4A13-9F20-23C7A62C6D17}" type="datetimeFigureOut">
               <a:rPr lang="en-US" smtClean="0"/>
               <a:pPr/>
-              <a:t>03/04/2023</a:t>
+              <a:t>17/04/2023</a:t>
             </a:fld>
             <a:endParaRPr lang="en-US"/>
           </a:p>
@@ -11601,7 +11867,7 @@
             <a:fld id="{31E92B8E-6087-4A13-9F20-23C7A62C6D17}" type="datetimeFigureOut">
               <a:rPr lang="en-US" smtClean="0"/>
               <a:pPr/>
-              <a:t>03/04/2023</a:t>
+              <a:t>17/04/2023</a:t>
             </a:fld>
             <a:endParaRPr lang="en-US"/>
           </a:p>
@@ -12360,7 +12626,7 @@
             <a:fld id="{31E92B8E-6087-4A13-9F20-23C7A62C6D17}" type="datetimeFigureOut">
               <a:rPr lang="en-US" smtClean="0"/>
               <a:pPr/>
-              <a:t>03/04/2023</a:t>
+              <a:t>17/04/2023</a:t>
             </a:fld>
             <a:endParaRPr lang="en-US"/>
           </a:p>
@@ -34135,7 +34401,7 @@
           <a:p>
             <a:r>
               <a:rPr lang="en-US" dirty="0"/>
-              <a:t>Reference</a:t>
+              <a:t>REST</a:t>
             </a:r>
           </a:p>
         </p:txBody>
@@ -34152,138 +34418,67 @@
         </p:nvSpPr>
         <p:spPr/>
         <p:txBody>
-          <a:bodyPr>
-            <a:normAutofit fontScale="85000" lnSpcReduction="10000"/>
-          </a:bodyPr>
+          <a:bodyPr/>
           <a:lstStyle/>
           <a:p>
             <a:r>
-              <a:rPr lang="en-US" dirty="0">
-                <a:hlinkClick r:id="rId3"/>
-              </a:rPr>
-              <a:t>https://www.vogella.com/tutorials/REST/article.html</a:t>
-            </a:r>
-          </a:p>
-          <a:p>
-            <a:r>
-              <a:rPr lang="en-US" dirty="0">
-                <a:hlinkClick r:id="rId3"/>
-              </a:rPr>
-              <a:t>https://restfulapi.net/</a:t>
-            </a:r>
-            <a:endParaRPr lang="en-US" dirty="0"/>
-          </a:p>
-          <a:p>
-            <a:r>
-              <a:rPr lang="en-US" dirty="0">
-                <a:hlinkClick r:id="rId4"/>
-              </a:rPr>
-              <a:t>https://www.redhat.com/en/topics/api/what-is-a-rest-api</a:t>
-            </a:r>
-            <a:endParaRPr lang="en-US" dirty="0"/>
-          </a:p>
-          <a:p>
-            <a:r>
-              <a:rPr lang="en-US" dirty="0">
-                <a:hlinkClick r:id="rId5"/>
-              </a:rPr>
-              <a:t>https://en.wikipedia.org/wiki/Representational_state_transfer</a:t>
-            </a:r>
-            <a:endParaRPr lang="en-US" dirty="0"/>
-          </a:p>
-          <a:p>
-            <a:r>
-              <a:rPr lang="en-US" dirty="0">
-                <a:hlinkClick r:id="rId6"/>
-              </a:rPr>
-              <a:t>https://stackoverflow.com/questions/1568834/whats-the-difference-between-rest-restful</a:t>
-            </a:r>
-            <a:endParaRPr lang="en-US" dirty="0"/>
-          </a:p>
-          <a:p>
-            <a:r>
-              <a:rPr lang="en-US" dirty="0">
-                <a:hlinkClick r:id="rId7"/>
-              </a:rPr>
-              <a:t>https://eclipse-ee4j.github.io/jersey/</a:t>
-            </a:r>
-            <a:endParaRPr lang="en-US" dirty="0"/>
-          </a:p>
-          <a:p>
-            <a:r>
-              <a:rPr lang="en-US" dirty="0">
-                <a:hlinkClick r:id="rId8"/>
-              </a:rPr>
-              <a:t>https://eclipse-ee4j.github.io/jersey/download.html</a:t>
-            </a:r>
-            <a:endParaRPr lang="en-US" dirty="0"/>
-          </a:p>
-          <a:p>
-            <a:endParaRPr lang="en-US" dirty="0"/>
-          </a:p>
-          <a:p>
-            <a:endParaRPr lang="en-US" dirty="0"/>
-          </a:p>
-          <a:p>
-            <a:endParaRPr lang="en-US" dirty="0"/>
-          </a:p>
-          <a:p>
-            <a:endParaRPr lang="en-US" dirty="0"/>
-          </a:p>
-          <a:p>
-            <a:endParaRPr lang="en-US" dirty="0"/>
-          </a:p>
-          <a:p>
-            <a:endParaRPr lang="en-US" dirty="0"/>
-          </a:p>
-          <a:p>
-            <a:endParaRPr lang="en-US" dirty="0"/>
-          </a:p>
-          <a:p>
-            <a:endParaRPr lang="en-US" dirty="0"/>
-          </a:p>
-          <a:p>
-            <a:endParaRPr lang="en-US" dirty="0"/>
-          </a:p>
-          <a:p>
-            <a:endParaRPr lang="en-US" dirty="0"/>
-          </a:p>
-          <a:p>
-            <a:endParaRPr lang="en-US" dirty="0"/>
-          </a:p>
-          <a:p>
-            <a:endParaRPr lang="en-US" dirty="0"/>
-          </a:p>
-          <a:p>
-            <a:endParaRPr lang="en-US" dirty="0"/>
-          </a:p>
-          <a:p>
-            <a:endParaRPr lang="en-US" dirty="0"/>
-          </a:p>
-          <a:p>
-            <a:endParaRPr lang="en-US" dirty="0"/>
-          </a:p>
-          <a:p>
-            <a:endParaRPr lang="en-US" dirty="0"/>
+              <a:rPr lang="en-US" dirty="0"/>
+              <a:t>Programming</a:t>
+            </a:r>
           </a:p>
           <a:p>
             <a:pPr lvl="1"/>
-            <a:endParaRPr lang="en-US" dirty="0"/>
+            <a:r>
+              <a:rPr lang="en-US" dirty="0"/>
+              <a:t>Execution Order</a:t>
+            </a:r>
           </a:p>
           <a:p>
             <a:pPr lvl="1"/>
             <a:endParaRPr lang="en-US" dirty="0"/>
           </a:p>
-          <a:p>
-            <a:pPr lvl="1"/>
-            <a:endParaRPr lang="en-US" dirty="0"/>
-          </a:p>
-        </p:txBody>
-      </p:sp>
+        </p:txBody>
+      </p:sp>
+      <p:pic>
+        <p:nvPicPr>
+          <p:cNvPr id="5" name="Picture 4">
+            <a:extLst>
+              <a:ext uri="{FF2B5EF4-FFF2-40B4-BE49-F238E27FC236}">
+                <a16:creationId xmlns:a16="http://schemas.microsoft.com/office/drawing/2014/main" id="{41A40978-4DB3-D73C-401B-E8C4877544B7}"/>
+              </a:ext>
+            </a:extLst>
+          </p:cNvPr>
+          <p:cNvPicPr>
+            <a:picLocks noChangeAspect="1"/>
+          </p:cNvPicPr>
+          <p:nvPr/>
+        </p:nvPicPr>
+        <p:blipFill>
+          <a:blip r:embed="rId3">
+            <a:extLst>
+              <a:ext uri="{28A0092B-C50C-407E-A947-70E740481C1C}">
+                <a14:useLocalDpi xmlns:a14="http://schemas.microsoft.com/office/drawing/2010/main" val="0"/>
+              </a:ext>
+            </a:extLst>
+          </a:blip>
+          <a:stretch>
+            <a:fillRect/>
+          </a:stretch>
+        </p:blipFill>
+        <p:spPr>
+          <a:xfrm>
+            <a:off x="2195736" y="2708920"/>
+            <a:ext cx="6326085" cy="3675857"/>
+          </a:xfrm>
+          <a:prstGeom prst="rect">
+            <a:avLst/>
+          </a:prstGeom>
+        </p:spPr>
+      </p:pic>
     </p:spTree>
     <p:extLst>
       <p:ext uri="{BB962C8B-B14F-4D97-AF65-F5344CB8AC3E}">
-        <p14:creationId xmlns:p14="http://schemas.microsoft.com/office/powerpoint/2010/main" val="2811347385"/>
+        <p14:creationId xmlns:p14="http://schemas.microsoft.com/office/powerpoint/2010/main" val="1118869857"/>
       </p:ext>
     </p:extLst>
   </p:cSld>
@@ -34312,57 +34507,172 @@
       </p:grpSpPr>
       <p:sp>
         <p:nvSpPr>
-          <p:cNvPr id="4" name="Rectangle 3"/>
-          <p:cNvSpPr/>
-          <p:nvPr/>
-        </p:nvSpPr>
-        <p:spPr>
-          <a:xfrm>
-            <a:off x="3692290" y="2967335"/>
-            <a:ext cx="2165594" cy="923330"/>
-          </a:xfrm>
-          <a:prstGeom prst="rect">
-            <a:avLst/>
-          </a:prstGeom>
-          <a:noFill/>
-        </p:spPr>
-        <p:txBody>
-          <a:bodyPr wrap="none" lIns="91440" tIns="45720" rIns="91440" bIns="45720">
-            <a:spAutoFit/>
+          <p:cNvPr id="2" name="Title 1"/>
+          <p:cNvSpPr>
+            <a:spLocks noGrp="1"/>
+          </p:cNvSpPr>
+          <p:nvPr>
+            <p:ph type="title"/>
+          </p:nvPr>
+        </p:nvSpPr>
+        <p:spPr/>
+        <p:txBody>
+          <a:bodyPr/>
+          <a:lstStyle/>
+          <a:p>
+            <a:r>
+              <a:rPr lang="en-US" dirty="0"/>
+              <a:t>Reference</a:t>
+            </a:r>
+          </a:p>
+        </p:txBody>
+      </p:sp>
+      <p:sp>
+        <p:nvSpPr>
+          <p:cNvPr id="3" name="Content Placeholder 2"/>
+          <p:cNvSpPr>
+            <a:spLocks noGrp="1"/>
+          </p:cNvSpPr>
+          <p:nvPr>
+            <p:ph idx="1"/>
+          </p:nvPr>
+        </p:nvSpPr>
+        <p:spPr/>
+        <p:txBody>
+          <a:bodyPr>
+            <a:normAutofit fontScale="85000" lnSpcReduction="10000"/>
           </a:bodyPr>
           <a:lstStyle/>
           <a:p>
-            <a:pPr algn="ctr"/>
-            <a:r>
-              <a:rPr lang="en-US" sz="5400" b="1" cap="none" spc="0" dirty="0">
-                <a:ln w="12700">
-                  <a:solidFill>
-                    <a:schemeClr val="tx2">
-                      <a:satMod val="155000"/>
-                    </a:schemeClr>
-                  </a:solidFill>
-                  <a:prstDash val="solid"/>
-                </a:ln>
-                <a:solidFill>
-                  <a:schemeClr val="bg2">
-                    <a:tint val="85000"/>
-                    <a:satMod val="155000"/>
-                  </a:schemeClr>
-                </a:solidFill>
-                <a:effectLst>
-                  <a:outerShdw blurRad="41275" dist="20320" dir="1800000" algn="tl" rotWithShape="0">
-                    <a:srgbClr val="000000">
-                      <a:alpha val="40000"/>
-                    </a:srgbClr>
-                  </a:outerShdw>
-                </a:effectLst>
-              </a:rPr>
-              <a:t>Q &amp; A</a:t>
-            </a:r>
+            <a:r>
+              <a:rPr lang="en-US" dirty="0">
+                <a:hlinkClick r:id="rId3"/>
+              </a:rPr>
+              <a:t>https://www.vogella.com/tutorials/REST/article.html</a:t>
+            </a:r>
+          </a:p>
+          <a:p>
+            <a:r>
+              <a:rPr lang="en-US" dirty="0">
+                <a:hlinkClick r:id="rId3"/>
+              </a:rPr>
+              <a:t>https://restfulapi.net/</a:t>
+            </a:r>
+            <a:endParaRPr lang="en-US" dirty="0"/>
+          </a:p>
+          <a:p>
+            <a:r>
+              <a:rPr lang="en-US" dirty="0">
+                <a:hlinkClick r:id="rId4"/>
+              </a:rPr>
+              <a:t>https://www.redhat.com/en/topics/api/what-is-a-rest-api</a:t>
+            </a:r>
+            <a:endParaRPr lang="en-US" dirty="0"/>
+          </a:p>
+          <a:p>
+            <a:r>
+              <a:rPr lang="en-US" dirty="0">
+                <a:hlinkClick r:id="rId5"/>
+              </a:rPr>
+              <a:t>https://en.wikipedia.org/wiki/Representational_state_transfer</a:t>
+            </a:r>
+            <a:endParaRPr lang="en-US" dirty="0"/>
+          </a:p>
+          <a:p>
+            <a:r>
+              <a:rPr lang="en-US" dirty="0">
+                <a:hlinkClick r:id="rId6"/>
+              </a:rPr>
+              <a:t>https://stackoverflow.com/questions/1568834/whats-the-difference-between-rest-restful</a:t>
+            </a:r>
+            <a:endParaRPr lang="en-US" dirty="0"/>
+          </a:p>
+          <a:p>
+            <a:r>
+              <a:rPr lang="en-US" dirty="0">
+                <a:hlinkClick r:id="rId7"/>
+              </a:rPr>
+              <a:t>https://eclipse-ee4j.github.io/jersey/</a:t>
+            </a:r>
+            <a:endParaRPr lang="en-US" dirty="0"/>
+          </a:p>
+          <a:p>
+            <a:r>
+              <a:rPr lang="en-US" dirty="0">
+                <a:hlinkClick r:id="rId8"/>
+              </a:rPr>
+              <a:t>https://eclipse-ee4j.github.io/jersey/download.html</a:t>
+            </a:r>
+            <a:endParaRPr lang="en-US" dirty="0"/>
+          </a:p>
+          <a:p>
+            <a:endParaRPr lang="en-US" dirty="0"/>
+          </a:p>
+          <a:p>
+            <a:endParaRPr lang="en-US" dirty="0"/>
+          </a:p>
+          <a:p>
+            <a:endParaRPr lang="en-US" dirty="0"/>
+          </a:p>
+          <a:p>
+            <a:endParaRPr lang="en-US" dirty="0"/>
+          </a:p>
+          <a:p>
+            <a:endParaRPr lang="en-US" dirty="0"/>
+          </a:p>
+          <a:p>
+            <a:endParaRPr lang="en-US" dirty="0"/>
+          </a:p>
+          <a:p>
+            <a:endParaRPr lang="en-US" dirty="0"/>
+          </a:p>
+          <a:p>
+            <a:endParaRPr lang="en-US" dirty="0"/>
+          </a:p>
+          <a:p>
+            <a:endParaRPr lang="en-US" dirty="0"/>
+          </a:p>
+          <a:p>
+            <a:endParaRPr lang="en-US" dirty="0"/>
+          </a:p>
+          <a:p>
+            <a:endParaRPr lang="en-US" dirty="0"/>
+          </a:p>
+          <a:p>
+            <a:endParaRPr lang="en-US" dirty="0"/>
+          </a:p>
+          <a:p>
+            <a:endParaRPr lang="en-US" dirty="0"/>
+          </a:p>
+          <a:p>
+            <a:endParaRPr lang="en-US" dirty="0"/>
+          </a:p>
+          <a:p>
+            <a:endParaRPr lang="en-US" dirty="0"/>
+          </a:p>
+          <a:p>
+            <a:endParaRPr lang="en-US" dirty="0"/>
+          </a:p>
+          <a:p>
+            <a:pPr lvl="1"/>
+            <a:endParaRPr lang="en-US" dirty="0"/>
+          </a:p>
+          <a:p>
+            <a:pPr lvl="1"/>
+            <a:endParaRPr lang="en-US" dirty="0"/>
+          </a:p>
+          <a:p>
+            <a:pPr lvl="1"/>
+            <a:endParaRPr lang="en-US" dirty="0"/>
           </a:p>
         </p:txBody>
       </p:sp>
     </p:spTree>
+    <p:extLst>
+      <p:ext uri="{BB962C8B-B14F-4D97-AF65-F5344CB8AC3E}">
+        <p14:creationId xmlns:p14="http://schemas.microsoft.com/office/powerpoint/2010/main" val="2811347385"/>
+      </p:ext>
+    </p:extLst>
   </p:cSld>
   <p:clrMapOvr>
     <a:masterClrMapping/>
@@ -34507,6 +34817,83 @@
         <p14:creationId xmlns:p14="http://schemas.microsoft.com/office/powerpoint/2010/main" val="2565509082"/>
       </p:ext>
     </p:extLst>
+  </p:cSld>
+  <p:clrMapOvr>
+    <a:masterClrMapping/>
+  </p:clrMapOvr>
+</p:sld>
+</file>
+
+<file path=ppt/slides/slide60.xml><?xml version="1.0" encoding="utf-8"?>
+<p:sld xmlns:a="http://schemas.openxmlformats.org/drawingml/2006/main" xmlns:r="http://schemas.openxmlformats.org/officeDocument/2006/relationships" xmlns:p="http://schemas.openxmlformats.org/presentationml/2006/main">
+  <p:cSld>
+    <p:spTree>
+      <p:nvGrpSpPr>
+        <p:cNvPr id="1" name=""/>
+        <p:cNvGrpSpPr/>
+        <p:nvPr/>
+      </p:nvGrpSpPr>
+      <p:grpSpPr>
+        <a:xfrm>
+          <a:off x="0" y="0"/>
+          <a:ext cx="0" cy="0"/>
+          <a:chOff x="0" y="0"/>
+          <a:chExt cx="0" cy="0"/>
+        </a:xfrm>
+      </p:grpSpPr>
+      <p:sp>
+        <p:nvSpPr>
+          <p:cNvPr id="4" name="Rectangle 3"/>
+          <p:cNvSpPr/>
+          <p:nvPr/>
+        </p:nvSpPr>
+        <p:spPr>
+          <a:xfrm>
+            <a:off x="3692290" y="2967335"/>
+            <a:ext cx="2165594" cy="923330"/>
+          </a:xfrm>
+          <a:prstGeom prst="rect">
+            <a:avLst/>
+          </a:prstGeom>
+          <a:noFill/>
+        </p:spPr>
+        <p:txBody>
+          <a:bodyPr wrap="none" lIns="91440" tIns="45720" rIns="91440" bIns="45720">
+            <a:spAutoFit/>
+          </a:bodyPr>
+          <a:lstStyle/>
+          <a:p>
+            <a:pPr algn="ctr"/>
+            <a:r>
+              <a:rPr lang="en-US" sz="5400" b="1" cap="none" spc="0" dirty="0">
+                <a:ln w="12700">
+                  <a:solidFill>
+                    <a:schemeClr val="tx2">
+                      <a:satMod val="155000"/>
+                    </a:schemeClr>
+                  </a:solidFill>
+                  <a:prstDash val="solid"/>
+                </a:ln>
+                <a:solidFill>
+                  <a:schemeClr val="bg2">
+                    <a:tint val="85000"/>
+                    <a:satMod val="155000"/>
+                  </a:schemeClr>
+                </a:solidFill>
+                <a:effectLst>
+                  <a:outerShdw blurRad="41275" dist="20320" dir="1800000" algn="tl" rotWithShape="0">
+                    <a:srgbClr val="000000">
+                      <a:alpha val="40000"/>
+                    </a:srgbClr>
+                  </a:outerShdw>
+                </a:effectLst>
+              </a:rPr>
+              <a:t>Q &amp; A</a:t>
+            </a:r>
+          </a:p>
+        </p:txBody>
+      </p:sp>
+    </p:spTree>
   </p:cSld>
   <p:clrMapOvr>
     <a:masterClrMapping/>
